--- a/src/main/resources/Documentation/UserDocs/app/Connecting and Pushing Profiles to GVT from IGAMT.pptx
+++ b/src/main/resources/Documentation/UserDocs/app/Connecting and Pushing Profiles to GVT from IGAMT.pptx
@@ -5,12 +5,13 @@
     <p:sldMasterId id="2147483812" r:id="rId1"/>
   </p:sldMasterIdLst>
   <p:notesMasterIdLst>
-    <p:notesMasterId r:id="rId5"/>
+    <p:notesMasterId r:id="rId6"/>
   </p:notesMasterIdLst>
   <p:sldIdLst>
-    <p:sldId id="316" r:id="rId2"/>
-    <p:sldId id="314" r:id="rId3"/>
-    <p:sldId id="321" r:id="rId4"/>
+    <p:sldId id="319" r:id="rId2"/>
+    <p:sldId id="322" r:id="rId3"/>
+    <p:sldId id="323" r:id="rId4"/>
+    <p:sldId id="324" r:id="rId5"/>
   </p:sldIdLst>
   <p:sldSz cx="12192000" cy="6858000"/>
   <p:notesSz cx="7010400" cy="9296400"/>
@@ -112,7 +113,7 @@
   <p:extLst>
     <p:ext uri="{EFAFB233-063F-42B5-8137-9DF3F51BA10A}">
       <p15:sldGuideLst xmlns:p15="http://schemas.microsoft.com/office/powerpoint/2012/main">
-        <p15:guide id="1" orient="horz" pos="456" userDrawn="1">
+        <p15:guide id="1" orient="horz" pos="2856" userDrawn="1">
           <p15:clr>
             <a:srgbClr val="A4A3A4"/>
           </p15:clr>
@@ -143,46 +144,71 @@
 </p:cmAuthorLst>
 </file>
 
+<file path=ppt/revisionInfo.xml><?xml version="1.0" encoding="utf-8"?>
+<p1510:revInfo xmlns:a="http://schemas.openxmlformats.org/drawingml/2006/main" xmlns:r="http://schemas.openxmlformats.org/officeDocument/2006/relationships" xmlns:p1510="http://schemas.microsoft.com/office/powerpoint/2015/10/main">
+  <p1510:revLst>
+    <p1510:client id="{723F5A67-64CE-4A2B-A56A-9CA5C9A44C5B}" v="3" dt="2019-05-15T13:08:10.396"/>
+  </p1510:revLst>
+</p1510:revInfo>
+</file>
+
 <file path=ppt/changesInfos/changesInfo1.xml><?xml version="1.0" encoding="utf-8"?>
 <pc:chgInfo xmlns:a="http://schemas.openxmlformats.org/drawingml/2006/main" xmlns:r="http://schemas.openxmlformats.org/officeDocument/2006/relationships" xmlns:ac="http://schemas.microsoft.com/office/drawing/2013/main/command" xmlns:pc="http://schemas.microsoft.com/office/powerpoint/2013/main/command">
   <pc:docChgLst>
-    <pc:chgData name="Martinez, Sandra (Fed)" userId="a803850f-d246-4701-851d-cf6e46ff4720" providerId="ADAL" clId="{F3C82045-2409-4243-AE19-684477CECBCC}"/>
-    <pc:docChg chg="modSld">
-      <pc:chgData name="Martinez, Sandra (Fed)" userId="a803850f-d246-4701-851d-cf6e46ff4720" providerId="ADAL" clId="{F3C82045-2409-4243-AE19-684477CECBCC}" dt="2018-08-03T20:07:50.994" v="1"/>
+    <pc:chgData name="Martinez, Sandra (Fed)" userId="4d3d0ce3547d3a6e" providerId="OrgId" clId="{723F5A67-64CE-4A2B-A56A-9CA5C9A44C5B}"/>
+    <pc:docChg chg="custSel modSld">
+      <pc:chgData name="Martinez, Sandra (Fed)" userId="4d3d0ce3547d3a6e" providerId="OrgId" clId="{723F5A67-64CE-4A2B-A56A-9CA5C9A44C5B}" dt="2019-05-15T13:08:10.396" v="2" actId="478"/>
       <pc:docMkLst>
         <pc:docMk/>
       </pc:docMkLst>
-      <pc:sldChg chg="delCm">
-        <pc:chgData name="Martinez, Sandra (Fed)" userId="a803850f-d246-4701-851d-cf6e46ff4720" providerId="ADAL" clId="{F3C82045-2409-4243-AE19-684477CECBCC}" dt="2018-08-03T20:07:50.994" v="1"/>
+      <pc:sldChg chg="delSp">
+        <pc:chgData name="Martinez, Sandra (Fed)" userId="4d3d0ce3547d3a6e" providerId="OrgId" clId="{723F5A67-64CE-4A2B-A56A-9CA5C9A44C5B}" dt="2019-05-15T13:08:10.396" v="2" actId="478"/>
         <pc:sldMkLst>
           <pc:docMk/>
-          <pc:sldMk cId="290357216" sldId="314"/>
+          <pc:sldMk cId="854207401" sldId="322"/>
         </pc:sldMkLst>
+        <pc:spChg chg="del">
+          <ac:chgData name="Martinez, Sandra (Fed)" userId="4d3d0ce3547d3a6e" providerId="OrgId" clId="{723F5A67-64CE-4A2B-A56A-9CA5C9A44C5B}" dt="2019-05-15T13:08:10.396" v="2" actId="478"/>
+          <ac:spMkLst>
+            <pc:docMk/>
+            <pc:sldMk cId="854207401" sldId="322"/>
+            <ac:spMk id="2" creationId="{3F3730FD-D355-4DCE-95AD-CC38E6CCCA52}"/>
+          </ac:spMkLst>
+        </pc:spChg>
       </pc:sldChg>
-      <pc:sldChg chg="modNotesTx">
-        <pc:chgData name="Martinez, Sandra (Fed)" userId="a803850f-d246-4701-851d-cf6e46ff4720" providerId="ADAL" clId="{F3C82045-2409-4243-AE19-684477CECBCC}" dt="2018-08-02T19:11:41.346" v="0" actId="6549"/>
+      <pc:sldChg chg="delSp">
+        <pc:chgData name="Martinez, Sandra (Fed)" userId="4d3d0ce3547d3a6e" providerId="OrgId" clId="{723F5A67-64CE-4A2B-A56A-9CA5C9A44C5B}" dt="2019-05-15T13:08:07.803" v="1" actId="478"/>
         <pc:sldMkLst>
           <pc:docMk/>
-          <pc:sldMk cId="3114868880" sldId="316"/>
+          <pc:sldMk cId="1076389263" sldId="323"/>
         </pc:sldMkLst>
+        <pc:spChg chg="del">
+          <ac:chgData name="Martinez, Sandra (Fed)" userId="4d3d0ce3547d3a6e" providerId="OrgId" clId="{723F5A67-64CE-4A2B-A56A-9CA5C9A44C5B}" dt="2019-05-15T13:08:07.803" v="1" actId="478"/>
+          <ac:spMkLst>
+            <pc:docMk/>
+            <pc:sldMk cId="1076389263" sldId="323"/>
+            <ac:spMk id="27" creationId="{CDD66707-160C-43C1-B451-F94F3BB7F941}"/>
+          </ac:spMkLst>
+        </pc:spChg>
+      </pc:sldChg>
+      <pc:sldChg chg="delSp">
+        <pc:chgData name="Martinez, Sandra (Fed)" userId="4d3d0ce3547d3a6e" providerId="OrgId" clId="{723F5A67-64CE-4A2B-A56A-9CA5C9A44C5B}" dt="2019-05-15T13:08:04.631" v="0" actId="478"/>
+        <pc:sldMkLst>
+          <pc:docMk/>
+          <pc:sldMk cId="1666118900" sldId="324"/>
+        </pc:sldMkLst>
+        <pc:spChg chg="del">
+          <ac:chgData name="Martinez, Sandra (Fed)" userId="4d3d0ce3547d3a6e" providerId="OrgId" clId="{723F5A67-64CE-4A2B-A56A-9CA5C9A44C5B}" dt="2019-05-15T13:08:04.631" v="0" actId="478"/>
+          <ac:spMkLst>
+            <pc:docMk/>
+            <pc:sldMk cId="1666118900" sldId="324"/>
+            <ac:spMk id="29" creationId="{6A91C063-9A53-4316-AD06-5F7A081923A9}"/>
+          </ac:spMkLst>
+        </pc:spChg>
       </pc:sldChg>
     </pc:docChg>
   </pc:docChgLst>
 </pc:chgInfo>
-</file>
-
-<file path=ppt/comments/comment1.xml><?xml version="1.0" encoding="utf-8"?>
-<p:cmLst xmlns:a="http://schemas.openxmlformats.org/drawingml/2006/main" xmlns:r="http://schemas.openxmlformats.org/officeDocument/2006/relationships" xmlns:p="http://schemas.openxmlformats.org/presentationml/2006/main">
-  <p:cm authorId="1" dt="2018-07-20T14:53:24.356" idx="8">
-    <p:pos x="10" y="10"/>
-    <p:text>video - cont.</p:text>
-    <p:extLst>
-      <p:ext uri="{C676402C-5697-4E1C-873F-D02D1690AC5C}">
-        <p15:threadingInfo xmlns:p15="http://schemas.microsoft.com/office/powerpoint/2012/main" timeZoneBias="240"/>
-      </p:ext>
-    </p:extLst>
-  </p:cm>
-</p:cmLst>
 </file>
 
 <file path=ppt/notesMasters/notesMaster1.xml><?xml version="1.0" encoding="utf-8"?>
@@ -267,7 +293,7 @@
           <a:p>
             <a:fld id="{9D756F37-617F-4B1C-BED3-CE7228747FF6}" type="datetimeFigureOut">
               <a:rPr lang="en-US" smtClean="0"/>
-              <a:t>8/3/2018</a:t>
+              <a:t>5/15/2019</a:t>
             </a:fld>
             <a:endParaRPr lang="en-US" dirty="0"/>
           </a:p>
@@ -556,6 +582,243 @@
           <p:cNvPr id="2" name="Slide Image Placeholder 1">
             <a:extLst>
               <a:ext uri="{FF2B5EF4-FFF2-40B4-BE49-F238E27FC236}">
+                <a16:creationId xmlns:a16="http://schemas.microsoft.com/office/drawing/2014/main" id="{E9239070-0187-4D9F-895B-A34C5A25E0F5}"/>
+              </a:ext>
+            </a:extLst>
+          </p:cNvPr>
+          <p:cNvSpPr>
+            <a:spLocks noGrp="1" noRot="1" noChangeAspect="1"/>
+          </p:cNvSpPr>
+          <p:nvPr>
+            <p:ph type="sldImg"/>
+          </p:nvPr>
+        </p:nvSpPr>
+        <p:spPr/>
+      </p:sp>
+      <p:sp>
+        <p:nvSpPr>
+          <p:cNvPr id="3" name="Notes Placeholder 2">
+            <a:extLst>
+              <a:ext uri="{FF2B5EF4-FFF2-40B4-BE49-F238E27FC236}">
+                <a16:creationId xmlns:a16="http://schemas.microsoft.com/office/drawing/2014/main" id="{39A65C53-C5C5-4A1B-A0FE-C747921CEEEC}"/>
+              </a:ext>
+            </a:extLst>
+          </p:cNvPr>
+          <p:cNvSpPr>
+            <a:spLocks noGrp="1"/>
+          </p:cNvSpPr>
+          <p:nvPr>
+            <p:ph type="body" idx="1"/>
+          </p:nvPr>
+        </p:nvSpPr>
+        <p:spPr/>
+        <p:txBody>
+          <a:bodyPr/>
+          <a:lstStyle/>
+          <a:p>
+            <a:pPr>
+              <a:defRPr/>
+            </a:pPr>
+            <a:endParaRPr lang="en-US" dirty="0"/>
+          </a:p>
+        </p:txBody>
+      </p:sp>
+      <p:sp>
+        <p:nvSpPr>
+          <p:cNvPr id="6148" name="Slide Number Placeholder 3">
+            <a:extLst>
+              <a:ext uri="{FF2B5EF4-FFF2-40B4-BE49-F238E27FC236}">
+                <a16:creationId xmlns:a16="http://schemas.microsoft.com/office/drawing/2014/main" id="{FC960E18-7743-402C-AE6F-ABBE9FF604F2}"/>
+              </a:ext>
+            </a:extLst>
+          </p:cNvPr>
+          <p:cNvSpPr>
+            <a:spLocks noGrp="1"/>
+          </p:cNvSpPr>
+          <p:nvPr>
+            <p:ph type="sldNum" sz="quarter" idx="5"/>
+          </p:nvPr>
+        </p:nvSpPr>
+        <p:spPr>
+          <a:noFill/>
+        </p:spPr>
+        <p:txBody>
+          <a:bodyPr/>
+          <a:lstStyle>
+            <a:lvl1pPr defTabSz="947893">
+              <a:defRPr b="1">
+                <a:solidFill>
+                  <a:schemeClr val="tx1"/>
+                </a:solidFill>
+                <a:latin typeface="Arial" panose="020B0604020202020204" pitchFamily="34" charset="0"/>
+                <a:ea typeface="ＭＳ Ｐゴシック" panose="020B0600070205080204" pitchFamily="34" charset="-128"/>
+              </a:defRPr>
+            </a:lvl1pPr>
+            <a:lvl2pPr marL="757020" indent="-291161" defTabSz="947893">
+              <a:defRPr b="1">
+                <a:solidFill>
+                  <a:schemeClr val="tx1"/>
+                </a:solidFill>
+                <a:latin typeface="Arial" panose="020B0604020202020204" pitchFamily="34" charset="0"/>
+                <a:ea typeface="ＭＳ Ｐゴシック" panose="020B0600070205080204" pitchFamily="34" charset="-128"/>
+              </a:defRPr>
+            </a:lvl2pPr>
+            <a:lvl3pPr marL="1164647" indent="-232930" defTabSz="947893">
+              <a:defRPr b="1">
+                <a:solidFill>
+                  <a:schemeClr val="tx1"/>
+                </a:solidFill>
+                <a:latin typeface="Arial" panose="020B0604020202020204" pitchFamily="34" charset="0"/>
+                <a:ea typeface="ＭＳ Ｐゴシック" panose="020B0600070205080204" pitchFamily="34" charset="-128"/>
+              </a:defRPr>
+            </a:lvl3pPr>
+            <a:lvl4pPr marL="1630505" indent="-232930" defTabSz="947893">
+              <a:defRPr b="1">
+                <a:solidFill>
+                  <a:schemeClr val="tx1"/>
+                </a:solidFill>
+                <a:latin typeface="Arial" panose="020B0604020202020204" pitchFamily="34" charset="0"/>
+                <a:ea typeface="ＭＳ Ｐゴシック" panose="020B0600070205080204" pitchFamily="34" charset="-128"/>
+              </a:defRPr>
+            </a:lvl4pPr>
+            <a:lvl5pPr marL="2096364" indent="-232930" defTabSz="947893">
+              <a:defRPr b="1">
+                <a:solidFill>
+                  <a:schemeClr val="tx1"/>
+                </a:solidFill>
+                <a:latin typeface="Arial" panose="020B0604020202020204" pitchFamily="34" charset="0"/>
+                <a:ea typeface="ＭＳ Ｐゴシック" panose="020B0600070205080204" pitchFamily="34" charset="-128"/>
+              </a:defRPr>
+            </a:lvl5pPr>
+            <a:lvl6pPr marL="2562222" indent="-232930" defTabSz="947893" eaLnBrk="0" fontAlgn="base" hangingPunct="0">
+              <a:spcBef>
+                <a:spcPct val="0"/>
+              </a:spcBef>
+              <a:spcAft>
+                <a:spcPct val="0"/>
+              </a:spcAft>
+              <a:defRPr b="1">
+                <a:solidFill>
+                  <a:schemeClr val="tx1"/>
+                </a:solidFill>
+                <a:latin typeface="Arial" panose="020B0604020202020204" pitchFamily="34" charset="0"/>
+                <a:ea typeface="ＭＳ Ｐゴシック" panose="020B0600070205080204" pitchFamily="34" charset="-128"/>
+              </a:defRPr>
+            </a:lvl6pPr>
+            <a:lvl7pPr marL="3028081" indent="-232930" defTabSz="947893" eaLnBrk="0" fontAlgn="base" hangingPunct="0">
+              <a:spcBef>
+                <a:spcPct val="0"/>
+              </a:spcBef>
+              <a:spcAft>
+                <a:spcPct val="0"/>
+              </a:spcAft>
+              <a:defRPr b="1">
+                <a:solidFill>
+                  <a:schemeClr val="tx1"/>
+                </a:solidFill>
+                <a:latin typeface="Arial" panose="020B0604020202020204" pitchFamily="34" charset="0"/>
+                <a:ea typeface="ＭＳ Ｐゴシック" panose="020B0600070205080204" pitchFamily="34" charset="-128"/>
+              </a:defRPr>
+            </a:lvl7pPr>
+            <a:lvl8pPr marL="3493939" indent="-232930" defTabSz="947893" eaLnBrk="0" fontAlgn="base" hangingPunct="0">
+              <a:spcBef>
+                <a:spcPct val="0"/>
+              </a:spcBef>
+              <a:spcAft>
+                <a:spcPct val="0"/>
+              </a:spcAft>
+              <a:defRPr b="1">
+                <a:solidFill>
+                  <a:schemeClr val="tx1"/>
+                </a:solidFill>
+                <a:latin typeface="Arial" panose="020B0604020202020204" pitchFamily="34" charset="0"/>
+                <a:ea typeface="ＭＳ Ｐゴシック" panose="020B0600070205080204" pitchFamily="34" charset="-128"/>
+              </a:defRPr>
+            </a:lvl8pPr>
+            <a:lvl9pPr marL="3959798" indent="-232930" defTabSz="947893" eaLnBrk="0" fontAlgn="base" hangingPunct="0">
+              <a:spcBef>
+                <a:spcPct val="0"/>
+              </a:spcBef>
+              <a:spcAft>
+                <a:spcPct val="0"/>
+              </a:spcAft>
+              <a:defRPr b="1">
+                <a:solidFill>
+                  <a:schemeClr val="tx1"/>
+                </a:solidFill>
+                <a:latin typeface="Arial" panose="020B0604020202020204" pitchFamily="34" charset="0"/>
+                <a:ea typeface="ＭＳ Ｐゴシック" panose="020B0600070205080204" pitchFamily="34" charset="-128"/>
+              </a:defRPr>
+            </a:lvl9pPr>
+          </a:lstStyle>
+          <a:p>
+            <a:pPr fontAlgn="base">
+              <a:spcBef>
+                <a:spcPct val="0"/>
+              </a:spcBef>
+              <a:spcAft>
+                <a:spcPct val="0"/>
+              </a:spcAft>
+            </a:pPr>
+            <a:fld id="{E5BF22B4-E505-4321-A854-F5430114A4C7}" type="slidenum">
+              <a:rPr lang="en-US" altLang="en-US" b="0">
+                <a:solidFill>
+                  <a:srgbClr val="000000"/>
+                </a:solidFill>
+              </a:rPr>
+              <a:pPr fontAlgn="base">
+                <a:spcBef>
+                  <a:spcPct val="0"/>
+                </a:spcBef>
+                <a:spcAft>
+                  <a:spcPct val="0"/>
+                </a:spcAft>
+              </a:pPr>
+              <a:t>1</a:t>
+            </a:fld>
+            <a:endParaRPr lang="en-US" altLang="en-US" b="0" dirty="0">
+              <a:solidFill>
+                <a:srgbClr val="000000"/>
+              </a:solidFill>
+            </a:endParaRPr>
+          </a:p>
+        </p:txBody>
+      </p:sp>
+    </p:spTree>
+    <p:extLst>
+      <p:ext uri="{BB962C8B-B14F-4D97-AF65-F5344CB8AC3E}">
+        <p14:creationId xmlns:p14="http://schemas.microsoft.com/office/powerpoint/2010/main" val="1472820847"/>
+      </p:ext>
+    </p:extLst>
+  </p:cSld>
+  <p:clrMapOvr>
+    <a:masterClrMapping/>
+  </p:clrMapOvr>
+</p:notes>
+</file>
+
+<file path=ppt/notesSlides/notesSlide2.xml><?xml version="1.0" encoding="utf-8"?>
+<p:notes xmlns:a="http://schemas.openxmlformats.org/drawingml/2006/main" xmlns:r="http://schemas.openxmlformats.org/officeDocument/2006/relationships" xmlns:p="http://schemas.openxmlformats.org/presentationml/2006/main">
+  <p:cSld>
+    <p:spTree>
+      <p:nvGrpSpPr>
+        <p:cNvPr id="1" name=""/>
+        <p:cNvGrpSpPr/>
+        <p:nvPr/>
+      </p:nvGrpSpPr>
+      <p:grpSpPr>
+        <a:xfrm>
+          <a:off x="0" y="0"/>
+          <a:ext cx="0" cy="0"/>
+          <a:chOff x="0" y="0"/>
+          <a:chExt cx="0" cy="0"/>
+        </a:xfrm>
+      </p:grpSpPr>
+      <p:sp>
+        <p:nvSpPr>
+          <p:cNvPr id="2" name="Slide Image Placeholder 1">
+            <a:extLst>
+              <a:ext uri="{FF2B5EF4-FFF2-40B4-BE49-F238E27FC236}">
                 <a16:creationId xmlns:a16="http://schemas.microsoft.com/office/drawing/2014/main" id="{7FC93573-F841-41F5-8444-CD200C6E2DF5}"/>
               </a:ext>
             </a:extLst>
@@ -753,7 +1016,7 @@
                   <a:spcPct val="0"/>
                 </a:spcAft>
               </a:pPr>
-              <a:t>1</a:t>
+              <a:t>2</a:t>
             </a:fld>
             <a:endParaRPr lang="en-US" altLang="en-US" b="0" dirty="0">
               <a:solidFill>
@@ -766,7 +1029,7 @@
     </p:spTree>
     <p:extLst>
       <p:ext uri="{BB962C8B-B14F-4D97-AF65-F5344CB8AC3E}">
-        <p14:creationId xmlns:p14="http://schemas.microsoft.com/office/powerpoint/2010/main" val="3824424276"/>
+        <p14:creationId xmlns:p14="http://schemas.microsoft.com/office/powerpoint/2010/main" val="1089343045"/>
       </p:ext>
     </p:extLst>
   </p:cSld>
@@ -3589,6 +3852,1906 @@
       </p:grpSpPr>
       <p:sp>
         <p:nvSpPr>
+          <p:cNvPr id="5" name="Title 4">
+            <a:extLst>
+              <a:ext uri="{FF2B5EF4-FFF2-40B4-BE49-F238E27FC236}">
+                <a16:creationId xmlns:a16="http://schemas.microsoft.com/office/drawing/2014/main" id="{A0190E51-96FA-4A29-83B4-DCA2F5F07724}"/>
+              </a:ext>
+            </a:extLst>
+          </p:cNvPr>
+          <p:cNvSpPr>
+            <a:spLocks noGrp="1"/>
+          </p:cNvSpPr>
+          <p:nvPr>
+            <p:ph type="title"/>
+          </p:nvPr>
+        </p:nvSpPr>
+        <p:spPr>
+          <a:xfrm>
+            <a:off x="1844812" y="123108"/>
+            <a:ext cx="8229600" cy="457200"/>
+          </a:xfrm>
+        </p:spPr>
+        <p:txBody>
+          <a:bodyPr/>
+          <a:lstStyle/>
+          <a:p>
+            <a:pPr algn="ctr">
+              <a:defRPr/>
+            </a:pPr>
+            <a:r>
+              <a:rPr lang="en-US" dirty="0"/>
+              <a:t>General Validation Tool (GVT) Overview</a:t>
+            </a:r>
+          </a:p>
+        </p:txBody>
+      </p:sp>
+      <p:sp>
+        <p:nvSpPr>
+          <p:cNvPr id="6" name="Content Placeholder 5">
+            <a:extLst>
+              <a:ext uri="{FF2B5EF4-FFF2-40B4-BE49-F238E27FC236}">
+                <a16:creationId xmlns:a16="http://schemas.microsoft.com/office/drawing/2014/main" id="{5103A038-8AF1-49ED-995F-CB8C89F82C22}"/>
+              </a:ext>
+            </a:extLst>
+          </p:cNvPr>
+          <p:cNvSpPr>
+            <a:spLocks noGrp="1"/>
+          </p:cNvSpPr>
+          <p:nvPr>
+            <p:ph idx="1"/>
+          </p:nvPr>
+        </p:nvSpPr>
+        <p:spPr>
+          <a:xfrm>
+            <a:off x="1958326" y="702780"/>
+            <a:ext cx="8353425" cy="5406565"/>
+          </a:xfrm>
+        </p:spPr>
+        <p:txBody>
+          <a:bodyPr/>
+          <a:lstStyle/>
+          <a:p>
+            <a:pPr marL="0" indent="0">
+              <a:buNone/>
+              <a:defRPr/>
+            </a:pPr>
+            <a:endParaRPr lang="en-US" sz="1800" b="1" dirty="0"/>
+          </a:p>
+          <a:p>
+            <a:pPr marL="0" indent="0">
+              <a:buNone/>
+              <a:defRPr/>
+            </a:pPr>
+            <a:endParaRPr lang="en-US" sz="1800" b="1" dirty="0"/>
+          </a:p>
+          <a:p>
+            <a:pPr marL="0" indent="0">
+              <a:buNone/>
+              <a:defRPr/>
+            </a:pPr>
+            <a:endParaRPr lang="en-US" sz="1800" b="1" dirty="0"/>
+          </a:p>
+          <a:p>
+            <a:pPr marL="0" indent="0">
+              <a:buNone/>
+              <a:defRPr/>
+            </a:pPr>
+            <a:endParaRPr lang="en-US" sz="1800" b="1" dirty="0"/>
+          </a:p>
+          <a:p>
+            <a:pPr marL="0" indent="0">
+              <a:buNone/>
+              <a:defRPr/>
+            </a:pPr>
+            <a:endParaRPr lang="en-US" sz="1800" b="1" dirty="0"/>
+          </a:p>
+          <a:p>
+            <a:pPr marL="0" indent="0">
+              <a:buNone/>
+              <a:defRPr/>
+            </a:pPr>
+            <a:endParaRPr lang="en-US" sz="1400" b="1" dirty="0"/>
+          </a:p>
+          <a:p>
+            <a:pPr marL="0" indent="0">
+              <a:buNone/>
+              <a:defRPr/>
+            </a:pPr>
+            <a:endParaRPr lang="en-US" sz="1400" b="1" dirty="0"/>
+          </a:p>
+          <a:p>
+            <a:pPr marL="0" indent="0">
+              <a:buNone/>
+              <a:defRPr/>
+            </a:pPr>
+            <a:endParaRPr lang="en-US" sz="1400" b="1" dirty="0"/>
+          </a:p>
+          <a:p>
+            <a:pPr marL="0" indent="0">
+              <a:buNone/>
+              <a:defRPr/>
+            </a:pPr>
+            <a:endParaRPr lang="en-US" sz="1400" b="1" dirty="0"/>
+          </a:p>
+          <a:p>
+            <a:pPr marL="0" indent="0">
+              <a:buNone/>
+              <a:defRPr/>
+            </a:pPr>
+            <a:endParaRPr lang="en-US" sz="1400" b="1" dirty="0"/>
+          </a:p>
+          <a:p>
+            <a:pPr marL="0" indent="0">
+              <a:buNone/>
+              <a:defRPr/>
+            </a:pPr>
+            <a:r>
+              <a:rPr lang="en-US" sz="1400" b="1" dirty="0"/>
+              <a:t>GVT</a:t>
+            </a:r>
+            <a:r>
+              <a:rPr lang="en-US" sz="1400" dirty="0"/>
+              <a:t> is part of the </a:t>
+            </a:r>
+            <a:r>
+              <a:rPr lang="en-US" sz="1400" b="1" dirty="0"/>
+              <a:t>NIST HL7 V2 Standards Development and Testing platform</a:t>
+            </a:r>
+            <a:r>
+              <a:rPr lang="en-US" sz="1400" dirty="0"/>
+              <a:t>. It utilizes all the artifacts developed in </a:t>
+            </a:r>
+            <a:r>
+              <a:rPr lang="en-US" sz="1400" b="1" dirty="0"/>
+              <a:t>IGAMT</a:t>
+            </a:r>
+            <a:r>
+              <a:rPr lang="en-US" sz="1400" dirty="0"/>
+              <a:t> and </a:t>
+            </a:r>
+            <a:r>
+              <a:rPr lang="en-US" sz="1400" b="1" dirty="0"/>
+              <a:t>TCAMT</a:t>
+            </a:r>
+            <a:r>
+              <a:rPr lang="en-US" sz="1400" dirty="0"/>
+              <a:t>, including validation services provided by the </a:t>
+            </a:r>
+            <a:r>
+              <a:rPr lang="en-US" sz="1400" b="1" dirty="0"/>
+              <a:t>Testing Infrastructure and Framework</a:t>
+            </a:r>
+            <a:r>
+              <a:rPr lang="en-US" sz="1400" dirty="0"/>
+              <a:t>, to allow users to develop conformance testing tools</a:t>
+            </a:r>
+            <a:r>
+              <a:rPr lang="en-US" sz="1800" dirty="0"/>
+              <a:t>. </a:t>
+            </a:r>
+            <a:r>
+              <a:rPr lang="en-US" sz="1400" b="1" dirty="0"/>
+              <a:t>GVT</a:t>
+            </a:r>
+            <a:r>
+              <a:rPr lang="en-US" sz="1400" dirty="0"/>
+              <a:t> can be accessed at </a:t>
+            </a:r>
+            <a:r>
+              <a:rPr lang="en-US" altLang="en-US" sz="1400" b="1" dirty="0">
+                <a:solidFill>
+                  <a:srgbClr val="000000"/>
+                </a:solidFill>
+                <a:cs typeface="Arial" panose="020B0604020202020204" pitchFamily="34" charset="0"/>
+                <a:hlinkClick r:id="rId3"/>
+              </a:rPr>
+              <a:t>https://hl7v2.gvt.nist.gov/gvt</a:t>
+            </a:r>
+            <a:r>
+              <a:rPr lang="en-US" altLang="en-US" sz="1400" b="1" dirty="0">
+                <a:solidFill>
+                  <a:srgbClr val="000000"/>
+                </a:solidFill>
+                <a:cs typeface="Arial" panose="020B0604020202020204" pitchFamily="34" charset="0"/>
+              </a:rPr>
+              <a:t> . GVT </a:t>
+            </a:r>
+            <a:r>
+              <a:rPr lang="en-US" altLang="en-US" sz="1400" dirty="0">
+                <a:solidFill>
+                  <a:srgbClr val="000000"/>
+                </a:solidFill>
+                <a:cs typeface="Arial" panose="020B0604020202020204" pitchFamily="34" charset="0"/>
+              </a:rPr>
+              <a:t>documentation and guidance is found under the GVT tool </a:t>
+            </a:r>
+            <a:r>
+              <a:rPr lang="en-US" altLang="en-US" sz="1400" b="1" dirty="0">
+                <a:solidFill>
+                  <a:srgbClr val="000000"/>
+                </a:solidFill>
+                <a:cs typeface="Arial" panose="020B0604020202020204" pitchFamily="34" charset="0"/>
+              </a:rPr>
+              <a:t>Documentation </a:t>
+            </a:r>
+            <a:r>
+              <a:rPr lang="en-US" altLang="en-US" sz="1400" dirty="0">
+                <a:solidFill>
+                  <a:srgbClr val="000000"/>
+                </a:solidFill>
+                <a:cs typeface="Arial" panose="020B0604020202020204" pitchFamily="34" charset="0"/>
+              </a:rPr>
+              <a:t>tab. </a:t>
+            </a:r>
+            <a:endParaRPr lang="en-US" sz="1400" dirty="0"/>
+          </a:p>
+        </p:txBody>
+      </p:sp>
+      <p:grpSp>
+        <p:nvGrpSpPr>
+          <p:cNvPr id="5124" name="Group 65">
+            <a:extLst>
+              <a:ext uri="{FF2B5EF4-FFF2-40B4-BE49-F238E27FC236}">
+                <a16:creationId xmlns:a16="http://schemas.microsoft.com/office/drawing/2014/main" id="{4CA81DC6-BF04-46E3-B6FF-683430FACD77}"/>
+              </a:ext>
+            </a:extLst>
+          </p:cNvPr>
+          <p:cNvGrpSpPr>
+            <a:grpSpLocks/>
+          </p:cNvGrpSpPr>
+          <p:nvPr/>
+        </p:nvGrpSpPr>
+        <p:grpSpPr bwMode="auto">
+          <a:xfrm>
+            <a:off x="1977497" y="1262477"/>
+            <a:ext cx="8256177" cy="1202301"/>
+            <a:chOff x="1189703" y="1504336"/>
+            <a:chExt cx="8377084" cy="1317523"/>
+          </a:xfrm>
+        </p:grpSpPr>
+        <p:sp>
+          <p:nvSpPr>
+            <p:cNvPr id="67" name="Rounded Rectangle 31">
+              <a:extLst>
+                <a:ext uri="{FF2B5EF4-FFF2-40B4-BE49-F238E27FC236}">
+                  <a16:creationId xmlns:a16="http://schemas.microsoft.com/office/drawing/2014/main" id="{0EF990F9-65E2-419F-9199-5DE00410B861}"/>
+                </a:ext>
+              </a:extLst>
+            </p:cNvPr>
+            <p:cNvSpPr/>
+            <p:nvPr/>
+          </p:nvSpPr>
+          <p:spPr>
+            <a:xfrm>
+              <a:off x="1189703" y="1504336"/>
+              <a:ext cx="8377084" cy="1317523"/>
+            </a:xfrm>
+            <a:prstGeom prst="roundRect">
+              <a:avLst>
+                <a:gd name="adj" fmla="val 5486"/>
+              </a:avLst>
+            </a:prstGeom>
+            <a:solidFill>
+              <a:schemeClr val="accent5">
+                <a:lumMod val="90000"/>
+              </a:schemeClr>
+            </a:solidFill>
+            <a:ln w="12700" cap="flat" cmpd="sng" algn="ctr">
+              <a:solidFill>
+                <a:sysClr val="window" lastClr="FFFFFF">
+                  <a:lumMod val="85000"/>
+                </a:sysClr>
+              </a:solidFill>
+              <a:prstDash val="solid"/>
+              <a:miter lim="800000"/>
+            </a:ln>
+            <a:effectLst/>
+          </p:spPr>
+          <p:txBody>
+            <a:bodyPr anchor="ctr"/>
+            <a:lstStyle/>
+            <a:p>
+              <a:pPr algn="ctr">
+                <a:defRPr/>
+              </a:pPr>
+              <a:endParaRPr lang="en-US" kern="0" dirty="0">
+                <a:solidFill>
+                  <a:prstClr val="white"/>
+                </a:solidFill>
+                <a:latin typeface="Calibri" panose="020F0502020204030204"/>
+                <a:ea typeface="ＭＳ Ｐゴシック" panose="020B0600070205080204" pitchFamily="34" charset="-128"/>
+              </a:endParaRPr>
+            </a:p>
+          </p:txBody>
+        </p:sp>
+        <p:sp>
+          <p:nvSpPr>
+            <p:cNvPr id="68" name="Rectangle 67">
+              <a:extLst>
+                <a:ext uri="{FF2B5EF4-FFF2-40B4-BE49-F238E27FC236}">
+                  <a16:creationId xmlns:a16="http://schemas.microsoft.com/office/drawing/2014/main" id="{2BFB53B8-5B99-403B-B6A6-F0B59FBC6298}"/>
+                </a:ext>
+              </a:extLst>
+            </p:cNvPr>
+            <p:cNvSpPr/>
+            <p:nvPr/>
+          </p:nvSpPr>
+          <p:spPr>
+            <a:xfrm>
+              <a:off x="1916765" y="1750379"/>
+              <a:ext cx="1136629" cy="884169"/>
+            </a:xfrm>
+            <a:prstGeom prst="rect">
+              <a:avLst/>
+            </a:prstGeom>
+            <a:solidFill>
+              <a:srgbClr val="5B9BD5">
+                <a:lumMod val="40000"/>
+                <a:lumOff val="60000"/>
+              </a:srgbClr>
+            </a:solidFill>
+            <a:ln w="12700" cap="flat" cmpd="sng" algn="ctr">
+              <a:solidFill>
+                <a:sysClr val="windowText" lastClr="000000"/>
+              </a:solidFill>
+              <a:prstDash val="solid"/>
+              <a:miter lim="800000"/>
+            </a:ln>
+            <a:effectLst/>
+          </p:spPr>
+          <p:txBody>
+            <a:bodyPr anchor="ctr"/>
+            <a:lstStyle/>
+            <a:p>
+              <a:pPr algn="ctr">
+                <a:defRPr/>
+              </a:pPr>
+              <a:r>
+                <a:rPr lang="en-US" sz="2400" b="1" kern="0" dirty="0">
+                  <a:solidFill>
+                    <a:prstClr val="black"/>
+                  </a:solidFill>
+                  <a:latin typeface="Calibri" panose="020F0502020204030204"/>
+                  <a:ea typeface="ＭＳ Ｐゴシック" panose="020B0600070205080204" pitchFamily="34" charset="-128"/>
+                </a:rPr>
+                <a:t>IGAMT</a:t>
+              </a:r>
+            </a:p>
+          </p:txBody>
+        </p:sp>
+        <p:pic>
+          <p:nvPicPr>
+            <p:cNvPr id="5128" name="Picture 5" descr="C:\Users\rob\Desktop\ICONS\iconex_v5\v_collection\v_collection_png\64x64\plain\user_generic_blue.png">
+              <a:extLst>
+                <a:ext uri="{FF2B5EF4-FFF2-40B4-BE49-F238E27FC236}">
+                  <a16:creationId xmlns:a16="http://schemas.microsoft.com/office/drawing/2014/main" id="{599CD903-DA94-4F9A-8DE6-3FD0B2543ED7}"/>
+                </a:ext>
+              </a:extLst>
+            </p:cNvPr>
+            <p:cNvPicPr>
+              <a:picLocks noChangeAspect="1" noChangeArrowheads="1"/>
+            </p:cNvPicPr>
+            <p:nvPr/>
+          </p:nvPicPr>
+          <p:blipFill>
+            <a:blip r:embed="rId4">
+              <a:extLst>
+                <a:ext uri="{28A0092B-C50C-407E-A947-70E740481C1C}">
+                  <a14:useLocalDpi xmlns:a14="http://schemas.microsoft.com/office/drawing/2010/main" val="0"/>
+                </a:ext>
+              </a:extLst>
+            </a:blip>
+            <a:srcRect/>
+            <a:stretch>
+              <a:fillRect/>
+            </a:stretch>
+          </p:blipFill>
+          <p:spPr bwMode="auto">
+            <a:xfrm>
+              <a:off x="1271677" y="1928514"/>
+              <a:ext cx="503239" cy="503239"/>
+            </a:xfrm>
+            <a:prstGeom prst="rect">
+              <a:avLst/>
+            </a:prstGeom>
+            <a:noFill/>
+            <a:ln>
+              <a:noFill/>
+            </a:ln>
+            <a:extLst>
+              <a:ext uri="{909E8E84-426E-40DD-AFC4-6F175D3DCCD1}">
+                <a14:hiddenFill xmlns:a14="http://schemas.microsoft.com/office/drawing/2010/main">
+                  <a:solidFill>
+                    <a:srgbClr val="FFFFFF"/>
+                  </a:solidFill>
+                </a14:hiddenFill>
+              </a:ext>
+              <a:ext uri="{91240B29-F687-4F45-9708-019B960494DF}">
+                <a14:hiddenLine xmlns:a14="http://schemas.microsoft.com/office/drawing/2010/main" w="9525">
+                  <a:solidFill>
+                    <a:srgbClr val="000000"/>
+                  </a:solidFill>
+                  <a:miter lim="800000"/>
+                  <a:headEnd/>
+                  <a:tailEnd/>
+                </a14:hiddenLine>
+              </a:ext>
+            </a:extLst>
+          </p:spPr>
+        </p:pic>
+        <p:sp>
+          <p:nvSpPr>
+            <p:cNvPr id="70" name="Right Arrow 5">
+              <a:extLst>
+                <a:ext uri="{FF2B5EF4-FFF2-40B4-BE49-F238E27FC236}">
+                  <a16:creationId xmlns:a16="http://schemas.microsoft.com/office/drawing/2014/main" id="{FB5089C5-715C-457D-944D-920CD6DC6C27}"/>
+                </a:ext>
+              </a:extLst>
+            </p:cNvPr>
+            <p:cNvSpPr/>
+            <p:nvPr/>
+          </p:nvSpPr>
+          <p:spPr>
+            <a:xfrm>
+              <a:off x="1634195" y="2083728"/>
+              <a:ext cx="280982" cy="198422"/>
+            </a:xfrm>
+            <a:prstGeom prst="rightArrow">
+              <a:avLst/>
+            </a:prstGeom>
+            <a:solidFill>
+              <a:srgbClr val="5B9BD5"/>
+            </a:solidFill>
+            <a:ln w="12700" cap="flat" cmpd="sng" algn="ctr">
+              <a:solidFill>
+                <a:srgbClr val="5B9BD5">
+                  <a:shade val="50000"/>
+                </a:srgbClr>
+              </a:solidFill>
+              <a:prstDash val="solid"/>
+              <a:miter lim="800000"/>
+            </a:ln>
+            <a:effectLst/>
+          </p:spPr>
+          <p:txBody>
+            <a:bodyPr anchor="ctr"/>
+            <a:lstStyle/>
+            <a:p>
+              <a:pPr algn="ctr">
+                <a:defRPr/>
+              </a:pPr>
+              <a:endParaRPr lang="en-US" kern="0" dirty="0">
+                <a:solidFill>
+                  <a:prstClr val="white"/>
+                </a:solidFill>
+                <a:latin typeface="Calibri" panose="020F0502020204030204"/>
+                <a:ea typeface="ＭＳ Ｐゴシック" panose="020B0600070205080204" pitchFamily="34" charset="-128"/>
+              </a:endParaRPr>
+            </a:p>
+          </p:txBody>
+        </p:sp>
+        <p:sp>
+          <p:nvSpPr>
+            <p:cNvPr id="71" name="Rectangle 70">
+              <a:extLst>
+                <a:ext uri="{FF2B5EF4-FFF2-40B4-BE49-F238E27FC236}">
+                  <a16:creationId xmlns:a16="http://schemas.microsoft.com/office/drawing/2014/main" id="{E2ACB087-5A0A-4C96-A03E-F5E621737080}"/>
+                </a:ext>
+              </a:extLst>
+            </p:cNvPr>
+            <p:cNvSpPr/>
+            <p:nvPr/>
+          </p:nvSpPr>
+          <p:spPr>
+            <a:xfrm>
+              <a:off x="4021751" y="1750379"/>
+              <a:ext cx="1138216" cy="884169"/>
+            </a:xfrm>
+            <a:prstGeom prst="rect">
+              <a:avLst/>
+            </a:prstGeom>
+            <a:solidFill>
+              <a:srgbClr val="5B9BD5">
+                <a:lumMod val="40000"/>
+                <a:lumOff val="60000"/>
+              </a:srgbClr>
+            </a:solidFill>
+            <a:ln w="12700" cap="flat" cmpd="sng" algn="ctr">
+              <a:solidFill>
+                <a:sysClr val="windowText" lastClr="000000"/>
+              </a:solidFill>
+              <a:prstDash val="solid"/>
+              <a:miter lim="800000"/>
+            </a:ln>
+            <a:effectLst/>
+          </p:spPr>
+          <p:txBody>
+            <a:bodyPr anchor="ctr"/>
+            <a:lstStyle/>
+            <a:p>
+              <a:pPr algn="ctr">
+                <a:defRPr/>
+              </a:pPr>
+              <a:r>
+                <a:rPr lang="en-US" sz="2400" b="1" kern="0" dirty="0">
+                  <a:solidFill>
+                    <a:prstClr val="black"/>
+                  </a:solidFill>
+                  <a:latin typeface="Calibri" panose="020F0502020204030204"/>
+                  <a:ea typeface="ＭＳ Ｐゴシック" panose="020B0600070205080204" pitchFamily="34" charset="-128"/>
+                </a:rPr>
+                <a:t>TCAMT</a:t>
+              </a:r>
+            </a:p>
+          </p:txBody>
+        </p:sp>
+        <p:pic>
+          <p:nvPicPr>
+            <p:cNvPr id="5131" name="Picture 5" descr="C:\Users\rob\Desktop\ICONS\iconex_v5\v_collection\v_collection_png\64x64\plain\user_generic_blue.png">
+              <a:extLst>
+                <a:ext uri="{FF2B5EF4-FFF2-40B4-BE49-F238E27FC236}">
+                  <a16:creationId xmlns:a16="http://schemas.microsoft.com/office/drawing/2014/main" id="{03151166-1B84-4F6A-9888-5C67753B0A59}"/>
+                </a:ext>
+              </a:extLst>
+            </p:cNvPr>
+            <p:cNvPicPr>
+              <a:picLocks noChangeAspect="1" noChangeArrowheads="1"/>
+            </p:cNvPicPr>
+            <p:nvPr/>
+          </p:nvPicPr>
+          <p:blipFill>
+            <a:blip r:embed="rId4">
+              <a:extLst>
+                <a:ext uri="{28A0092B-C50C-407E-A947-70E740481C1C}">
+                  <a14:useLocalDpi xmlns:a14="http://schemas.microsoft.com/office/drawing/2010/main" val="0"/>
+                </a:ext>
+              </a:extLst>
+            </a:blip>
+            <a:srcRect/>
+            <a:stretch>
+              <a:fillRect/>
+            </a:stretch>
+          </p:blipFill>
+          <p:spPr bwMode="auto">
+            <a:xfrm>
+              <a:off x="3240451" y="1646302"/>
+              <a:ext cx="503239" cy="503239"/>
+            </a:xfrm>
+            <a:prstGeom prst="rect">
+              <a:avLst/>
+            </a:prstGeom>
+            <a:noFill/>
+            <a:ln>
+              <a:noFill/>
+            </a:ln>
+            <a:extLst>
+              <a:ext uri="{909E8E84-426E-40DD-AFC4-6F175D3DCCD1}">
+                <a14:hiddenFill xmlns:a14="http://schemas.microsoft.com/office/drawing/2010/main">
+                  <a:solidFill>
+                    <a:srgbClr val="FFFFFF"/>
+                  </a:solidFill>
+                </a14:hiddenFill>
+              </a:ext>
+              <a:ext uri="{91240B29-F687-4F45-9708-019B960494DF}">
+                <a14:hiddenLine xmlns:a14="http://schemas.microsoft.com/office/drawing/2010/main" w="9525">
+                  <a:solidFill>
+                    <a:srgbClr val="000000"/>
+                  </a:solidFill>
+                  <a:miter lim="800000"/>
+                  <a:headEnd/>
+                  <a:tailEnd/>
+                </a14:hiddenLine>
+              </a:ext>
+            </a:extLst>
+          </p:spPr>
+        </p:pic>
+        <p:sp>
+          <p:nvSpPr>
+            <p:cNvPr id="73" name="Right Arrow 8">
+              <a:extLst>
+                <a:ext uri="{FF2B5EF4-FFF2-40B4-BE49-F238E27FC236}">
+                  <a16:creationId xmlns:a16="http://schemas.microsoft.com/office/drawing/2014/main" id="{E3C4E096-87A5-4625-9676-58A9792DFAB9}"/>
+                </a:ext>
+              </a:extLst>
+            </p:cNvPr>
+            <p:cNvSpPr/>
+            <p:nvPr/>
+          </p:nvSpPr>
+          <p:spPr>
+            <a:xfrm>
+              <a:off x="3726482" y="1809111"/>
+              <a:ext cx="279395" cy="198423"/>
+            </a:xfrm>
+            <a:prstGeom prst="rightArrow">
+              <a:avLst/>
+            </a:prstGeom>
+            <a:solidFill>
+              <a:srgbClr val="5B9BD5"/>
+            </a:solidFill>
+            <a:ln w="12700" cap="flat" cmpd="sng" algn="ctr">
+              <a:solidFill>
+                <a:srgbClr val="5B9BD5">
+                  <a:shade val="50000"/>
+                </a:srgbClr>
+              </a:solidFill>
+              <a:prstDash val="solid"/>
+              <a:miter lim="800000"/>
+            </a:ln>
+            <a:effectLst/>
+          </p:spPr>
+          <p:txBody>
+            <a:bodyPr anchor="ctr"/>
+            <a:lstStyle/>
+            <a:p>
+              <a:pPr algn="ctr">
+                <a:defRPr/>
+              </a:pPr>
+              <a:endParaRPr lang="en-US" kern="0" dirty="0">
+                <a:solidFill>
+                  <a:prstClr val="white"/>
+                </a:solidFill>
+                <a:latin typeface="Calibri" panose="020F0502020204030204"/>
+                <a:ea typeface="ＭＳ Ｐゴシック" panose="020B0600070205080204" pitchFamily="34" charset="-128"/>
+              </a:endParaRPr>
+            </a:p>
+          </p:txBody>
+        </p:sp>
+        <p:sp>
+          <p:nvSpPr>
+            <p:cNvPr id="74" name="Rectangle 73">
+              <a:extLst>
+                <a:ext uri="{FF2B5EF4-FFF2-40B4-BE49-F238E27FC236}">
+                  <a16:creationId xmlns:a16="http://schemas.microsoft.com/office/drawing/2014/main" id="{A36429E2-7EB0-459E-B03A-E264305C9DB8}"/>
+                </a:ext>
+              </a:extLst>
+            </p:cNvPr>
+            <p:cNvSpPr/>
+            <p:nvPr/>
+          </p:nvSpPr>
+          <p:spPr>
+            <a:xfrm>
+              <a:off x="6128325" y="1750379"/>
+              <a:ext cx="1220766" cy="884169"/>
+            </a:xfrm>
+            <a:prstGeom prst="rect">
+              <a:avLst/>
+            </a:prstGeom>
+            <a:solidFill>
+              <a:srgbClr val="5B9BD5">
+                <a:lumMod val="40000"/>
+                <a:lumOff val="60000"/>
+              </a:srgbClr>
+            </a:solidFill>
+            <a:ln w="12700" cap="flat" cmpd="sng" algn="ctr">
+              <a:solidFill>
+                <a:sysClr val="windowText" lastClr="000000"/>
+              </a:solidFill>
+              <a:prstDash val="solid"/>
+              <a:miter lim="800000"/>
+            </a:ln>
+            <a:effectLst/>
+          </p:spPr>
+          <p:txBody>
+            <a:bodyPr anchor="ctr"/>
+            <a:lstStyle/>
+            <a:p>
+              <a:pPr algn="ctr">
+                <a:defRPr/>
+              </a:pPr>
+              <a:r>
+                <a:rPr lang="en-US" sz="1200" b="1" kern="0" dirty="0">
+                  <a:solidFill>
+                    <a:prstClr val="black"/>
+                  </a:solidFill>
+                  <a:latin typeface="Calibri" panose="020F0502020204030204"/>
+                  <a:ea typeface="ＭＳ Ｐゴシック" panose="020B0600070205080204" pitchFamily="34" charset="-128"/>
+                </a:rPr>
+                <a:t>Testing Infrastructure &amp; Framework</a:t>
+              </a:r>
+            </a:p>
+          </p:txBody>
+        </p:sp>
+        <p:sp>
+          <p:nvSpPr>
+            <p:cNvPr id="75" name="Rectangle 74">
+              <a:extLst>
+                <a:ext uri="{FF2B5EF4-FFF2-40B4-BE49-F238E27FC236}">
+                  <a16:creationId xmlns:a16="http://schemas.microsoft.com/office/drawing/2014/main" id="{F8D8B56A-0234-40D6-8418-74DB124E0A9E}"/>
+                </a:ext>
+              </a:extLst>
+            </p:cNvPr>
+            <p:cNvSpPr/>
+            <p:nvPr/>
+          </p:nvSpPr>
+          <p:spPr>
+            <a:xfrm>
+              <a:off x="8317448" y="1740855"/>
+              <a:ext cx="1138216" cy="884169"/>
+            </a:xfrm>
+            <a:prstGeom prst="rect">
+              <a:avLst/>
+            </a:prstGeom>
+            <a:solidFill>
+              <a:srgbClr val="5B9BD5">
+                <a:lumMod val="40000"/>
+                <a:lumOff val="60000"/>
+              </a:srgbClr>
+            </a:solidFill>
+            <a:ln w="12700" cap="flat" cmpd="sng" algn="ctr">
+              <a:solidFill>
+                <a:sysClr val="windowText" lastClr="000000"/>
+              </a:solidFill>
+              <a:prstDash val="solid"/>
+              <a:miter lim="800000"/>
+            </a:ln>
+            <a:effectLst/>
+          </p:spPr>
+          <p:txBody>
+            <a:bodyPr anchor="ctr"/>
+            <a:lstStyle/>
+            <a:p>
+              <a:pPr algn="ctr">
+                <a:defRPr/>
+              </a:pPr>
+              <a:r>
+                <a:rPr lang="en-US" sz="2400" b="1" kern="0" dirty="0">
+                  <a:solidFill>
+                    <a:prstClr val="black"/>
+                  </a:solidFill>
+                  <a:latin typeface="Calibri" panose="020F0502020204030204"/>
+                  <a:ea typeface="ＭＳ Ｐゴシック" panose="020B0600070205080204" pitchFamily="34" charset="-128"/>
+                </a:rPr>
+                <a:t> GVT</a:t>
+              </a:r>
+            </a:p>
+          </p:txBody>
+        </p:sp>
+        <p:sp>
+          <p:nvSpPr>
+            <p:cNvPr id="76" name="Right Arrow 11">
+              <a:extLst>
+                <a:ext uri="{FF2B5EF4-FFF2-40B4-BE49-F238E27FC236}">
+                  <a16:creationId xmlns:a16="http://schemas.microsoft.com/office/drawing/2014/main" id="{D52F5509-D15E-4ACC-BA55-08DB371265DB}"/>
+                </a:ext>
+              </a:extLst>
+            </p:cNvPr>
+            <p:cNvSpPr/>
+            <p:nvPr/>
+          </p:nvSpPr>
+          <p:spPr>
+            <a:xfrm>
+              <a:off x="3732832" y="2410728"/>
+              <a:ext cx="279395" cy="198422"/>
+            </a:xfrm>
+            <a:prstGeom prst="rightArrow">
+              <a:avLst/>
+            </a:prstGeom>
+            <a:solidFill>
+              <a:srgbClr val="5B9BD5"/>
+            </a:solidFill>
+            <a:ln w="12700" cap="flat" cmpd="sng" algn="ctr">
+              <a:solidFill>
+                <a:srgbClr val="5B9BD5">
+                  <a:shade val="50000"/>
+                </a:srgbClr>
+              </a:solidFill>
+              <a:prstDash val="solid"/>
+              <a:miter lim="800000"/>
+            </a:ln>
+            <a:effectLst/>
+          </p:spPr>
+          <p:txBody>
+            <a:bodyPr anchor="ctr"/>
+            <a:lstStyle/>
+            <a:p>
+              <a:pPr algn="ctr">
+                <a:defRPr/>
+              </a:pPr>
+              <a:endParaRPr lang="en-US" kern="0" dirty="0">
+                <a:solidFill>
+                  <a:prstClr val="white"/>
+                </a:solidFill>
+                <a:latin typeface="Calibri" panose="020F0502020204030204"/>
+                <a:ea typeface="ＭＳ Ｐゴシック" panose="020B0600070205080204" pitchFamily="34" charset="-128"/>
+              </a:endParaRPr>
+            </a:p>
+          </p:txBody>
+        </p:sp>
+        <p:sp>
+          <p:nvSpPr>
+            <p:cNvPr id="77" name="Right Arrow 12">
+              <a:extLst>
+                <a:ext uri="{FF2B5EF4-FFF2-40B4-BE49-F238E27FC236}">
+                  <a16:creationId xmlns:a16="http://schemas.microsoft.com/office/drawing/2014/main" id="{A3D85A3E-EBBF-44C0-8613-79F0E9EA4DC3}"/>
+                </a:ext>
+              </a:extLst>
+            </p:cNvPr>
+            <p:cNvSpPr/>
+            <p:nvPr/>
+          </p:nvSpPr>
+          <p:spPr>
+            <a:xfrm>
+              <a:off x="3064506" y="2405965"/>
+              <a:ext cx="280983" cy="198423"/>
+            </a:xfrm>
+            <a:prstGeom prst="rightArrow">
+              <a:avLst/>
+            </a:prstGeom>
+            <a:solidFill>
+              <a:srgbClr val="5B9BD5"/>
+            </a:solidFill>
+            <a:ln w="12700" cap="flat" cmpd="sng" algn="ctr">
+              <a:solidFill>
+                <a:srgbClr val="5B9BD5">
+                  <a:shade val="50000"/>
+                </a:srgbClr>
+              </a:solidFill>
+              <a:prstDash val="solid"/>
+              <a:miter lim="800000"/>
+            </a:ln>
+            <a:effectLst/>
+          </p:spPr>
+          <p:txBody>
+            <a:bodyPr anchor="ctr"/>
+            <a:lstStyle/>
+            <a:p>
+              <a:pPr algn="ctr">
+                <a:defRPr/>
+              </a:pPr>
+              <a:endParaRPr lang="en-US" kern="0" dirty="0">
+                <a:solidFill>
+                  <a:prstClr val="white"/>
+                </a:solidFill>
+                <a:latin typeface="Calibri" panose="020F0502020204030204"/>
+                <a:ea typeface="ＭＳ Ｐゴシック" panose="020B0600070205080204" pitchFamily="34" charset="-128"/>
+              </a:endParaRPr>
+            </a:p>
+          </p:txBody>
+        </p:sp>
+        <p:pic>
+          <p:nvPicPr>
+            <p:cNvPr id="5137" name="Picture 77">
+              <a:extLst>
+                <a:ext uri="{FF2B5EF4-FFF2-40B4-BE49-F238E27FC236}">
+                  <a16:creationId xmlns:a16="http://schemas.microsoft.com/office/drawing/2014/main" id="{2938C96F-448B-4399-84A7-B3A9A8A09D85}"/>
+                </a:ext>
+              </a:extLst>
+            </p:cNvPr>
+            <p:cNvPicPr>
+              <a:picLocks noChangeAspect="1" noChangeArrowheads="1"/>
+            </p:cNvPicPr>
+            <p:nvPr/>
+          </p:nvPicPr>
+          <p:blipFill>
+            <a:blip r:embed="rId5">
+              <a:extLst>
+                <a:ext uri="{28A0092B-C50C-407E-A947-70E740481C1C}">
+                  <a14:useLocalDpi xmlns:a14="http://schemas.microsoft.com/office/drawing/2010/main" val="0"/>
+                </a:ext>
+              </a:extLst>
+            </a:blip>
+            <a:srcRect/>
+            <a:stretch>
+              <a:fillRect/>
+            </a:stretch>
+          </p:blipFill>
+          <p:spPr bwMode="auto">
+            <a:xfrm>
+              <a:off x="3307989" y="2208354"/>
+              <a:ext cx="459016" cy="459016"/>
+            </a:xfrm>
+            <a:prstGeom prst="rect">
+              <a:avLst/>
+            </a:prstGeom>
+            <a:noFill/>
+            <a:ln>
+              <a:noFill/>
+            </a:ln>
+            <a:extLst>
+              <a:ext uri="{909E8E84-426E-40DD-AFC4-6F175D3DCCD1}">
+                <a14:hiddenFill xmlns:a14="http://schemas.microsoft.com/office/drawing/2010/main">
+                  <a:solidFill>
+                    <a:srgbClr val="FFFFFF"/>
+                  </a:solidFill>
+                </a14:hiddenFill>
+              </a:ext>
+              <a:ext uri="{91240B29-F687-4F45-9708-019B960494DF}">
+                <a14:hiddenLine xmlns:a14="http://schemas.microsoft.com/office/drawing/2010/main" w="9525">
+                  <a:solidFill>
+                    <a:srgbClr val="000000"/>
+                  </a:solidFill>
+                  <a:miter lim="800000"/>
+                  <a:headEnd/>
+                  <a:tailEnd/>
+                </a14:hiddenLine>
+              </a:ext>
+            </a:extLst>
+          </p:spPr>
+        </p:pic>
+        <p:pic>
+          <p:nvPicPr>
+            <p:cNvPr id="5138" name="Picture 5" descr="C:\Users\rob\Desktop\ICONS\iconex_v5\v_collection\v_collection_png\64x64\plain\user_generic_blue.png">
+              <a:extLst>
+                <a:ext uri="{FF2B5EF4-FFF2-40B4-BE49-F238E27FC236}">
+                  <a16:creationId xmlns:a16="http://schemas.microsoft.com/office/drawing/2014/main" id="{39CA9867-D975-4BCC-8B2E-02D58109D633}"/>
+                </a:ext>
+              </a:extLst>
+            </p:cNvPr>
+            <p:cNvPicPr>
+              <a:picLocks noChangeAspect="1" noChangeArrowheads="1"/>
+            </p:cNvPicPr>
+            <p:nvPr/>
+          </p:nvPicPr>
+          <p:blipFill>
+            <a:blip r:embed="rId4">
+              <a:extLst>
+                <a:ext uri="{28A0092B-C50C-407E-A947-70E740481C1C}">
+                  <a14:useLocalDpi xmlns:a14="http://schemas.microsoft.com/office/drawing/2010/main" val="0"/>
+                </a:ext>
+              </a:extLst>
+            </a:blip>
+            <a:srcRect/>
+            <a:stretch>
+              <a:fillRect/>
+            </a:stretch>
+          </p:blipFill>
+          <p:spPr bwMode="auto">
+            <a:xfrm>
+              <a:off x="5331429" y="1643248"/>
+              <a:ext cx="503239" cy="503239"/>
+            </a:xfrm>
+            <a:prstGeom prst="rect">
+              <a:avLst/>
+            </a:prstGeom>
+            <a:noFill/>
+            <a:ln>
+              <a:noFill/>
+            </a:ln>
+            <a:extLst>
+              <a:ext uri="{909E8E84-426E-40DD-AFC4-6F175D3DCCD1}">
+                <a14:hiddenFill xmlns:a14="http://schemas.microsoft.com/office/drawing/2010/main">
+                  <a:solidFill>
+                    <a:srgbClr val="FFFFFF"/>
+                  </a:solidFill>
+                </a14:hiddenFill>
+              </a:ext>
+              <a:ext uri="{91240B29-F687-4F45-9708-019B960494DF}">
+                <a14:hiddenLine xmlns:a14="http://schemas.microsoft.com/office/drawing/2010/main" w="9525">
+                  <a:solidFill>
+                    <a:srgbClr val="000000"/>
+                  </a:solidFill>
+                  <a:miter lim="800000"/>
+                  <a:headEnd/>
+                  <a:tailEnd/>
+                </a14:hiddenLine>
+              </a:ext>
+            </a:extLst>
+          </p:spPr>
+        </p:pic>
+        <p:sp>
+          <p:nvSpPr>
+            <p:cNvPr id="80" name="Right Arrow 20">
+              <a:extLst>
+                <a:ext uri="{FF2B5EF4-FFF2-40B4-BE49-F238E27FC236}">
+                  <a16:creationId xmlns:a16="http://schemas.microsoft.com/office/drawing/2014/main" id="{00883371-6177-4DB9-94F1-22E466144461}"/>
+                </a:ext>
+              </a:extLst>
+            </p:cNvPr>
+            <p:cNvSpPr/>
+            <p:nvPr/>
+          </p:nvSpPr>
+          <p:spPr>
+            <a:xfrm>
+              <a:off x="5820355" y="1829748"/>
+              <a:ext cx="280983" cy="198422"/>
+            </a:xfrm>
+            <a:prstGeom prst="rightArrow">
+              <a:avLst/>
+            </a:prstGeom>
+            <a:solidFill>
+              <a:srgbClr val="5B9BD5"/>
+            </a:solidFill>
+            <a:ln w="12700" cap="flat" cmpd="sng" algn="ctr">
+              <a:solidFill>
+                <a:srgbClr val="5B9BD5">
+                  <a:shade val="50000"/>
+                </a:srgbClr>
+              </a:solidFill>
+              <a:prstDash val="solid"/>
+              <a:miter lim="800000"/>
+            </a:ln>
+            <a:effectLst/>
+          </p:spPr>
+          <p:txBody>
+            <a:bodyPr anchor="ctr"/>
+            <a:lstStyle/>
+            <a:p>
+              <a:pPr algn="ctr">
+                <a:defRPr/>
+              </a:pPr>
+              <a:endParaRPr lang="en-US" kern="0" dirty="0">
+                <a:solidFill>
+                  <a:prstClr val="white"/>
+                </a:solidFill>
+                <a:latin typeface="Calibri" panose="020F0502020204030204"/>
+                <a:ea typeface="ＭＳ Ｐゴシック" panose="020B0600070205080204" pitchFamily="34" charset="-128"/>
+              </a:endParaRPr>
+            </a:p>
+          </p:txBody>
+        </p:sp>
+        <p:sp>
+          <p:nvSpPr>
+            <p:cNvPr id="81" name="Right Arrow 21">
+              <a:extLst>
+                <a:ext uri="{FF2B5EF4-FFF2-40B4-BE49-F238E27FC236}">
+                  <a16:creationId xmlns:a16="http://schemas.microsoft.com/office/drawing/2014/main" id="{353F77BA-B248-4A06-9724-C3A022670E1C}"/>
+                </a:ext>
+              </a:extLst>
+            </p:cNvPr>
+            <p:cNvSpPr/>
+            <p:nvPr/>
+          </p:nvSpPr>
+          <p:spPr>
+            <a:xfrm>
+              <a:off x="5823530" y="2407553"/>
+              <a:ext cx="279395" cy="198422"/>
+            </a:xfrm>
+            <a:prstGeom prst="rightArrow">
+              <a:avLst/>
+            </a:prstGeom>
+            <a:solidFill>
+              <a:srgbClr val="5B9BD5"/>
+            </a:solidFill>
+            <a:ln w="12700" cap="flat" cmpd="sng" algn="ctr">
+              <a:solidFill>
+                <a:srgbClr val="5B9BD5">
+                  <a:shade val="50000"/>
+                </a:srgbClr>
+              </a:solidFill>
+              <a:prstDash val="solid"/>
+              <a:miter lim="800000"/>
+            </a:ln>
+            <a:effectLst/>
+          </p:spPr>
+          <p:txBody>
+            <a:bodyPr anchor="ctr"/>
+            <a:lstStyle/>
+            <a:p>
+              <a:pPr algn="ctr">
+                <a:defRPr/>
+              </a:pPr>
+              <a:endParaRPr lang="en-US" kern="0" dirty="0">
+                <a:solidFill>
+                  <a:prstClr val="white"/>
+                </a:solidFill>
+                <a:latin typeface="Calibri" panose="020F0502020204030204"/>
+                <a:ea typeface="ＭＳ Ｐゴシック" panose="020B0600070205080204" pitchFamily="34" charset="-128"/>
+              </a:endParaRPr>
+            </a:p>
+          </p:txBody>
+        </p:sp>
+        <p:sp>
+          <p:nvSpPr>
+            <p:cNvPr id="82" name="Right Arrow 22">
+              <a:extLst>
+                <a:ext uri="{FF2B5EF4-FFF2-40B4-BE49-F238E27FC236}">
+                  <a16:creationId xmlns:a16="http://schemas.microsoft.com/office/drawing/2014/main" id="{C21CC461-88AD-476A-868C-602A688C06FE}"/>
+                </a:ext>
+              </a:extLst>
+            </p:cNvPr>
+            <p:cNvSpPr/>
+            <p:nvPr/>
+          </p:nvSpPr>
+          <p:spPr>
+            <a:xfrm>
+              <a:off x="5155206" y="2402790"/>
+              <a:ext cx="280982" cy="198423"/>
+            </a:xfrm>
+            <a:prstGeom prst="rightArrow">
+              <a:avLst/>
+            </a:prstGeom>
+            <a:solidFill>
+              <a:srgbClr val="5B9BD5"/>
+            </a:solidFill>
+            <a:ln w="12700" cap="flat" cmpd="sng" algn="ctr">
+              <a:solidFill>
+                <a:srgbClr val="5B9BD5">
+                  <a:shade val="50000"/>
+                </a:srgbClr>
+              </a:solidFill>
+              <a:prstDash val="solid"/>
+              <a:miter lim="800000"/>
+            </a:ln>
+            <a:effectLst/>
+          </p:spPr>
+          <p:txBody>
+            <a:bodyPr anchor="ctr"/>
+            <a:lstStyle/>
+            <a:p>
+              <a:pPr algn="ctr">
+                <a:defRPr/>
+              </a:pPr>
+              <a:endParaRPr lang="en-US" kern="0" dirty="0">
+                <a:solidFill>
+                  <a:prstClr val="white"/>
+                </a:solidFill>
+                <a:latin typeface="Calibri" panose="020F0502020204030204"/>
+                <a:ea typeface="ＭＳ Ｐゴシック" panose="020B0600070205080204" pitchFamily="34" charset="-128"/>
+              </a:endParaRPr>
+            </a:p>
+          </p:txBody>
+        </p:sp>
+        <p:pic>
+          <p:nvPicPr>
+            <p:cNvPr id="5142" name="Picture 82">
+              <a:extLst>
+                <a:ext uri="{FF2B5EF4-FFF2-40B4-BE49-F238E27FC236}">
+                  <a16:creationId xmlns:a16="http://schemas.microsoft.com/office/drawing/2014/main" id="{55B9E476-7E47-491B-9101-FC8CE9C3D9C1}"/>
+                </a:ext>
+              </a:extLst>
+            </p:cNvPr>
+            <p:cNvPicPr>
+              <a:picLocks noChangeAspect="1" noChangeArrowheads="1"/>
+            </p:cNvPicPr>
+            <p:nvPr/>
+          </p:nvPicPr>
+          <p:blipFill>
+            <a:blip r:embed="rId5">
+              <a:extLst>
+                <a:ext uri="{28A0092B-C50C-407E-A947-70E740481C1C}">
+                  <a14:useLocalDpi xmlns:a14="http://schemas.microsoft.com/office/drawing/2010/main" val="0"/>
+                </a:ext>
+              </a:extLst>
+            </a:blip>
+            <a:srcRect/>
+            <a:stretch>
+              <a:fillRect/>
+            </a:stretch>
+          </p:blipFill>
+          <p:spPr bwMode="auto">
+            <a:xfrm>
+              <a:off x="5398967" y="2205300"/>
+              <a:ext cx="459016" cy="459016"/>
+            </a:xfrm>
+            <a:prstGeom prst="rect">
+              <a:avLst/>
+            </a:prstGeom>
+            <a:noFill/>
+            <a:ln>
+              <a:noFill/>
+            </a:ln>
+            <a:extLst>
+              <a:ext uri="{909E8E84-426E-40DD-AFC4-6F175D3DCCD1}">
+                <a14:hiddenFill xmlns:a14="http://schemas.microsoft.com/office/drawing/2010/main">
+                  <a:solidFill>
+                    <a:srgbClr val="FFFFFF"/>
+                  </a:solidFill>
+                </a14:hiddenFill>
+              </a:ext>
+              <a:ext uri="{91240B29-F687-4F45-9708-019B960494DF}">
+                <a14:hiddenLine xmlns:a14="http://schemas.microsoft.com/office/drawing/2010/main" w="9525">
+                  <a:solidFill>
+                    <a:srgbClr val="000000"/>
+                  </a:solidFill>
+                  <a:miter lim="800000"/>
+                  <a:headEnd/>
+                  <a:tailEnd/>
+                </a14:hiddenLine>
+              </a:ext>
+            </a:extLst>
+          </p:spPr>
+        </p:pic>
+        <p:sp>
+          <p:nvSpPr>
+            <p:cNvPr id="84" name="Right Arrow 24">
+              <a:extLst>
+                <a:ext uri="{FF2B5EF4-FFF2-40B4-BE49-F238E27FC236}">
+                  <a16:creationId xmlns:a16="http://schemas.microsoft.com/office/drawing/2014/main" id="{1CFDB753-BC88-42A5-9D77-4B94FFC37800}"/>
+                </a:ext>
+              </a:extLst>
+            </p:cNvPr>
+            <p:cNvSpPr/>
+            <p:nvPr/>
+          </p:nvSpPr>
+          <p:spPr>
+            <a:xfrm>
+              <a:off x="8017415" y="2407553"/>
+              <a:ext cx="279395" cy="198422"/>
+            </a:xfrm>
+            <a:prstGeom prst="rightArrow">
+              <a:avLst/>
+            </a:prstGeom>
+            <a:solidFill>
+              <a:srgbClr val="5B9BD5"/>
+            </a:solidFill>
+            <a:ln w="12700" cap="flat" cmpd="sng" algn="ctr">
+              <a:solidFill>
+                <a:srgbClr val="5B9BD5">
+                  <a:shade val="50000"/>
+                </a:srgbClr>
+              </a:solidFill>
+              <a:prstDash val="solid"/>
+              <a:miter lim="800000"/>
+            </a:ln>
+            <a:effectLst/>
+          </p:spPr>
+          <p:txBody>
+            <a:bodyPr anchor="ctr"/>
+            <a:lstStyle/>
+            <a:p>
+              <a:pPr algn="ctr">
+                <a:defRPr/>
+              </a:pPr>
+              <a:endParaRPr lang="en-US" kern="0" dirty="0">
+                <a:solidFill>
+                  <a:prstClr val="white"/>
+                </a:solidFill>
+                <a:latin typeface="Calibri" panose="020F0502020204030204"/>
+                <a:ea typeface="ＭＳ Ｐゴシック" panose="020B0600070205080204" pitchFamily="34" charset="-128"/>
+              </a:endParaRPr>
+            </a:p>
+          </p:txBody>
+        </p:sp>
+        <p:sp>
+          <p:nvSpPr>
+            <p:cNvPr id="85" name="Right Arrow 25">
+              <a:extLst>
+                <a:ext uri="{FF2B5EF4-FFF2-40B4-BE49-F238E27FC236}">
+                  <a16:creationId xmlns:a16="http://schemas.microsoft.com/office/drawing/2014/main" id="{B0F0EE35-421E-4822-A9EA-890160CCA055}"/>
+                </a:ext>
+              </a:extLst>
+            </p:cNvPr>
+            <p:cNvSpPr/>
+            <p:nvPr/>
+          </p:nvSpPr>
+          <p:spPr>
+            <a:xfrm>
+              <a:off x="7349091" y="2402790"/>
+              <a:ext cx="280982" cy="198423"/>
+            </a:xfrm>
+            <a:prstGeom prst="rightArrow">
+              <a:avLst/>
+            </a:prstGeom>
+            <a:solidFill>
+              <a:srgbClr val="5B9BD5"/>
+            </a:solidFill>
+            <a:ln w="12700" cap="flat" cmpd="sng" algn="ctr">
+              <a:solidFill>
+                <a:srgbClr val="5B9BD5">
+                  <a:shade val="50000"/>
+                </a:srgbClr>
+              </a:solidFill>
+              <a:prstDash val="solid"/>
+              <a:miter lim="800000"/>
+            </a:ln>
+            <a:effectLst/>
+          </p:spPr>
+          <p:txBody>
+            <a:bodyPr anchor="ctr"/>
+            <a:lstStyle/>
+            <a:p>
+              <a:pPr algn="ctr">
+                <a:defRPr/>
+              </a:pPr>
+              <a:endParaRPr lang="en-US" kern="0" dirty="0">
+                <a:solidFill>
+                  <a:prstClr val="white"/>
+                </a:solidFill>
+                <a:latin typeface="Calibri" panose="020F0502020204030204"/>
+                <a:ea typeface="ＭＳ Ｐゴシック" panose="020B0600070205080204" pitchFamily="34" charset="-128"/>
+              </a:endParaRPr>
+            </a:p>
+          </p:txBody>
+        </p:sp>
+        <p:pic>
+          <p:nvPicPr>
+            <p:cNvPr id="5145" name="Picture 85">
+              <a:extLst>
+                <a:ext uri="{FF2B5EF4-FFF2-40B4-BE49-F238E27FC236}">
+                  <a16:creationId xmlns:a16="http://schemas.microsoft.com/office/drawing/2014/main" id="{90B2DBC3-EB11-49C1-B78C-7AB1E11CB6D0}"/>
+                </a:ext>
+              </a:extLst>
+            </p:cNvPr>
+            <p:cNvPicPr>
+              <a:picLocks noChangeAspect="1" noChangeArrowheads="1"/>
+            </p:cNvPicPr>
+            <p:nvPr/>
+          </p:nvPicPr>
+          <p:blipFill>
+            <a:blip r:embed="rId5">
+              <a:extLst>
+                <a:ext uri="{28A0092B-C50C-407E-A947-70E740481C1C}">
+                  <a14:useLocalDpi xmlns:a14="http://schemas.microsoft.com/office/drawing/2010/main" val="0"/>
+                </a:ext>
+              </a:extLst>
+            </a:blip>
+            <a:srcRect/>
+            <a:stretch>
+              <a:fillRect/>
+            </a:stretch>
+          </p:blipFill>
+          <p:spPr bwMode="auto">
+            <a:xfrm>
+              <a:off x="7592829" y="2205300"/>
+              <a:ext cx="459016" cy="459016"/>
+            </a:xfrm>
+            <a:prstGeom prst="rect">
+              <a:avLst/>
+            </a:prstGeom>
+            <a:noFill/>
+            <a:ln>
+              <a:noFill/>
+            </a:ln>
+            <a:extLst>
+              <a:ext uri="{909E8E84-426E-40DD-AFC4-6F175D3DCCD1}">
+                <a14:hiddenFill xmlns:a14="http://schemas.microsoft.com/office/drawing/2010/main">
+                  <a:solidFill>
+                    <a:srgbClr val="FFFFFF"/>
+                  </a:solidFill>
+                </a14:hiddenFill>
+              </a:ext>
+              <a:ext uri="{91240B29-F687-4F45-9708-019B960494DF}">
+                <a14:hiddenLine xmlns:a14="http://schemas.microsoft.com/office/drawing/2010/main" w="9525">
+                  <a:solidFill>
+                    <a:srgbClr val="000000"/>
+                  </a:solidFill>
+                  <a:miter lim="800000"/>
+                  <a:headEnd/>
+                  <a:tailEnd/>
+                </a14:hiddenLine>
+              </a:ext>
+            </a:extLst>
+          </p:spPr>
+        </p:pic>
+        <p:pic>
+          <p:nvPicPr>
+            <p:cNvPr id="5146" name="Picture 86">
+              <a:extLst>
+                <a:ext uri="{FF2B5EF4-FFF2-40B4-BE49-F238E27FC236}">
+                  <a16:creationId xmlns:a16="http://schemas.microsoft.com/office/drawing/2014/main" id="{6C4019F4-FB6B-4060-9C20-7D4890FD49AE}"/>
+                </a:ext>
+              </a:extLst>
+            </p:cNvPr>
+            <p:cNvPicPr>
+              <a:picLocks noChangeAspect="1" noChangeArrowheads="1"/>
+            </p:cNvPicPr>
+            <p:nvPr/>
+          </p:nvPicPr>
+          <p:blipFill>
+            <a:blip r:embed="rId6">
+              <a:extLst>
+                <a:ext uri="{28A0092B-C50C-407E-A947-70E740481C1C}">
+                  <a14:useLocalDpi xmlns:a14="http://schemas.microsoft.com/office/drawing/2010/main" val="0"/>
+                </a:ext>
+              </a:extLst>
+            </a:blip>
+            <a:srcRect/>
+            <a:stretch>
+              <a:fillRect/>
+            </a:stretch>
+          </p:blipFill>
+          <p:spPr bwMode="auto">
+            <a:xfrm>
+              <a:off x="7597429" y="1750884"/>
+              <a:ext cx="454416" cy="454416"/>
+            </a:xfrm>
+            <a:prstGeom prst="rect">
+              <a:avLst/>
+            </a:prstGeom>
+            <a:noFill/>
+            <a:ln>
+              <a:noFill/>
+            </a:ln>
+            <a:extLst>
+              <a:ext uri="{909E8E84-426E-40DD-AFC4-6F175D3DCCD1}">
+                <a14:hiddenFill xmlns:a14="http://schemas.microsoft.com/office/drawing/2010/main">
+                  <a:solidFill>
+                    <a:srgbClr val="FFFFFF"/>
+                  </a:solidFill>
+                </a14:hiddenFill>
+              </a:ext>
+              <a:ext uri="{91240B29-F687-4F45-9708-019B960494DF}">
+                <a14:hiddenLine xmlns:a14="http://schemas.microsoft.com/office/drawing/2010/main" w="9525">
+                  <a:solidFill>
+                    <a:srgbClr val="000000"/>
+                  </a:solidFill>
+                  <a:miter lim="800000"/>
+                  <a:headEnd/>
+                  <a:tailEnd/>
+                </a14:hiddenLine>
+              </a:ext>
+            </a:extLst>
+          </p:spPr>
+        </p:pic>
+        <p:sp>
+          <p:nvSpPr>
+            <p:cNvPr id="88" name="Right Arrow 28">
+              <a:extLst>
+                <a:ext uri="{FF2B5EF4-FFF2-40B4-BE49-F238E27FC236}">
+                  <a16:creationId xmlns:a16="http://schemas.microsoft.com/office/drawing/2014/main" id="{4F3E4D4D-C2DA-4BF0-9417-DCBA0E1B2CE5}"/>
+                </a:ext>
+              </a:extLst>
+            </p:cNvPr>
+            <p:cNvSpPr/>
+            <p:nvPr/>
+          </p:nvSpPr>
+          <p:spPr>
+            <a:xfrm>
+              <a:off x="8025353" y="1934515"/>
+              <a:ext cx="279395" cy="198422"/>
+            </a:xfrm>
+            <a:prstGeom prst="rightArrow">
+              <a:avLst/>
+            </a:prstGeom>
+            <a:solidFill>
+              <a:srgbClr val="5B9BD5"/>
+            </a:solidFill>
+            <a:ln w="12700" cap="flat" cmpd="sng" algn="ctr">
+              <a:solidFill>
+                <a:srgbClr val="5B9BD5">
+                  <a:shade val="50000"/>
+                </a:srgbClr>
+              </a:solidFill>
+              <a:prstDash val="solid"/>
+              <a:miter lim="800000"/>
+            </a:ln>
+            <a:effectLst/>
+          </p:spPr>
+          <p:txBody>
+            <a:bodyPr anchor="ctr"/>
+            <a:lstStyle/>
+            <a:p>
+              <a:pPr algn="ctr">
+                <a:defRPr/>
+              </a:pPr>
+              <a:endParaRPr lang="en-US" kern="0" dirty="0">
+                <a:solidFill>
+                  <a:prstClr val="white"/>
+                </a:solidFill>
+                <a:latin typeface="Calibri" panose="020F0502020204030204"/>
+                <a:ea typeface="ＭＳ Ｐゴシック" panose="020B0600070205080204" pitchFamily="34" charset="-128"/>
+              </a:endParaRPr>
+            </a:p>
+          </p:txBody>
+        </p:sp>
+        <p:sp>
+          <p:nvSpPr>
+            <p:cNvPr id="89" name="Right Arrow 29">
+              <a:extLst>
+                <a:ext uri="{FF2B5EF4-FFF2-40B4-BE49-F238E27FC236}">
+                  <a16:creationId xmlns:a16="http://schemas.microsoft.com/office/drawing/2014/main" id="{EA9AA3C5-71F0-4918-B790-65282F1A4756}"/>
+                </a:ext>
+              </a:extLst>
+            </p:cNvPr>
+            <p:cNvSpPr/>
+            <p:nvPr/>
+          </p:nvSpPr>
+          <p:spPr>
+            <a:xfrm>
+              <a:off x="7357027" y="1929752"/>
+              <a:ext cx="280983" cy="198423"/>
+            </a:xfrm>
+            <a:prstGeom prst="rightArrow">
+              <a:avLst/>
+            </a:prstGeom>
+            <a:solidFill>
+              <a:srgbClr val="5B9BD5"/>
+            </a:solidFill>
+            <a:ln w="12700" cap="flat" cmpd="sng" algn="ctr">
+              <a:solidFill>
+                <a:srgbClr val="5B9BD5">
+                  <a:shade val="50000"/>
+                </a:srgbClr>
+              </a:solidFill>
+              <a:prstDash val="solid"/>
+              <a:miter lim="800000"/>
+            </a:ln>
+            <a:effectLst/>
+          </p:spPr>
+          <p:txBody>
+            <a:bodyPr anchor="ctr"/>
+            <a:lstStyle/>
+            <a:p>
+              <a:pPr algn="ctr">
+                <a:defRPr/>
+              </a:pPr>
+              <a:endParaRPr lang="en-US" kern="0" dirty="0">
+                <a:solidFill>
+                  <a:prstClr val="white"/>
+                </a:solidFill>
+                <a:latin typeface="Calibri" panose="020F0502020204030204"/>
+                <a:ea typeface="ＭＳ Ｐゴシック" panose="020B0600070205080204" pitchFamily="34" charset="-128"/>
+              </a:endParaRPr>
+            </a:p>
+          </p:txBody>
+        </p:sp>
+      </p:grpSp>
+      <p:sp>
+        <p:nvSpPr>
+          <p:cNvPr id="5125" name="TextBox 89">
+            <a:extLst>
+              <a:ext uri="{FF2B5EF4-FFF2-40B4-BE49-F238E27FC236}">
+                <a16:creationId xmlns:a16="http://schemas.microsoft.com/office/drawing/2014/main" id="{BEEB93CC-342C-4F40-A1A0-D2AEFFA4064B}"/>
+              </a:ext>
+            </a:extLst>
+          </p:cNvPr>
+          <p:cNvSpPr txBox="1">
+            <a:spLocks noChangeArrowheads="1"/>
+          </p:cNvSpPr>
+          <p:nvPr/>
+        </p:nvSpPr>
+        <p:spPr bwMode="auto">
+          <a:xfrm>
+            <a:off x="2995461" y="2537361"/>
+            <a:ext cx="5938613" cy="338554"/>
+          </a:xfrm>
+          <a:prstGeom prst="rect">
+            <a:avLst/>
+          </a:prstGeom>
+          <a:noFill/>
+          <a:ln>
+            <a:noFill/>
+          </a:ln>
+          <a:extLst>
+            <a:ext uri="{909E8E84-426E-40DD-AFC4-6F175D3DCCD1}">
+              <a14:hiddenFill xmlns:a14="http://schemas.microsoft.com/office/drawing/2010/main">
+                <a:solidFill>
+                  <a:srgbClr val="FFFFFF"/>
+                </a:solidFill>
+              </a14:hiddenFill>
+            </a:ext>
+            <a:ext uri="{91240B29-F687-4F45-9708-019B960494DF}">
+              <a14:hiddenLine xmlns:a14="http://schemas.microsoft.com/office/drawing/2010/main" w="9525">
+                <a:solidFill>
+                  <a:srgbClr val="000000"/>
+                </a:solidFill>
+                <a:miter lim="800000"/>
+                <a:headEnd/>
+                <a:tailEnd/>
+              </a14:hiddenLine>
+            </a:ext>
+          </a:extLst>
+        </p:spPr>
+        <p:txBody>
+          <a:bodyPr wrap="none">
+            <a:spAutoFit/>
+          </a:bodyPr>
+          <a:lstStyle>
+            <a:lvl1pPr>
+              <a:defRPr b="1">
+                <a:solidFill>
+                  <a:schemeClr val="tx1"/>
+                </a:solidFill>
+                <a:latin typeface="Arial" panose="020B0604020202020204" pitchFamily="34" charset="0"/>
+                <a:ea typeface="ＭＳ Ｐゴシック" panose="020B0600070205080204" pitchFamily="34" charset="-128"/>
+              </a:defRPr>
+            </a:lvl1pPr>
+            <a:lvl2pPr marL="742950" indent="-285750">
+              <a:defRPr b="1">
+                <a:solidFill>
+                  <a:schemeClr val="tx1"/>
+                </a:solidFill>
+                <a:latin typeface="Arial" panose="020B0604020202020204" pitchFamily="34" charset="0"/>
+                <a:ea typeface="ＭＳ Ｐゴシック" panose="020B0600070205080204" pitchFamily="34" charset="-128"/>
+              </a:defRPr>
+            </a:lvl2pPr>
+            <a:lvl3pPr marL="1143000" indent="-228600">
+              <a:defRPr b="1">
+                <a:solidFill>
+                  <a:schemeClr val="tx1"/>
+                </a:solidFill>
+                <a:latin typeface="Arial" panose="020B0604020202020204" pitchFamily="34" charset="0"/>
+                <a:ea typeface="ＭＳ Ｐゴシック" panose="020B0600070205080204" pitchFamily="34" charset="-128"/>
+              </a:defRPr>
+            </a:lvl3pPr>
+            <a:lvl4pPr marL="1600200" indent="-228600">
+              <a:defRPr b="1">
+                <a:solidFill>
+                  <a:schemeClr val="tx1"/>
+                </a:solidFill>
+                <a:latin typeface="Arial" panose="020B0604020202020204" pitchFamily="34" charset="0"/>
+                <a:ea typeface="ＭＳ Ｐゴシック" panose="020B0600070205080204" pitchFamily="34" charset="-128"/>
+              </a:defRPr>
+            </a:lvl4pPr>
+            <a:lvl5pPr marL="2057400" indent="-228600">
+              <a:defRPr b="1">
+                <a:solidFill>
+                  <a:schemeClr val="tx1"/>
+                </a:solidFill>
+                <a:latin typeface="Arial" panose="020B0604020202020204" pitchFamily="34" charset="0"/>
+                <a:ea typeface="ＭＳ Ｐゴシック" panose="020B0600070205080204" pitchFamily="34" charset="-128"/>
+              </a:defRPr>
+            </a:lvl5pPr>
+            <a:lvl6pPr marL="2514600" indent="-228600" eaLnBrk="0" fontAlgn="base" hangingPunct="0">
+              <a:spcBef>
+                <a:spcPct val="0"/>
+              </a:spcBef>
+              <a:spcAft>
+                <a:spcPct val="0"/>
+              </a:spcAft>
+              <a:defRPr b="1">
+                <a:solidFill>
+                  <a:schemeClr val="tx1"/>
+                </a:solidFill>
+                <a:latin typeface="Arial" panose="020B0604020202020204" pitchFamily="34" charset="0"/>
+                <a:ea typeface="ＭＳ Ｐゴシック" panose="020B0600070205080204" pitchFamily="34" charset="-128"/>
+              </a:defRPr>
+            </a:lvl6pPr>
+            <a:lvl7pPr marL="2971800" indent="-228600" eaLnBrk="0" fontAlgn="base" hangingPunct="0">
+              <a:spcBef>
+                <a:spcPct val="0"/>
+              </a:spcBef>
+              <a:spcAft>
+                <a:spcPct val="0"/>
+              </a:spcAft>
+              <a:defRPr b="1">
+                <a:solidFill>
+                  <a:schemeClr val="tx1"/>
+                </a:solidFill>
+                <a:latin typeface="Arial" panose="020B0604020202020204" pitchFamily="34" charset="0"/>
+                <a:ea typeface="ＭＳ Ｐゴシック" panose="020B0600070205080204" pitchFamily="34" charset="-128"/>
+              </a:defRPr>
+            </a:lvl7pPr>
+            <a:lvl8pPr marL="3429000" indent="-228600" eaLnBrk="0" fontAlgn="base" hangingPunct="0">
+              <a:spcBef>
+                <a:spcPct val="0"/>
+              </a:spcBef>
+              <a:spcAft>
+                <a:spcPct val="0"/>
+              </a:spcAft>
+              <a:defRPr b="1">
+                <a:solidFill>
+                  <a:schemeClr val="tx1"/>
+                </a:solidFill>
+                <a:latin typeface="Arial" panose="020B0604020202020204" pitchFamily="34" charset="0"/>
+                <a:ea typeface="ＭＳ Ｐゴシック" panose="020B0600070205080204" pitchFamily="34" charset="-128"/>
+              </a:defRPr>
+            </a:lvl8pPr>
+            <a:lvl9pPr marL="3886200" indent="-228600" eaLnBrk="0" fontAlgn="base" hangingPunct="0">
+              <a:spcBef>
+                <a:spcPct val="0"/>
+              </a:spcBef>
+              <a:spcAft>
+                <a:spcPct val="0"/>
+              </a:spcAft>
+              <a:defRPr b="1">
+                <a:solidFill>
+                  <a:schemeClr val="tx1"/>
+                </a:solidFill>
+                <a:latin typeface="Arial" panose="020B0604020202020204" pitchFamily="34" charset="0"/>
+                <a:ea typeface="ＭＳ Ｐゴシック" panose="020B0600070205080204" pitchFamily="34" charset="-128"/>
+              </a:defRPr>
+            </a:lvl9pPr>
+          </a:lstStyle>
+          <a:p>
+            <a:pPr eaLnBrk="0" fontAlgn="base" hangingPunct="0">
+              <a:spcBef>
+                <a:spcPct val="0"/>
+              </a:spcBef>
+              <a:spcAft>
+                <a:spcPct val="0"/>
+              </a:spcAft>
+            </a:pPr>
+            <a:r>
+              <a:rPr lang="en-US" altLang="en-US" sz="1600" dirty="0">
+                <a:solidFill>
+                  <a:srgbClr val="000000"/>
+                </a:solidFill>
+              </a:rPr>
+              <a:t>NIST  HL7 V2 Standards Development and Testing Platform</a:t>
+            </a:r>
+          </a:p>
+        </p:txBody>
+      </p:sp>
+    </p:spTree>
+    <p:extLst>
+      <p:ext uri="{BB962C8B-B14F-4D97-AF65-F5344CB8AC3E}">
+        <p14:creationId xmlns:p14="http://schemas.microsoft.com/office/powerpoint/2010/main" val="1768824701"/>
+      </p:ext>
+    </p:extLst>
+  </p:cSld>
+  <p:clrMapOvr>
+    <a:masterClrMapping/>
+  </p:clrMapOvr>
+</p:sld>
+</file>
+
+<file path=ppt/slides/slide2.xml><?xml version="1.0" encoding="utf-8"?>
+<p:sld xmlns:a="http://schemas.openxmlformats.org/drawingml/2006/main" xmlns:r="http://schemas.openxmlformats.org/officeDocument/2006/relationships" xmlns:p="http://schemas.openxmlformats.org/presentationml/2006/main">
+  <p:cSld>
+    <p:spTree>
+      <p:nvGrpSpPr>
+        <p:cNvPr id="1" name=""/>
+        <p:cNvGrpSpPr/>
+        <p:nvPr/>
+      </p:nvGrpSpPr>
+      <p:grpSpPr>
+        <a:xfrm>
+          <a:off x="0" y="0"/>
+          <a:ext cx="0" cy="0"/>
+          <a:chOff x="0" y="0"/>
+          <a:chExt cx="0" cy="0"/>
+        </a:xfrm>
+      </p:grpSpPr>
+      <p:pic>
+        <p:nvPicPr>
+          <p:cNvPr id="5156" name="Snagit_SNG869">
+            <a:extLst>
+              <a:ext uri="{FF2B5EF4-FFF2-40B4-BE49-F238E27FC236}">
+                <a16:creationId xmlns:a16="http://schemas.microsoft.com/office/drawing/2014/main" id="{A8CC2F51-9463-4F31-8D26-D7E1F84F8A84}"/>
+              </a:ext>
+            </a:extLst>
+          </p:cNvPr>
+          <p:cNvPicPr>
+            <a:picLocks noChangeAspect="1" noChangeArrowheads="1"/>
+          </p:cNvPicPr>
+          <p:nvPr/>
+        </p:nvPicPr>
+        <p:blipFill>
+          <a:blip r:embed="rId3">
+            <a:extLst>
+              <a:ext uri="{28A0092B-C50C-407E-A947-70E740481C1C}">
+                <a14:useLocalDpi xmlns:a14="http://schemas.microsoft.com/office/drawing/2010/main" val="0"/>
+              </a:ext>
+            </a:extLst>
+          </a:blip>
+          <a:srcRect/>
+          <a:stretch>
+            <a:fillRect/>
+          </a:stretch>
+        </p:blipFill>
+        <p:spPr bwMode="auto">
+          <a:xfrm>
+            <a:off x="254155" y="1283883"/>
+            <a:ext cx="10295300" cy="1166191"/>
+          </a:xfrm>
+          <a:prstGeom prst="rect">
+            <a:avLst/>
+          </a:prstGeom>
+          <a:noFill/>
+          <a:ln w="38100">
+            <a:solidFill>
+              <a:srgbClr val="C00000"/>
+            </a:solidFill>
+            <a:miter lim="800000"/>
+            <a:headEnd/>
+            <a:tailEnd/>
+          </a:ln>
+          <a:extLst>
+            <a:ext uri="{909E8E84-426E-40DD-AFC4-6F175D3DCCD1}">
+              <a14:hiddenFill xmlns:a14="http://schemas.microsoft.com/office/drawing/2010/main">
+                <a:solidFill>
+                  <a:srgbClr val="FFFFFF"/>
+                </a:solidFill>
+              </a14:hiddenFill>
+            </a:ext>
+          </a:extLst>
+        </p:spPr>
+      </p:pic>
+      <p:grpSp>
+        <p:nvGrpSpPr>
+          <p:cNvPr id="43" name="Group 42">
+            <a:extLst>
+              <a:ext uri="{FF2B5EF4-FFF2-40B4-BE49-F238E27FC236}">
+                <a16:creationId xmlns:a16="http://schemas.microsoft.com/office/drawing/2014/main" id="{4D07307D-4F72-44A7-909C-999A6FB67807}"/>
+              </a:ext>
+            </a:extLst>
+          </p:cNvPr>
+          <p:cNvGrpSpPr/>
+          <p:nvPr/>
+        </p:nvGrpSpPr>
+        <p:grpSpPr>
+          <a:xfrm>
+            <a:off x="1815921" y="2312996"/>
+            <a:ext cx="4084021" cy="3489559"/>
+            <a:chOff x="1815921" y="2312996"/>
+            <a:chExt cx="4084021" cy="3489559"/>
+          </a:xfrm>
+        </p:grpSpPr>
+        <p:pic>
+          <p:nvPicPr>
+            <p:cNvPr id="102" name="Picture 101">
+              <a:extLst>
+                <a:ext uri="{FF2B5EF4-FFF2-40B4-BE49-F238E27FC236}">
+                  <a16:creationId xmlns:a16="http://schemas.microsoft.com/office/drawing/2014/main" id="{91F2AA83-127D-43D1-BE0F-DD3C17961B3A}"/>
+                </a:ext>
+              </a:extLst>
+            </p:cNvPr>
+            <p:cNvPicPr>
+              <a:picLocks noChangeAspect="1"/>
+            </p:cNvPicPr>
+            <p:nvPr/>
+          </p:nvPicPr>
+          <p:blipFill>
+            <a:blip r:embed="rId4"/>
+            <a:stretch>
+              <a:fillRect/>
+            </a:stretch>
+          </p:blipFill>
+          <p:spPr>
+            <a:xfrm>
+              <a:off x="1863948" y="2312996"/>
+              <a:ext cx="3987729" cy="3134459"/>
+            </a:xfrm>
+            <a:prstGeom prst="rect">
+              <a:avLst/>
+            </a:prstGeom>
+            <a:ln w="38100">
+              <a:solidFill>
+                <a:srgbClr val="C00000"/>
+              </a:solidFill>
+            </a:ln>
+          </p:spPr>
+        </p:pic>
+        <p:pic>
+          <p:nvPicPr>
+            <p:cNvPr id="42" name="Picture 41">
+              <a:extLst>
+                <a:ext uri="{FF2B5EF4-FFF2-40B4-BE49-F238E27FC236}">
+                  <a16:creationId xmlns:a16="http://schemas.microsoft.com/office/drawing/2014/main" id="{4280D074-95F0-4614-8B36-01EC33D3E861}"/>
+                </a:ext>
+              </a:extLst>
+            </p:cNvPr>
+            <p:cNvPicPr>
+              <a:picLocks noChangeAspect="1"/>
+            </p:cNvPicPr>
+            <p:nvPr/>
+          </p:nvPicPr>
+          <p:blipFill>
+            <a:blip r:embed="rId5"/>
+            <a:stretch>
+              <a:fillRect/>
+            </a:stretch>
+          </p:blipFill>
+          <p:spPr>
+            <a:xfrm>
+              <a:off x="1815921" y="5394671"/>
+              <a:ext cx="4084021" cy="407884"/>
+            </a:xfrm>
+            <a:prstGeom prst="rect">
+              <a:avLst/>
+            </a:prstGeom>
+          </p:spPr>
+        </p:pic>
+      </p:grpSp>
+      <p:pic>
+        <p:nvPicPr>
+          <p:cNvPr id="10" name="Picture 9">
+            <a:extLst>
+              <a:ext uri="{FF2B5EF4-FFF2-40B4-BE49-F238E27FC236}">
+                <a16:creationId xmlns:a16="http://schemas.microsoft.com/office/drawing/2014/main" id="{B45FA1FC-9F47-4795-909C-8852B9A1FEE4}"/>
+              </a:ext>
+            </a:extLst>
+          </p:cNvPr>
+          <p:cNvPicPr>
+            <a:picLocks noChangeAspect="1"/>
+          </p:cNvPicPr>
+          <p:nvPr/>
+        </p:nvPicPr>
+        <p:blipFill>
+          <a:blip r:embed="rId6"/>
+          <a:stretch>
+            <a:fillRect/>
+          </a:stretch>
+        </p:blipFill>
+        <p:spPr>
+          <a:xfrm>
+            <a:off x="6529078" y="2746306"/>
+            <a:ext cx="5000606" cy="3305927"/>
+          </a:xfrm>
+          <a:prstGeom prst="rect">
+            <a:avLst/>
+          </a:prstGeom>
+          <a:ln w="38100">
+            <a:solidFill>
+              <a:srgbClr val="C00000"/>
+            </a:solidFill>
+          </a:ln>
+        </p:spPr>
+      </p:pic>
+      <p:sp>
+        <p:nvSpPr>
           <p:cNvPr id="5" name="Title 1">
             <a:extLst>
               <a:ext uri="{FF2B5EF4-FFF2-40B4-BE49-F238E27FC236}">
@@ -3605,7 +5768,7 @@
         </p:nvSpPr>
         <p:spPr>
           <a:xfrm>
-            <a:off x="186614" y="245389"/>
+            <a:off x="93888" y="9244"/>
             <a:ext cx="11803225" cy="461665"/>
           </a:xfrm>
         </p:spPr>
@@ -3618,7 +5781,7 @@
             </a:pPr>
             <a:r>
               <a:rPr lang="en-US" dirty="0"/>
-              <a:t>Connecting and Pushing Profiles to GVT from IGAMT (1)</a:t>
+              <a:t>Connecting and Pushing Profiles to GVT from IGAMT </a:t>
             </a:r>
             <a:endParaRPr lang="en-US" sz="2800" dirty="0">
               <a:ea typeface="ＭＳ Ｐゴシック" charset="0"/>
@@ -3626,792 +5789,6 @@
           </a:p>
         </p:txBody>
       </p:sp>
-      <p:grpSp>
-        <p:nvGrpSpPr>
-          <p:cNvPr id="5124" name="Group 3">
-            <a:extLst>
-              <a:ext uri="{FF2B5EF4-FFF2-40B4-BE49-F238E27FC236}">
-                <a16:creationId xmlns:a16="http://schemas.microsoft.com/office/drawing/2014/main" id="{B6E6BE5F-5DF3-4616-9FA1-F0807C04ED44}"/>
-              </a:ext>
-            </a:extLst>
-          </p:cNvPr>
-          <p:cNvGrpSpPr>
-            <a:grpSpLocks/>
-          </p:cNvGrpSpPr>
-          <p:nvPr/>
-        </p:nvGrpSpPr>
-        <p:grpSpPr bwMode="auto">
-          <a:xfrm>
-            <a:off x="255284" y="1290602"/>
-            <a:ext cx="10261906" cy="1206262"/>
-            <a:chOff x="138112" y="1365249"/>
-            <a:chExt cx="8855076" cy="908053"/>
-          </a:xfrm>
-        </p:grpSpPr>
-        <p:pic>
-          <p:nvPicPr>
-            <p:cNvPr id="5156" name="Snagit_SNG869">
-              <a:extLst>
-                <a:ext uri="{FF2B5EF4-FFF2-40B4-BE49-F238E27FC236}">
-                  <a16:creationId xmlns:a16="http://schemas.microsoft.com/office/drawing/2014/main" id="{A8CC2F51-9463-4F31-8D26-D7E1F84F8A84}"/>
-                </a:ext>
-              </a:extLst>
-            </p:cNvPr>
-            <p:cNvPicPr>
-              <a:picLocks noChangeAspect="1" noChangeArrowheads="1"/>
-            </p:cNvPicPr>
-            <p:nvPr/>
-          </p:nvPicPr>
-          <p:blipFill>
-            <a:blip r:embed="rId3">
-              <a:extLst>
-                <a:ext uri="{28A0092B-C50C-407E-A947-70E740481C1C}">
-                  <a14:useLocalDpi xmlns:a14="http://schemas.microsoft.com/office/drawing/2010/main" val="0"/>
-                </a:ext>
-              </a:extLst>
-            </a:blip>
-            <a:srcRect/>
-            <a:stretch>
-              <a:fillRect/>
-            </a:stretch>
-          </p:blipFill>
-          <p:spPr bwMode="auto">
-            <a:xfrm>
-              <a:off x="138113" y="1365250"/>
-              <a:ext cx="8855075" cy="877888"/>
-            </a:xfrm>
-            <a:prstGeom prst="rect">
-              <a:avLst/>
-            </a:prstGeom>
-            <a:noFill/>
-            <a:ln w="9525">
-              <a:solidFill>
-                <a:srgbClr val="000000"/>
-              </a:solidFill>
-              <a:miter lim="800000"/>
-              <a:headEnd/>
-              <a:tailEnd/>
-            </a:ln>
-            <a:extLst>
-              <a:ext uri="{909E8E84-426E-40DD-AFC4-6F175D3DCCD1}">
-                <a14:hiddenFill xmlns:a14="http://schemas.microsoft.com/office/drawing/2010/main">
-                  <a:solidFill>
-                    <a:srgbClr val="FFFFFF"/>
-                  </a:solidFill>
-                </a14:hiddenFill>
-              </a:ext>
-            </a:extLst>
-          </p:spPr>
-        </p:pic>
-        <p:sp>
-          <p:nvSpPr>
-            <p:cNvPr id="5157" name="Rectangle 18">
-              <a:extLst>
-                <a:ext uri="{FF2B5EF4-FFF2-40B4-BE49-F238E27FC236}">
-                  <a16:creationId xmlns:a16="http://schemas.microsoft.com/office/drawing/2014/main" id="{147C0F50-1B0A-4855-91CC-3EC2ECE3114D}"/>
-                </a:ext>
-              </a:extLst>
-            </p:cNvPr>
-            <p:cNvSpPr>
-              <a:spLocks noChangeArrowheads="1"/>
-            </p:cNvSpPr>
-            <p:nvPr/>
-          </p:nvSpPr>
-          <p:spPr bwMode="auto">
-            <a:xfrm>
-              <a:off x="138112" y="1365249"/>
-              <a:ext cx="8816543" cy="908053"/>
-            </a:xfrm>
-            <a:prstGeom prst="rect">
-              <a:avLst/>
-            </a:prstGeom>
-            <a:noFill/>
-            <a:ln w="38100" algn="ctr">
-              <a:solidFill>
-                <a:srgbClr val="C00000"/>
-              </a:solidFill>
-              <a:round/>
-              <a:headEnd/>
-              <a:tailEnd/>
-            </a:ln>
-            <a:extLst>
-              <a:ext uri="{909E8E84-426E-40DD-AFC4-6F175D3DCCD1}">
-                <a14:hiddenFill xmlns:a14="http://schemas.microsoft.com/office/drawing/2010/main">
-                  <a:solidFill>
-                    <a:srgbClr val="FFFFFF"/>
-                  </a:solidFill>
-                </a14:hiddenFill>
-              </a:ext>
-            </a:extLst>
-          </p:spPr>
-          <p:txBody>
-            <a:bodyPr/>
-            <a:lstStyle>
-              <a:lvl1pPr>
-                <a:spcBef>
-                  <a:spcPct val="20000"/>
-                </a:spcBef>
-                <a:buChar char="•"/>
-                <a:defRPr sz="2200">
-                  <a:solidFill>
-                    <a:schemeClr val="tx1"/>
-                  </a:solidFill>
-                  <a:latin typeface="Arial" panose="020B0604020202020204" pitchFamily="34" charset="0"/>
-                  <a:ea typeface="ＭＳ Ｐゴシック" panose="020B0600070205080204" pitchFamily="34" charset="-128"/>
-                </a:defRPr>
-              </a:lvl1pPr>
-              <a:lvl2pPr marL="742950" indent="-285750">
-                <a:spcBef>
-                  <a:spcPct val="20000"/>
-                </a:spcBef>
-                <a:buChar char="–"/>
-                <a:defRPr>
-                  <a:solidFill>
-                    <a:schemeClr val="tx1"/>
-                  </a:solidFill>
-                  <a:latin typeface="Arial" panose="020B0604020202020204" pitchFamily="34" charset="0"/>
-                  <a:ea typeface="ＭＳ Ｐゴシック" panose="020B0600070205080204" pitchFamily="34" charset="-128"/>
-                </a:defRPr>
-              </a:lvl2pPr>
-              <a:lvl3pPr marL="1143000" indent="-228600">
-                <a:spcBef>
-                  <a:spcPct val="20000"/>
-                </a:spcBef>
-                <a:buChar char="•"/>
-                <a:defRPr sz="1400">
-                  <a:solidFill>
-                    <a:schemeClr val="tx1"/>
-                  </a:solidFill>
-                  <a:latin typeface="Arial" panose="020B0604020202020204" pitchFamily="34" charset="0"/>
-                  <a:ea typeface="ＭＳ Ｐゴシック" panose="020B0600070205080204" pitchFamily="34" charset="-128"/>
-                </a:defRPr>
-              </a:lvl3pPr>
-              <a:lvl4pPr marL="1600200" indent="-228600">
-                <a:spcBef>
-                  <a:spcPct val="20000"/>
-                </a:spcBef>
-                <a:buChar char="–"/>
-                <a:defRPr sz="1000">
-                  <a:solidFill>
-                    <a:schemeClr val="tx1"/>
-                  </a:solidFill>
-                  <a:latin typeface="Arial" panose="020B0604020202020204" pitchFamily="34" charset="0"/>
-                  <a:ea typeface="ＭＳ Ｐゴシック" panose="020B0600070205080204" pitchFamily="34" charset="-128"/>
-                </a:defRPr>
-              </a:lvl4pPr>
-              <a:lvl5pPr marL="2057400" indent="-228600">
-                <a:spcBef>
-                  <a:spcPct val="20000"/>
-                </a:spcBef>
-                <a:buChar char="»"/>
-                <a:defRPr sz="1000">
-                  <a:solidFill>
-                    <a:schemeClr val="tx1"/>
-                  </a:solidFill>
-                  <a:latin typeface="Arial" panose="020B0604020202020204" pitchFamily="34" charset="0"/>
-                  <a:ea typeface="ＭＳ Ｐゴシック" panose="020B0600070205080204" pitchFamily="34" charset="-128"/>
-                </a:defRPr>
-              </a:lvl5pPr>
-              <a:lvl6pPr marL="2514600" indent="-228600" eaLnBrk="0" fontAlgn="base" hangingPunct="0">
-                <a:spcBef>
-                  <a:spcPct val="20000"/>
-                </a:spcBef>
-                <a:spcAft>
-                  <a:spcPct val="0"/>
-                </a:spcAft>
-                <a:buChar char="»"/>
-                <a:defRPr sz="1000">
-                  <a:solidFill>
-                    <a:schemeClr val="tx1"/>
-                  </a:solidFill>
-                  <a:latin typeface="Arial" panose="020B0604020202020204" pitchFamily="34" charset="0"/>
-                  <a:ea typeface="ＭＳ Ｐゴシック" panose="020B0600070205080204" pitchFamily="34" charset="-128"/>
-                </a:defRPr>
-              </a:lvl6pPr>
-              <a:lvl7pPr marL="2971800" indent="-228600" eaLnBrk="0" fontAlgn="base" hangingPunct="0">
-                <a:spcBef>
-                  <a:spcPct val="20000"/>
-                </a:spcBef>
-                <a:spcAft>
-                  <a:spcPct val="0"/>
-                </a:spcAft>
-                <a:buChar char="»"/>
-                <a:defRPr sz="1000">
-                  <a:solidFill>
-                    <a:schemeClr val="tx1"/>
-                  </a:solidFill>
-                  <a:latin typeface="Arial" panose="020B0604020202020204" pitchFamily="34" charset="0"/>
-                  <a:ea typeface="ＭＳ Ｐゴシック" panose="020B0600070205080204" pitchFamily="34" charset="-128"/>
-                </a:defRPr>
-              </a:lvl7pPr>
-              <a:lvl8pPr marL="3429000" indent="-228600" eaLnBrk="0" fontAlgn="base" hangingPunct="0">
-                <a:spcBef>
-                  <a:spcPct val="20000"/>
-                </a:spcBef>
-                <a:spcAft>
-                  <a:spcPct val="0"/>
-                </a:spcAft>
-                <a:buChar char="»"/>
-                <a:defRPr sz="1000">
-                  <a:solidFill>
-                    <a:schemeClr val="tx1"/>
-                  </a:solidFill>
-                  <a:latin typeface="Arial" panose="020B0604020202020204" pitchFamily="34" charset="0"/>
-                  <a:ea typeface="ＭＳ Ｐゴシック" panose="020B0600070205080204" pitchFamily="34" charset="-128"/>
-                </a:defRPr>
-              </a:lvl8pPr>
-              <a:lvl9pPr marL="3886200" indent="-228600" eaLnBrk="0" fontAlgn="base" hangingPunct="0">
-                <a:spcBef>
-                  <a:spcPct val="20000"/>
-                </a:spcBef>
-                <a:spcAft>
-                  <a:spcPct val="0"/>
-                </a:spcAft>
-                <a:buChar char="»"/>
-                <a:defRPr sz="1000">
-                  <a:solidFill>
-                    <a:schemeClr val="tx1"/>
-                  </a:solidFill>
-                  <a:latin typeface="Arial" panose="020B0604020202020204" pitchFamily="34" charset="0"/>
-                  <a:ea typeface="ＭＳ Ｐゴシック" panose="020B0600070205080204" pitchFamily="34" charset="-128"/>
-                </a:defRPr>
-              </a:lvl9pPr>
-            </a:lstStyle>
-            <a:p>
-              <a:pPr fontAlgn="base">
-                <a:spcBef>
-                  <a:spcPct val="0"/>
-                </a:spcBef>
-                <a:spcAft>
-                  <a:spcPct val="0"/>
-                </a:spcAft>
-                <a:buNone/>
-              </a:pPr>
-              <a:endParaRPr lang="en-US" altLang="en-US" sz="1800" b="1" dirty="0">
-                <a:solidFill>
-                  <a:srgbClr val="000000"/>
-                </a:solidFill>
-              </a:endParaRPr>
-            </a:p>
-          </p:txBody>
-        </p:sp>
-      </p:grpSp>
-      <p:grpSp>
-        <p:nvGrpSpPr>
-          <p:cNvPr id="5126" name="Group 7">
-            <a:extLst>
-              <a:ext uri="{FF2B5EF4-FFF2-40B4-BE49-F238E27FC236}">
-                <a16:creationId xmlns:a16="http://schemas.microsoft.com/office/drawing/2014/main" id="{7604BAF6-455C-40C3-8130-20ED79EC2537}"/>
-              </a:ext>
-            </a:extLst>
-          </p:cNvPr>
-          <p:cNvGrpSpPr>
-            <a:grpSpLocks/>
-          </p:cNvGrpSpPr>
-          <p:nvPr/>
-        </p:nvGrpSpPr>
-        <p:grpSpPr bwMode="auto">
-          <a:xfrm>
-            <a:off x="1834357" y="681062"/>
-            <a:ext cx="6417567" cy="1210885"/>
-            <a:chOff x="1057158" y="524315"/>
-            <a:chExt cx="6254503" cy="1211032"/>
-          </a:xfrm>
-        </p:grpSpPr>
-        <p:grpSp>
-          <p:nvGrpSpPr>
-            <p:cNvPr id="5147" name="Group 6">
-              <a:extLst>
-                <a:ext uri="{FF2B5EF4-FFF2-40B4-BE49-F238E27FC236}">
-                  <a16:creationId xmlns:a16="http://schemas.microsoft.com/office/drawing/2014/main" id="{7AEA50A1-147B-4C61-8507-023354187AB9}"/>
-                </a:ext>
-              </a:extLst>
-            </p:cNvPr>
-            <p:cNvGrpSpPr>
-              <a:grpSpLocks/>
-            </p:cNvGrpSpPr>
-            <p:nvPr/>
-          </p:nvGrpSpPr>
-          <p:grpSpPr bwMode="auto">
-            <a:xfrm>
-              <a:off x="1057158" y="524315"/>
-              <a:ext cx="6254503" cy="786466"/>
-              <a:chOff x="-1228988" y="3489753"/>
-              <a:chExt cx="4990968" cy="787846"/>
-            </a:xfrm>
-          </p:grpSpPr>
-          <p:sp>
-            <p:nvSpPr>
-              <p:cNvPr id="40" name="TextBox 39">
-                <a:extLst>
-                  <a:ext uri="{FF2B5EF4-FFF2-40B4-BE49-F238E27FC236}">
-                    <a16:creationId xmlns:a16="http://schemas.microsoft.com/office/drawing/2014/main" id="{A0617BB6-6615-4D97-B7D8-84E086F5D900}"/>
-                  </a:ext>
-                </a:extLst>
-              </p:cNvPr>
-              <p:cNvSpPr txBox="1">
-                <a:spLocks noChangeArrowheads="1"/>
-              </p:cNvSpPr>
-              <p:nvPr/>
-            </p:nvSpPr>
-            <p:spPr bwMode="auto">
-              <a:xfrm>
-                <a:off x="-1107317" y="3593075"/>
-                <a:ext cx="4869297" cy="370025"/>
-              </a:xfrm>
-              <a:prstGeom prst="rect">
-                <a:avLst/>
-              </a:prstGeom>
-              <a:solidFill>
-                <a:srgbClr val="F2EECE"/>
-              </a:solidFill>
-              <a:ln w="28575">
-                <a:solidFill>
-                  <a:schemeClr val="tx1">
-                    <a:lumMod val="50000"/>
-                    <a:lumOff val="50000"/>
-                  </a:schemeClr>
-                </a:solidFill>
-                <a:miter lim="800000"/>
-                <a:headEnd/>
-                <a:tailEnd/>
-              </a:ln>
-            </p:spPr>
-            <p:txBody>
-              <a:bodyPr wrap="square">
-                <a:spAutoFit/>
-              </a:bodyPr>
-              <a:lstStyle>
-                <a:lvl1pPr eaLnBrk="0" hangingPunct="0">
-                  <a:defRPr sz="2400" b="1">
-                    <a:solidFill>
-                      <a:schemeClr val="tx1"/>
-                    </a:solidFill>
-                    <a:latin typeface="Arial" charset="0"/>
-                    <a:ea typeface="ＭＳ Ｐゴシック" pitchFamily="34" charset="-128"/>
-                  </a:defRPr>
-                </a:lvl1pPr>
-                <a:lvl2pPr marL="742950" indent="-285750" eaLnBrk="0" hangingPunct="0">
-                  <a:defRPr sz="2400" b="1">
-                    <a:solidFill>
-                      <a:schemeClr val="tx1"/>
-                    </a:solidFill>
-                    <a:latin typeface="Arial" charset="0"/>
-                    <a:ea typeface="ＭＳ Ｐゴシック" pitchFamily="34" charset="-128"/>
-                  </a:defRPr>
-                </a:lvl2pPr>
-                <a:lvl3pPr marL="1143000" indent="-228600" eaLnBrk="0" hangingPunct="0">
-                  <a:defRPr sz="2400" b="1">
-                    <a:solidFill>
-                      <a:schemeClr val="tx1"/>
-                    </a:solidFill>
-                    <a:latin typeface="Arial" charset="0"/>
-                    <a:ea typeface="ＭＳ Ｐゴシック" pitchFamily="34" charset="-128"/>
-                  </a:defRPr>
-                </a:lvl3pPr>
-                <a:lvl4pPr marL="1600200" indent="-228600" eaLnBrk="0" hangingPunct="0">
-                  <a:defRPr sz="2400" b="1">
-                    <a:solidFill>
-                      <a:schemeClr val="tx1"/>
-                    </a:solidFill>
-                    <a:latin typeface="Arial" charset="0"/>
-                    <a:ea typeface="ＭＳ Ｐゴシック" pitchFamily="34" charset="-128"/>
-                  </a:defRPr>
-                </a:lvl4pPr>
-                <a:lvl5pPr marL="2057400" indent="-228600" eaLnBrk="0" hangingPunct="0">
-                  <a:defRPr sz="2400" b="1">
-                    <a:solidFill>
-                      <a:schemeClr val="tx1"/>
-                    </a:solidFill>
-                    <a:latin typeface="Arial" charset="0"/>
-                    <a:ea typeface="ＭＳ Ｐゴシック" pitchFamily="34" charset="-128"/>
-                  </a:defRPr>
-                </a:lvl5pPr>
-                <a:lvl6pPr marL="2514600" indent="-228600" eaLnBrk="0" fontAlgn="base" hangingPunct="0">
-                  <a:spcBef>
-                    <a:spcPct val="0"/>
-                  </a:spcBef>
-                  <a:spcAft>
-                    <a:spcPct val="0"/>
-                  </a:spcAft>
-                  <a:defRPr sz="2400" b="1">
-                    <a:solidFill>
-                      <a:schemeClr val="tx1"/>
-                    </a:solidFill>
-                    <a:latin typeface="Arial" charset="0"/>
-                    <a:ea typeface="ＭＳ Ｐゴシック" pitchFamily="34" charset="-128"/>
-                  </a:defRPr>
-                </a:lvl6pPr>
-                <a:lvl7pPr marL="2971800" indent="-228600" eaLnBrk="0" fontAlgn="base" hangingPunct="0">
-                  <a:spcBef>
-                    <a:spcPct val="0"/>
-                  </a:spcBef>
-                  <a:spcAft>
-                    <a:spcPct val="0"/>
-                  </a:spcAft>
-                  <a:defRPr sz="2400" b="1">
-                    <a:solidFill>
-                      <a:schemeClr val="tx1"/>
-                    </a:solidFill>
-                    <a:latin typeface="Arial" charset="0"/>
-                    <a:ea typeface="ＭＳ Ｐゴシック" pitchFamily="34" charset="-128"/>
-                  </a:defRPr>
-                </a:lvl7pPr>
-                <a:lvl8pPr marL="3429000" indent="-228600" eaLnBrk="0" fontAlgn="base" hangingPunct="0">
-                  <a:spcBef>
-                    <a:spcPct val="0"/>
-                  </a:spcBef>
-                  <a:spcAft>
-                    <a:spcPct val="0"/>
-                  </a:spcAft>
-                  <a:defRPr sz="2400" b="1">
-                    <a:solidFill>
-                      <a:schemeClr val="tx1"/>
-                    </a:solidFill>
-                    <a:latin typeface="Arial" charset="0"/>
-                    <a:ea typeface="ＭＳ Ｐゴシック" pitchFamily="34" charset="-128"/>
-                  </a:defRPr>
-                </a:lvl8pPr>
-                <a:lvl9pPr marL="3886200" indent="-228600" eaLnBrk="0" fontAlgn="base" hangingPunct="0">
-                  <a:spcBef>
-                    <a:spcPct val="0"/>
-                  </a:spcBef>
-                  <a:spcAft>
-                    <a:spcPct val="0"/>
-                  </a:spcAft>
-                  <a:defRPr sz="2400" b="1">
-                    <a:solidFill>
-                      <a:schemeClr val="tx1"/>
-                    </a:solidFill>
-                    <a:latin typeface="Arial" charset="0"/>
-                    <a:ea typeface="ＭＳ Ｐゴシック" pitchFamily="34" charset="-128"/>
-                  </a:defRPr>
-                </a:lvl9pPr>
-              </a:lstStyle>
-              <a:p>
-                <a:pPr algn="ctr" eaLnBrk="1" fontAlgn="base" hangingPunct="1">
-                  <a:spcBef>
-                    <a:spcPct val="0"/>
-                  </a:spcBef>
-                  <a:spcAft>
-                    <a:spcPct val="0"/>
-                  </a:spcAft>
-                  <a:defRPr/>
-                </a:pPr>
-                <a:r>
-                  <a:rPr lang="en-US" altLang="en-US" sz="900" b="0" dirty="0">
-                    <a:solidFill>
-                      <a:srgbClr val="000000"/>
-                    </a:solidFill>
-                  </a:rPr>
-                  <a:t>In </a:t>
-                </a:r>
-                <a:r>
-                  <a:rPr lang="en-US" altLang="en-US" sz="900" dirty="0">
-                    <a:solidFill>
-                      <a:srgbClr val="000000"/>
-                    </a:solidFill>
-                  </a:rPr>
-                  <a:t>IGAMT</a:t>
-                </a:r>
-                <a:r>
-                  <a:rPr lang="en-US" altLang="en-US" sz="900" b="0" dirty="0">
-                    <a:solidFill>
-                      <a:srgbClr val="000000"/>
-                    </a:solidFill>
-                  </a:rPr>
-                  <a:t>, select </a:t>
-                </a:r>
-                <a:r>
-                  <a:rPr lang="en-US" altLang="en-US" sz="900" dirty="0">
-                    <a:solidFill>
-                      <a:srgbClr val="000000"/>
-                    </a:solidFill>
-                  </a:rPr>
-                  <a:t>IG Documents </a:t>
-                </a:r>
-                <a:r>
-                  <a:rPr lang="en-US" altLang="en-US" sz="900" b="0" dirty="0">
-                    <a:solidFill>
-                      <a:srgbClr val="000000"/>
-                    </a:solidFill>
-                  </a:rPr>
-                  <a:t>from the main </a:t>
-                </a:r>
-                <a:r>
-                  <a:rPr lang="en-US" altLang="en-US" sz="900" dirty="0">
-                    <a:solidFill>
-                      <a:srgbClr val="000000"/>
-                    </a:solidFill>
-                  </a:rPr>
-                  <a:t>Menu Bar;</a:t>
-                </a:r>
-                <a:r>
-                  <a:rPr lang="en-US" altLang="en-US" sz="900" b="0" dirty="0">
-                    <a:solidFill>
-                      <a:srgbClr val="000000"/>
-                    </a:solidFill>
-                  </a:rPr>
-                  <a:t> open an IG document, select </a:t>
-                </a:r>
-                <a:r>
-                  <a:rPr lang="en-US" altLang="en-US" sz="900" dirty="0"/>
-                  <a:t>Connect</a:t>
-                </a:r>
-                <a:r>
-                  <a:rPr lang="en-US" altLang="en-US" sz="900" dirty="0">
-                    <a:solidFill>
-                      <a:srgbClr val="FF0000"/>
-                    </a:solidFill>
-                  </a:rPr>
-                  <a:t> </a:t>
-                </a:r>
-                <a:r>
-                  <a:rPr lang="en-US" altLang="ja-JP" sz="900" b="0" dirty="0">
-                    <a:solidFill>
-                      <a:srgbClr val="000000"/>
-                    </a:solidFill>
-                  </a:rPr>
-                  <a:t>from the </a:t>
-                </a:r>
-                <a:r>
-                  <a:rPr lang="en-US" altLang="ja-JP" sz="900" dirty="0">
-                    <a:solidFill>
-                      <a:srgbClr val="000000"/>
-                    </a:solidFill>
-                  </a:rPr>
-                  <a:t>IG Document </a:t>
-                </a:r>
-                <a:r>
-                  <a:rPr lang="en-US" altLang="en-US" sz="900" dirty="0">
-                    <a:solidFill>
-                      <a:srgbClr val="000000"/>
-                    </a:solidFill>
-                  </a:rPr>
-                  <a:t>Menu Bar, </a:t>
-                </a:r>
-                <a:r>
-                  <a:rPr lang="en-US" altLang="en-US" sz="900" b="0" dirty="0">
-                    <a:solidFill>
-                      <a:srgbClr val="000000"/>
-                    </a:solidFill>
-                  </a:rPr>
-                  <a:t>and select </a:t>
-                </a:r>
-                <a:r>
-                  <a:rPr lang="en-US" altLang="en-US" sz="900" dirty="0">
-                    <a:solidFill>
-                      <a:srgbClr val="000000"/>
-                    </a:solidFill>
-                  </a:rPr>
-                  <a:t>Conformance Profile, </a:t>
-                </a:r>
-                <a:r>
-                  <a:rPr lang="en-US" altLang="en-US" sz="900" b="0" dirty="0">
-                    <a:solidFill>
-                      <a:srgbClr val="000000"/>
-                    </a:solidFill>
-                  </a:rPr>
-                  <a:t>or </a:t>
-                </a:r>
-                <a:r>
-                  <a:rPr lang="en-US" altLang="en-US" sz="900" dirty="0">
-                    <a:solidFill>
-                      <a:srgbClr val="000000"/>
-                    </a:solidFill>
-                  </a:rPr>
-                  <a:t>Composite Profile</a:t>
-                </a:r>
-                <a:r>
-                  <a:rPr lang="en-US" altLang="en-US" sz="900" b="0" dirty="0">
-                    <a:solidFill>
-                      <a:srgbClr val="000000"/>
-                    </a:solidFill>
-                  </a:rPr>
-                  <a:t> if available, from the dropdown menu</a:t>
-                </a:r>
-                <a:r>
-                  <a:rPr lang="en-US" altLang="en-US" sz="900" dirty="0">
-                    <a:solidFill>
-                      <a:srgbClr val="000000"/>
-                    </a:solidFill>
-                  </a:rPr>
-                  <a:t>.</a:t>
-                </a:r>
-              </a:p>
-            </p:txBody>
-          </p:sp>
-          <p:sp>
-            <p:nvSpPr>
-              <p:cNvPr id="41" name="Oval 40">
-                <a:extLst>
-                  <a:ext uri="{FF2B5EF4-FFF2-40B4-BE49-F238E27FC236}">
-                    <a16:creationId xmlns:a16="http://schemas.microsoft.com/office/drawing/2014/main" id="{08CF3CE8-EF2E-4F7E-BAE6-7F475BD0067B}"/>
-                  </a:ext>
-                </a:extLst>
-              </p:cNvPr>
-              <p:cNvSpPr>
-                <a:spLocks noChangeArrowheads="1"/>
-              </p:cNvSpPr>
-              <p:nvPr/>
-            </p:nvSpPr>
-            <p:spPr bwMode="auto">
-              <a:xfrm>
-                <a:off x="-1228988" y="3489753"/>
-                <a:ext cx="199139" cy="260839"/>
-              </a:xfrm>
-              <a:prstGeom prst="ellipse">
-                <a:avLst/>
-              </a:prstGeom>
-              <a:solidFill>
-                <a:schemeClr val="accent2">
-                  <a:lumMod val="75000"/>
-                </a:schemeClr>
-              </a:solidFill>
-              <a:ln w="9525">
-                <a:solidFill>
-                  <a:schemeClr val="bg1"/>
-                </a:solidFill>
-                <a:round/>
-                <a:headEnd/>
-                <a:tailEnd/>
-              </a:ln>
-              <a:effectLst>
-                <a:outerShdw blurRad="50800" dist="38100" dir="5400000" algn="t" rotWithShape="0">
-                  <a:srgbClr val="808080">
-                    <a:alpha val="39998"/>
-                  </a:srgbClr>
-                </a:outerShdw>
-              </a:effectLst>
-            </p:spPr>
-            <p:txBody>
-              <a:bodyPr lIns="0" tIns="0" rIns="0" bIns="0" anchor="ctr"/>
-              <a:lstStyle/>
-              <a:p>
-                <a:pPr algn="ctr" fontAlgn="base">
-                  <a:spcBef>
-                    <a:spcPct val="0"/>
-                  </a:spcBef>
-                  <a:spcAft>
-                    <a:spcPct val="0"/>
-                  </a:spcAft>
-                  <a:defRPr/>
-                </a:pPr>
-                <a:r>
-                  <a:rPr lang="en-US" sz="900" b="1" dirty="0">
-                    <a:solidFill>
-                      <a:srgbClr val="FFFFFF"/>
-                    </a:solidFill>
-                    <a:latin typeface="Franklin Gothic Demi"/>
-                    <a:ea typeface="ＭＳ Ｐゴシック" panose="020B0600070205080204" pitchFamily="34" charset="-128"/>
-                  </a:rPr>
-                  <a:t>1</a:t>
-                </a:r>
-              </a:p>
-            </p:txBody>
-          </p:sp>
-          <p:cxnSp>
-            <p:nvCxnSpPr>
-              <p:cNvPr id="5151" name="Straight Connector 31">
-                <a:extLst>
-                  <a:ext uri="{FF2B5EF4-FFF2-40B4-BE49-F238E27FC236}">
-                    <a16:creationId xmlns:a16="http://schemas.microsoft.com/office/drawing/2014/main" id="{A0D1566D-1319-4323-8B2C-87007F49033F}"/>
-                  </a:ext>
-                </a:extLst>
-              </p:cNvPr>
-              <p:cNvCxnSpPr>
-                <a:cxnSpLocks noChangeShapeType="1"/>
-              </p:cNvCxnSpPr>
-              <p:nvPr/>
-            </p:nvCxnSpPr>
-            <p:spPr bwMode="auto">
-              <a:xfrm>
-                <a:off x="2425092" y="3977501"/>
-                <a:ext cx="0" cy="300098"/>
-              </a:xfrm>
-              <a:prstGeom prst="line">
-                <a:avLst/>
-              </a:prstGeom>
-              <a:noFill/>
-              <a:ln w="28575">
-                <a:solidFill>
-                  <a:srgbClr val="7F7F7F"/>
-                </a:solidFill>
-                <a:round/>
-                <a:headEnd/>
-                <a:tailEnd type="oval" w="med" len="med"/>
-              </a:ln>
-              <a:effectLst/>
-              <a:extLst>
-                <a:ext uri="{909E8E84-426E-40DD-AFC4-6F175D3DCCD1}">
-                  <a14:hiddenFill xmlns:a14="http://schemas.microsoft.com/office/drawing/2010/main">
-                    <a:noFill/>
-                  </a14:hiddenFill>
-                </a:ext>
-                <a:ext uri="{AF507438-7753-43E0-B8FC-AC1667EBCBE1}">
-                  <a14:hiddenEffects xmlns:a14="http://schemas.microsoft.com/office/drawing/2010/main">
-                    <a:effectLst>
-                      <a:outerShdw dist="35921" dir="2700000" algn="ctr" rotWithShape="0">
-                        <a:schemeClr val="bg2"/>
-                      </a:outerShdw>
-                    </a:effectLst>
-                  </a14:hiddenEffects>
-                </a:ext>
-              </a:extLst>
-            </p:spPr>
-          </p:cxnSp>
-        </p:grpSp>
-        <p:cxnSp>
-          <p:nvCxnSpPr>
-            <p:cNvPr id="5148" name="Straight Connector 31">
-              <a:extLst>
-                <a:ext uri="{FF2B5EF4-FFF2-40B4-BE49-F238E27FC236}">
-                  <a16:creationId xmlns:a16="http://schemas.microsoft.com/office/drawing/2014/main" id="{B40ECEEA-469C-4223-A060-6AB708F25971}"/>
-                </a:ext>
-              </a:extLst>
-            </p:cNvPr>
-            <p:cNvCxnSpPr>
-              <a:cxnSpLocks noChangeShapeType="1"/>
-            </p:cNvCxnSpPr>
-            <p:nvPr/>
-          </p:nvCxnSpPr>
-          <p:spPr bwMode="auto">
-            <a:xfrm>
-              <a:off x="6609453" y="996831"/>
-              <a:ext cx="0" cy="738516"/>
-            </a:xfrm>
-            <a:prstGeom prst="line">
-              <a:avLst/>
-            </a:prstGeom>
-            <a:noFill/>
-            <a:ln w="28575">
-              <a:solidFill>
-                <a:srgbClr val="7F7F7F"/>
-              </a:solidFill>
-              <a:round/>
-              <a:headEnd/>
-              <a:tailEnd type="oval" w="med" len="med"/>
-            </a:ln>
-            <a:effectLst/>
-            <a:extLst>
-              <a:ext uri="{909E8E84-426E-40DD-AFC4-6F175D3DCCD1}">
-                <a14:hiddenFill xmlns:a14="http://schemas.microsoft.com/office/drawing/2010/main">
-                  <a:noFill/>
-                </a14:hiddenFill>
-              </a:ext>
-              <a:ext uri="{AF507438-7753-43E0-B8FC-AC1667EBCBE1}">
-                <a14:hiddenEffects xmlns:a14="http://schemas.microsoft.com/office/drawing/2010/main">
-                  <a:effectLst>
-                    <a:outerShdw dist="35921" dir="2700000" algn="ctr" rotWithShape="0">
-                      <a:schemeClr val="bg2"/>
-                    </a:outerShdw>
-                  </a:effectLst>
-                </a14:hiddenEffects>
-              </a:ext>
-            </a:extLst>
-          </p:spPr>
-        </p:cxnSp>
-      </p:grpSp>
       <p:cxnSp>
         <p:nvCxnSpPr>
           <p:cNvPr id="73" name="Connector: Elbow 72">
@@ -4428,12 +5805,12 @@
         </p:nvCxnSpPr>
         <p:spPr bwMode="auto">
           <a:xfrm rot="10800000" flipV="1">
-            <a:off x="5072744" y="1893612"/>
-            <a:ext cx="1489663" cy="330600"/>
+            <a:off x="5560725" y="1433662"/>
+            <a:ext cx="934927" cy="879336"/>
           </a:xfrm>
           <a:prstGeom prst="bentConnector3">
             <a:avLst>
-              <a:gd name="adj1" fmla="val 100056"/>
+              <a:gd name="adj1" fmla="val 99989"/>
             </a:avLst>
           </a:prstGeom>
           <a:solidFill>
@@ -4466,257 +5843,6 @@
       </p:cxnSp>
       <p:grpSp>
         <p:nvGrpSpPr>
-          <p:cNvPr id="23" name="Group 22">
-            <a:extLst>
-              <a:ext uri="{FF2B5EF4-FFF2-40B4-BE49-F238E27FC236}">
-                <a16:creationId xmlns:a16="http://schemas.microsoft.com/office/drawing/2014/main" id="{2AFE88C9-9D25-4F5F-8B99-C2536AFB4D5A}"/>
-              </a:ext>
-            </a:extLst>
-          </p:cNvPr>
-          <p:cNvGrpSpPr/>
-          <p:nvPr/>
-        </p:nvGrpSpPr>
-        <p:grpSpPr>
-          <a:xfrm>
-            <a:off x="6486062" y="3294117"/>
-            <a:ext cx="5412793" cy="2333051"/>
-            <a:chOff x="6486062" y="3294117"/>
-            <a:chExt cx="5412793" cy="2333051"/>
-          </a:xfrm>
-        </p:grpSpPr>
-        <p:pic>
-          <p:nvPicPr>
-            <p:cNvPr id="5128" name="Picture 1">
-              <a:extLst>
-                <a:ext uri="{FF2B5EF4-FFF2-40B4-BE49-F238E27FC236}">
-                  <a16:creationId xmlns:a16="http://schemas.microsoft.com/office/drawing/2014/main" id="{9DCB093E-F043-47EB-9DD5-A21567C4FCC3}"/>
-                </a:ext>
-              </a:extLst>
-            </p:cNvPr>
-            <p:cNvPicPr>
-              <a:picLocks noChangeAspect="1" noChangeArrowheads="1"/>
-            </p:cNvPicPr>
-            <p:nvPr/>
-          </p:nvPicPr>
-          <p:blipFill>
-            <a:blip r:embed="rId4">
-              <a:extLst>
-                <a:ext uri="{28A0092B-C50C-407E-A947-70E740481C1C}">
-                  <a14:useLocalDpi xmlns:a14="http://schemas.microsoft.com/office/drawing/2010/main" val="0"/>
-                </a:ext>
-              </a:extLst>
-            </a:blip>
-            <a:srcRect/>
-            <a:stretch>
-              <a:fillRect/>
-            </a:stretch>
-          </p:blipFill>
-          <p:spPr bwMode="auto">
-            <a:xfrm>
-              <a:off x="6486062" y="3294117"/>
-              <a:ext cx="5411051" cy="2333048"/>
-            </a:xfrm>
-            <a:prstGeom prst="rect">
-              <a:avLst/>
-            </a:prstGeom>
-            <a:noFill/>
-            <a:ln w="9525">
-              <a:solidFill>
-                <a:srgbClr val="000000"/>
-              </a:solidFill>
-              <a:miter lim="800000"/>
-              <a:headEnd/>
-              <a:tailEnd/>
-            </a:ln>
-            <a:extLst>
-              <a:ext uri="{909E8E84-426E-40DD-AFC4-6F175D3DCCD1}">
-                <a14:hiddenFill xmlns:a14="http://schemas.microsoft.com/office/drawing/2010/main">
-                  <a:solidFill>
-                    <a:srgbClr val="FFFFFF"/>
-                  </a:solidFill>
-                </a14:hiddenFill>
-              </a:ext>
-            </a:extLst>
-          </p:spPr>
-        </p:pic>
-        <p:sp>
-          <p:nvSpPr>
-            <p:cNvPr id="49" name="Rectangle 48">
-              <a:extLst>
-                <a:ext uri="{FF2B5EF4-FFF2-40B4-BE49-F238E27FC236}">
-                  <a16:creationId xmlns:a16="http://schemas.microsoft.com/office/drawing/2014/main" id="{62A60925-3E74-420E-A477-C93F6C3EE516}"/>
-                </a:ext>
-              </a:extLst>
-            </p:cNvPr>
-            <p:cNvSpPr/>
-            <p:nvPr/>
-          </p:nvSpPr>
-          <p:spPr bwMode="auto">
-            <a:xfrm rot="5400000">
-              <a:off x="8033013" y="1761325"/>
-              <a:ext cx="2328480" cy="5403205"/>
-            </a:xfrm>
-            <a:prstGeom prst="rect">
-              <a:avLst/>
-            </a:prstGeom>
-            <a:noFill/>
-            <a:ln w="38100">
-              <a:solidFill>
-                <a:srgbClr val="C00000"/>
-              </a:solidFill>
-            </a:ln>
-          </p:spPr>
-          <p:style>
-            <a:lnRef idx="2">
-              <a:schemeClr val="accent1">
-                <a:shade val="50000"/>
-              </a:schemeClr>
-            </a:lnRef>
-            <a:fillRef idx="1">
-              <a:schemeClr val="accent1"/>
-            </a:fillRef>
-            <a:effectRef idx="0">
-              <a:schemeClr val="accent1"/>
-            </a:effectRef>
-            <a:fontRef idx="minor">
-              <a:schemeClr val="lt1"/>
-            </a:fontRef>
-          </p:style>
-          <p:txBody>
-            <a:bodyPr anchor="ctr"/>
-            <a:lstStyle/>
-            <a:p>
-              <a:pPr algn="ctr" eaLnBrk="0" fontAlgn="base" hangingPunct="0">
-                <a:spcBef>
-                  <a:spcPct val="0"/>
-                </a:spcBef>
-                <a:spcAft>
-                  <a:spcPct val="0"/>
-                </a:spcAft>
-                <a:defRPr/>
-              </a:pPr>
-              <a:endParaRPr lang="en-US" b="1" dirty="0">
-                <a:solidFill>
-                  <a:srgbClr val="FFFFFF"/>
-                </a:solidFill>
-                <a:latin typeface="Arial"/>
-              </a:endParaRPr>
-            </a:p>
-          </p:txBody>
-        </p:sp>
-      </p:grpSp>
-      <p:cxnSp>
-        <p:nvCxnSpPr>
-          <p:cNvPr id="44" name="Straight Connector 31">
-            <a:extLst>
-              <a:ext uri="{FF2B5EF4-FFF2-40B4-BE49-F238E27FC236}">
-                <a16:creationId xmlns:a16="http://schemas.microsoft.com/office/drawing/2014/main" id="{07856909-74CF-4687-B36E-E6A0B6AC17AA}"/>
-              </a:ext>
-            </a:extLst>
-          </p:cNvPr>
-          <p:cNvCxnSpPr>
-            <a:cxnSpLocks noChangeShapeType="1"/>
-          </p:cNvCxnSpPr>
-          <p:nvPr/>
-        </p:nvCxnSpPr>
-        <p:spPr bwMode="auto">
-          <a:xfrm>
-            <a:off x="7531536" y="1417893"/>
-            <a:ext cx="0" cy="738426"/>
-          </a:xfrm>
-          <a:prstGeom prst="line">
-            <a:avLst/>
-          </a:prstGeom>
-          <a:noFill/>
-          <a:ln w="28575">
-            <a:solidFill>
-              <a:srgbClr val="7F7F7F"/>
-            </a:solidFill>
-            <a:round/>
-            <a:headEnd/>
-            <a:tailEnd type="oval" w="med" len="med"/>
-          </a:ln>
-          <a:effectLst/>
-          <a:extLst>
-            <a:ext uri="{909E8E84-426E-40DD-AFC4-6F175D3DCCD1}">
-              <a14:hiddenFill xmlns:a14="http://schemas.microsoft.com/office/drawing/2010/main">
-                <a:noFill/>
-              </a14:hiddenFill>
-            </a:ext>
-            <a:ext uri="{AF507438-7753-43E0-B8FC-AC1667EBCBE1}">
-              <a14:hiddenEffects xmlns:a14="http://schemas.microsoft.com/office/drawing/2010/main">
-                <a:effectLst>
-                  <a:outerShdw dist="35921" dir="2700000" algn="ctr" rotWithShape="0">
-                    <a:schemeClr val="bg2"/>
-                  </a:outerShdw>
-                </a:effectLst>
-              </a14:hiddenEffects>
-            </a:ext>
-          </a:extLst>
-        </p:spPr>
-      </p:cxnSp>
-      <p:pic>
-        <p:nvPicPr>
-          <p:cNvPr id="5158" name="Snagit_SNG82A">
-            <a:extLst>
-              <a:ext uri="{FF2B5EF4-FFF2-40B4-BE49-F238E27FC236}">
-                <a16:creationId xmlns:a16="http://schemas.microsoft.com/office/drawing/2014/main" id="{678F8D22-EEE0-4C2A-AC3E-FC59BF9D34CA}"/>
-              </a:ext>
-            </a:extLst>
-          </p:cNvPr>
-          <p:cNvPicPr>
-            <a:picLocks noChangeAspect="1" noChangeArrowheads="1"/>
-          </p:cNvPicPr>
-          <p:nvPr/>
-        </p:nvPicPr>
-        <p:blipFill>
-          <a:blip r:embed="rId5">
-            <a:extLst>
-              <a:ext uri="{28A0092B-C50C-407E-A947-70E740481C1C}">
-                <a14:useLocalDpi xmlns:a14="http://schemas.microsoft.com/office/drawing/2010/main" val="0"/>
-              </a:ext>
-            </a:extLst>
-          </a:blip>
-          <a:srcRect/>
-          <a:stretch>
-            <a:fillRect/>
-          </a:stretch>
-        </p:blipFill>
-        <p:spPr bwMode="auto">
-          <a:xfrm>
-            <a:off x="1834357" y="2224212"/>
-            <a:ext cx="4027412" cy="3663950"/>
-          </a:xfrm>
-          <a:prstGeom prst="rect">
-            <a:avLst/>
-          </a:prstGeom>
-          <a:noFill/>
-          <a:ln>
-            <a:noFill/>
-          </a:ln>
-          <a:extLst>
-            <a:ext uri="{909E8E84-426E-40DD-AFC4-6F175D3DCCD1}">
-              <a14:hiddenFill xmlns:a14="http://schemas.microsoft.com/office/drawing/2010/main">
-                <a:solidFill>
-                  <a:srgbClr val="FFFFFF"/>
-                </a:solidFill>
-              </a14:hiddenFill>
-            </a:ext>
-            <a:ext uri="{91240B29-F687-4F45-9708-019B960494DF}">
-              <a14:hiddenLine xmlns:a14="http://schemas.microsoft.com/office/drawing/2010/main" w="9525">
-                <a:solidFill>
-                  <a:srgbClr val="000000"/>
-                </a:solidFill>
-                <a:miter lim="800000"/>
-                <a:headEnd/>
-                <a:tailEnd/>
-              </a14:hiddenLine>
-            </a:ext>
-          </a:extLst>
-        </p:spPr>
-      </p:pic>
-      <p:grpSp>
-        <p:nvGrpSpPr>
           <p:cNvPr id="5132" name="Group 32">
             <a:extLst>
               <a:ext uri="{FF2B5EF4-FFF2-40B4-BE49-F238E27FC236}">
@@ -4731,7 +5857,7 @@
         </p:nvGrpSpPr>
         <p:grpSpPr bwMode="auto">
           <a:xfrm>
-            <a:off x="92122" y="5493819"/>
+            <a:off x="169827" y="5314983"/>
             <a:ext cx="1246434" cy="394343"/>
             <a:chOff x="2499700" y="3488679"/>
             <a:chExt cx="1246224" cy="393092"/>
@@ -5009,6 +6135,773 @@
           </p:txBody>
         </p:sp>
       </p:grpSp>
+      <p:grpSp>
+        <p:nvGrpSpPr>
+          <p:cNvPr id="24" name="Group 23">
+            <a:extLst>
+              <a:ext uri="{FF2B5EF4-FFF2-40B4-BE49-F238E27FC236}">
+                <a16:creationId xmlns:a16="http://schemas.microsoft.com/office/drawing/2014/main" id="{D19FC301-EA3E-49D8-802A-A616020BC640}"/>
+              </a:ext>
+            </a:extLst>
+          </p:cNvPr>
+          <p:cNvGrpSpPr/>
+          <p:nvPr/>
+        </p:nvGrpSpPr>
+        <p:grpSpPr>
+          <a:xfrm>
+            <a:off x="7119775" y="3113780"/>
+            <a:ext cx="4346570" cy="2693102"/>
+            <a:chOff x="7119775" y="3113780"/>
+            <a:chExt cx="4346570" cy="2693102"/>
+          </a:xfrm>
+        </p:grpSpPr>
+        <p:grpSp>
+          <p:nvGrpSpPr>
+            <p:cNvPr id="5143" name="Group 47">
+              <a:extLst>
+                <a:ext uri="{FF2B5EF4-FFF2-40B4-BE49-F238E27FC236}">
+                  <a16:creationId xmlns:a16="http://schemas.microsoft.com/office/drawing/2014/main" id="{692E8D2D-C344-4FFE-80F1-42F2B497523C}"/>
+                </a:ext>
+              </a:extLst>
+            </p:cNvPr>
+            <p:cNvGrpSpPr>
+              <a:grpSpLocks/>
+            </p:cNvGrpSpPr>
+            <p:nvPr/>
+          </p:nvGrpSpPr>
+          <p:grpSpPr bwMode="auto">
+            <a:xfrm>
+              <a:off x="9007901" y="3113780"/>
+              <a:ext cx="2458444" cy="613901"/>
+              <a:chOff x="3459534" y="5261088"/>
+              <a:chExt cx="2458043" cy="615028"/>
+            </a:xfrm>
+          </p:grpSpPr>
+          <p:sp>
+            <p:nvSpPr>
+              <p:cNvPr id="53" name="TextBox 52">
+                <a:extLst>
+                  <a:ext uri="{FF2B5EF4-FFF2-40B4-BE49-F238E27FC236}">
+                    <a16:creationId xmlns:a16="http://schemas.microsoft.com/office/drawing/2014/main" id="{4CD6614F-F342-44E0-99CE-B1D34DE3840E}"/>
+                  </a:ext>
+                </a:extLst>
+              </p:cNvPr>
+              <p:cNvSpPr txBox="1">
+                <a:spLocks noChangeArrowheads="1"/>
+              </p:cNvSpPr>
+              <p:nvPr/>
+            </p:nvSpPr>
+            <p:spPr bwMode="auto">
+              <a:xfrm>
+                <a:off x="3543933" y="5367353"/>
+                <a:ext cx="2373644" cy="508763"/>
+              </a:xfrm>
+              <a:prstGeom prst="rect">
+                <a:avLst/>
+              </a:prstGeom>
+              <a:solidFill>
+                <a:srgbClr val="F2EECE"/>
+              </a:solidFill>
+              <a:ln w="28575">
+                <a:solidFill>
+                  <a:schemeClr val="tx1">
+                    <a:lumMod val="50000"/>
+                    <a:lumOff val="50000"/>
+                  </a:schemeClr>
+                </a:solidFill>
+                <a:miter lim="800000"/>
+                <a:headEnd/>
+                <a:tailEnd/>
+              </a:ln>
+            </p:spPr>
+            <p:txBody>
+              <a:bodyPr wrap="square">
+                <a:spAutoFit/>
+              </a:bodyPr>
+              <a:lstStyle>
+                <a:lvl1pPr eaLnBrk="0" hangingPunct="0">
+                  <a:defRPr sz="2400" b="1">
+                    <a:solidFill>
+                      <a:schemeClr val="tx1"/>
+                    </a:solidFill>
+                    <a:latin typeface="Arial" charset="0"/>
+                    <a:ea typeface="ＭＳ Ｐゴシック" pitchFamily="34" charset="-128"/>
+                  </a:defRPr>
+                </a:lvl1pPr>
+                <a:lvl2pPr marL="742950" indent="-285750" eaLnBrk="0" hangingPunct="0">
+                  <a:defRPr sz="2400" b="1">
+                    <a:solidFill>
+                      <a:schemeClr val="tx1"/>
+                    </a:solidFill>
+                    <a:latin typeface="Arial" charset="0"/>
+                    <a:ea typeface="ＭＳ Ｐゴシック" pitchFamily="34" charset="-128"/>
+                  </a:defRPr>
+                </a:lvl2pPr>
+                <a:lvl3pPr marL="1143000" indent="-228600" eaLnBrk="0" hangingPunct="0">
+                  <a:defRPr sz="2400" b="1">
+                    <a:solidFill>
+                      <a:schemeClr val="tx1"/>
+                    </a:solidFill>
+                    <a:latin typeface="Arial" charset="0"/>
+                    <a:ea typeface="ＭＳ Ｐゴシック" pitchFamily="34" charset="-128"/>
+                  </a:defRPr>
+                </a:lvl3pPr>
+                <a:lvl4pPr marL="1600200" indent="-228600" eaLnBrk="0" hangingPunct="0">
+                  <a:defRPr sz="2400" b="1">
+                    <a:solidFill>
+                      <a:schemeClr val="tx1"/>
+                    </a:solidFill>
+                    <a:latin typeface="Arial" charset="0"/>
+                    <a:ea typeface="ＭＳ Ｐゴシック" pitchFamily="34" charset="-128"/>
+                  </a:defRPr>
+                </a:lvl4pPr>
+                <a:lvl5pPr marL="2057400" indent="-228600" eaLnBrk="0" hangingPunct="0">
+                  <a:defRPr sz="2400" b="1">
+                    <a:solidFill>
+                      <a:schemeClr val="tx1"/>
+                    </a:solidFill>
+                    <a:latin typeface="Arial" charset="0"/>
+                    <a:ea typeface="ＭＳ Ｐゴシック" pitchFamily="34" charset="-128"/>
+                  </a:defRPr>
+                </a:lvl5pPr>
+                <a:lvl6pPr marL="2514600" indent="-228600" eaLnBrk="0" fontAlgn="base" hangingPunct="0">
+                  <a:spcBef>
+                    <a:spcPct val="0"/>
+                  </a:spcBef>
+                  <a:spcAft>
+                    <a:spcPct val="0"/>
+                  </a:spcAft>
+                  <a:defRPr sz="2400" b="1">
+                    <a:solidFill>
+                      <a:schemeClr val="tx1"/>
+                    </a:solidFill>
+                    <a:latin typeface="Arial" charset="0"/>
+                    <a:ea typeface="ＭＳ Ｐゴシック" pitchFamily="34" charset="-128"/>
+                  </a:defRPr>
+                </a:lvl6pPr>
+                <a:lvl7pPr marL="2971800" indent="-228600" eaLnBrk="0" fontAlgn="base" hangingPunct="0">
+                  <a:spcBef>
+                    <a:spcPct val="0"/>
+                  </a:spcBef>
+                  <a:spcAft>
+                    <a:spcPct val="0"/>
+                  </a:spcAft>
+                  <a:defRPr sz="2400" b="1">
+                    <a:solidFill>
+                      <a:schemeClr val="tx1"/>
+                    </a:solidFill>
+                    <a:latin typeface="Arial" charset="0"/>
+                    <a:ea typeface="ＭＳ Ｐゴシック" pitchFamily="34" charset="-128"/>
+                  </a:defRPr>
+                </a:lvl7pPr>
+                <a:lvl8pPr marL="3429000" indent="-228600" eaLnBrk="0" fontAlgn="base" hangingPunct="0">
+                  <a:spcBef>
+                    <a:spcPct val="0"/>
+                  </a:spcBef>
+                  <a:spcAft>
+                    <a:spcPct val="0"/>
+                  </a:spcAft>
+                  <a:defRPr sz="2400" b="1">
+                    <a:solidFill>
+                      <a:schemeClr val="tx1"/>
+                    </a:solidFill>
+                    <a:latin typeface="Arial" charset="0"/>
+                    <a:ea typeface="ＭＳ Ｐゴシック" pitchFamily="34" charset="-128"/>
+                  </a:defRPr>
+                </a:lvl8pPr>
+                <a:lvl9pPr marL="3886200" indent="-228600" eaLnBrk="0" fontAlgn="base" hangingPunct="0">
+                  <a:spcBef>
+                    <a:spcPct val="0"/>
+                  </a:spcBef>
+                  <a:spcAft>
+                    <a:spcPct val="0"/>
+                  </a:spcAft>
+                  <a:defRPr sz="2400" b="1">
+                    <a:solidFill>
+                      <a:schemeClr val="tx1"/>
+                    </a:solidFill>
+                    <a:latin typeface="Arial" charset="0"/>
+                    <a:ea typeface="ＭＳ Ｐゴシック" pitchFamily="34" charset="-128"/>
+                  </a:defRPr>
+                </a:lvl9pPr>
+              </a:lstStyle>
+              <a:p>
+                <a:pPr algn="ctr" eaLnBrk="1" fontAlgn="base" hangingPunct="1">
+                  <a:spcBef>
+                    <a:spcPct val="0"/>
+                  </a:spcBef>
+                  <a:spcAft>
+                    <a:spcPct val="0"/>
+                  </a:spcAft>
+                  <a:defRPr/>
+                </a:pPr>
+                <a:r>
+                  <a:rPr lang="en-US" altLang="en-US" sz="900" b="0" dirty="0">
+                    <a:solidFill>
+                      <a:srgbClr val="000000"/>
+                    </a:solidFill>
+                  </a:rPr>
+                  <a:t>Select </a:t>
+                </a:r>
+                <a:r>
+                  <a:rPr lang="en-US" altLang="en-US" sz="900" dirty="0">
+                    <a:solidFill>
+                      <a:srgbClr val="000000"/>
+                    </a:solidFill>
+                  </a:rPr>
+                  <a:t>GVT </a:t>
+                </a:r>
+                <a:r>
+                  <a:rPr lang="en-US" altLang="en-US" sz="900" b="0" dirty="0">
+                    <a:solidFill>
+                      <a:srgbClr val="000000"/>
+                    </a:solidFill>
+                  </a:rPr>
+                  <a:t>to connect to the GVT tool, enter the</a:t>
+                </a:r>
+                <a:r>
+                  <a:rPr lang="en-US" altLang="en-US" sz="900" dirty="0">
+                    <a:solidFill>
+                      <a:srgbClr val="000000"/>
+                    </a:solidFill>
+                  </a:rPr>
+                  <a:t> Username</a:t>
+                </a:r>
+                <a:r>
+                  <a:rPr lang="en-US" altLang="en-US" sz="900" b="0" dirty="0">
+                    <a:solidFill>
+                      <a:srgbClr val="000000"/>
+                    </a:solidFill>
+                  </a:rPr>
+                  <a:t> and </a:t>
+                </a:r>
+                <a:r>
+                  <a:rPr lang="en-US" altLang="en-US" sz="900" dirty="0">
+                    <a:solidFill>
+                      <a:srgbClr val="000000"/>
+                    </a:solidFill>
+                  </a:rPr>
+                  <a:t>Password </a:t>
+                </a:r>
+                <a:r>
+                  <a:rPr lang="en-US" altLang="en-US" sz="900" b="0" dirty="0">
+                    <a:solidFill>
+                      <a:srgbClr val="000000"/>
+                    </a:solidFill>
+                  </a:rPr>
+                  <a:t>for </a:t>
+                </a:r>
+                <a:r>
+                  <a:rPr lang="en-US" altLang="en-US" sz="900" dirty="0">
+                    <a:solidFill>
+                      <a:srgbClr val="000000"/>
+                    </a:solidFill>
+                  </a:rPr>
+                  <a:t>GVT</a:t>
+                </a:r>
+                <a:r>
+                  <a:rPr lang="en-US" altLang="en-US" sz="900" b="0" dirty="0">
+                    <a:solidFill>
+                      <a:srgbClr val="000000"/>
+                    </a:solidFill>
+                  </a:rPr>
+                  <a:t>, and click </a:t>
+                </a:r>
+                <a:r>
+                  <a:rPr lang="en-US" altLang="en-US" sz="900" dirty="0">
+                    <a:solidFill>
+                      <a:srgbClr val="000000"/>
+                    </a:solidFill>
+                  </a:rPr>
+                  <a:t>NEXT </a:t>
+                </a:r>
+                <a:r>
+                  <a:rPr lang="en-US" altLang="en-US" sz="900" b="0" dirty="0">
+                    <a:solidFill>
+                      <a:srgbClr val="000000"/>
+                    </a:solidFill>
+                  </a:rPr>
+                  <a:t>button.</a:t>
+                </a:r>
+                <a:endParaRPr lang="en-US" altLang="en-US" sz="900" b="0" i="1" dirty="0">
+                  <a:solidFill>
+                    <a:srgbClr val="000000"/>
+                  </a:solidFill>
+                </a:endParaRPr>
+              </a:p>
+            </p:txBody>
+          </p:sp>
+          <p:sp>
+            <p:nvSpPr>
+              <p:cNvPr id="54" name="Oval 53">
+                <a:extLst>
+                  <a:ext uri="{FF2B5EF4-FFF2-40B4-BE49-F238E27FC236}">
+                    <a16:creationId xmlns:a16="http://schemas.microsoft.com/office/drawing/2014/main" id="{A2E038A5-040D-467D-B9D9-21E8D9F0E86D}"/>
+                  </a:ext>
+                </a:extLst>
+              </p:cNvPr>
+              <p:cNvSpPr>
+                <a:spLocks noChangeArrowheads="1"/>
+              </p:cNvSpPr>
+              <p:nvPr/>
+            </p:nvSpPr>
+            <p:spPr bwMode="auto">
+              <a:xfrm>
+                <a:off x="3459534" y="5261088"/>
+                <a:ext cx="271419" cy="248105"/>
+              </a:xfrm>
+              <a:prstGeom prst="ellipse">
+                <a:avLst/>
+              </a:prstGeom>
+              <a:solidFill>
+                <a:schemeClr val="accent2">
+                  <a:lumMod val="75000"/>
+                </a:schemeClr>
+              </a:solidFill>
+              <a:ln w="9525">
+                <a:solidFill>
+                  <a:schemeClr val="bg1"/>
+                </a:solidFill>
+                <a:round/>
+                <a:headEnd/>
+                <a:tailEnd/>
+              </a:ln>
+              <a:effectLst>
+                <a:outerShdw blurRad="50800" dist="38100" dir="5400000" algn="t" rotWithShape="0">
+                  <a:srgbClr val="808080">
+                    <a:alpha val="39998"/>
+                  </a:srgbClr>
+                </a:outerShdw>
+              </a:effectLst>
+            </p:spPr>
+            <p:txBody>
+              <a:bodyPr lIns="0" tIns="0" rIns="0" bIns="0" anchor="ctr"/>
+              <a:lstStyle/>
+              <a:p>
+                <a:pPr algn="ctr" fontAlgn="base">
+                  <a:spcBef>
+                    <a:spcPct val="0"/>
+                  </a:spcBef>
+                  <a:spcAft>
+                    <a:spcPct val="0"/>
+                  </a:spcAft>
+                  <a:defRPr/>
+                </a:pPr>
+                <a:r>
+                  <a:rPr lang="en-US" sz="900" b="1" dirty="0">
+                    <a:solidFill>
+                      <a:srgbClr val="FFFFFF"/>
+                    </a:solidFill>
+                    <a:latin typeface="Franklin Gothic Demi"/>
+                    <a:ea typeface="ＭＳ Ｐゴシック" panose="020B0600070205080204" pitchFamily="34" charset="-128"/>
+                  </a:rPr>
+                  <a:t>4</a:t>
+                </a:r>
+              </a:p>
+            </p:txBody>
+          </p:sp>
+        </p:grpSp>
+        <p:cxnSp>
+          <p:nvCxnSpPr>
+            <p:cNvPr id="5144" name="Straight Connector 19">
+              <a:extLst>
+                <a:ext uri="{FF2B5EF4-FFF2-40B4-BE49-F238E27FC236}">
+                  <a16:creationId xmlns:a16="http://schemas.microsoft.com/office/drawing/2014/main" id="{A2DB89E0-6060-422B-8FC1-5DA795D834C6}"/>
+                </a:ext>
+              </a:extLst>
+            </p:cNvPr>
+            <p:cNvCxnSpPr>
+              <a:cxnSpLocks noChangeShapeType="1"/>
+            </p:cNvCxnSpPr>
+            <p:nvPr/>
+          </p:nvCxnSpPr>
+          <p:spPr bwMode="auto">
+            <a:xfrm flipH="1">
+              <a:off x="7163381" y="4715792"/>
+              <a:ext cx="2672114" cy="0"/>
+            </a:xfrm>
+            <a:prstGeom prst="line">
+              <a:avLst/>
+            </a:prstGeom>
+            <a:noFill/>
+            <a:ln w="28575">
+              <a:solidFill>
+                <a:srgbClr val="7F7F7F"/>
+              </a:solidFill>
+              <a:round/>
+              <a:headEnd/>
+              <a:tailEnd type="oval" w="med" len="med"/>
+            </a:ln>
+            <a:effectLst/>
+            <a:extLst>
+              <a:ext uri="{909E8E84-426E-40DD-AFC4-6F175D3DCCD1}">
+                <a14:hiddenFill xmlns:a14="http://schemas.microsoft.com/office/drawing/2010/main">
+                  <a:noFill/>
+                </a14:hiddenFill>
+              </a:ext>
+              <a:ext uri="{AF507438-7753-43E0-B8FC-AC1667EBCBE1}">
+                <a14:hiddenEffects xmlns:a14="http://schemas.microsoft.com/office/drawing/2010/main">
+                  <a:effectLst>
+                    <a:outerShdw dist="35921" dir="2700000" algn="ctr" rotWithShape="0">
+                      <a:schemeClr val="bg2"/>
+                    </a:outerShdw>
+                  </a:effectLst>
+                </a14:hiddenEffects>
+              </a:ext>
+            </a:extLst>
+          </p:spPr>
+        </p:cxnSp>
+        <p:cxnSp>
+          <p:nvCxnSpPr>
+            <p:cNvPr id="5142" name="Straight Connector 19">
+              <a:extLst>
+                <a:ext uri="{FF2B5EF4-FFF2-40B4-BE49-F238E27FC236}">
+                  <a16:creationId xmlns:a16="http://schemas.microsoft.com/office/drawing/2014/main" id="{3198A60C-D12B-4ADC-80E2-4EB27CA7BBC7}"/>
+                </a:ext>
+              </a:extLst>
+            </p:cNvPr>
+            <p:cNvCxnSpPr>
+              <a:cxnSpLocks noChangeShapeType="1"/>
+            </p:cNvCxnSpPr>
+            <p:nvPr/>
+          </p:nvCxnSpPr>
+          <p:spPr bwMode="auto">
+            <a:xfrm flipH="1">
+              <a:off x="7119775" y="3914972"/>
+              <a:ext cx="2159589" cy="0"/>
+            </a:xfrm>
+            <a:prstGeom prst="line">
+              <a:avLst/>
+            </a:prstGeom>
+            <a:noFill/>
+            <a:ln w="28575">
+              <a:solidFill>
+                <a:srgbClr val="7F7F7F"/>
+              </a:solidFill>
+              <a:round/>
+              <a:headEnd/>
+              <a:tailEnd type="oval" w="med" len="med"/>
+            </a:ln>
+            <a:effectLst/>
+            <a:extLst>
+              <a:ext uri="{909E8E84-426E-40DD-AFC4-6F175D3DCCD1}">
+                <a14:hiddenFill xmlns:a14="http://schemas.microsoft.com/office/drawing/2010/main">
+                  <a:noFill/>
+                </a14:hiddenFill>
+              </a:ext>
+              <a:ext uri="{AF507438-7753-43E0-B8FC-AC1667EBCBE1}">
+                <a14:hiddenEffects xmlns:a14="http://schemas.microsoft.com/office/drawing/2010/main">
+                  <a:effectLst>
+                    <a:outerShdw dist="35921" dir="2700000" algn="ctr" rotWithShape="0">
+                      <a:schemeClr val="bg2"/>
+                    </a:outerShdw>
+                  </a:effectLst>
+                </a14:hiddenEffects>
+              </a:ext>
+            </a:extLst>
+          </p:spPr>
+        </p:cxnSp>
+        <p:cxnSp>
+          <p:nvCxnSpPr>
+            <p:cNvPr id="57" name="Straight Connector 56">
+              <a:extLst>
+                <a:ext uri="{FF2B5EF4-FFF2-40B4-BE49-F238E27FC236}">
+                  <a16:creationId xmlns:a16="http://schemas.microsoft.com/office/drawing/2014/main" id="{905F13C6-37C1-409D-82B9-00FF67AA74A9}"/>
+                </a:ext>
+              </a:extLst>
+            </p:cNvPr>
+            <p:cNvCxnSpPr>
+              <a:cxnSpLocks/>
+            </p:cNvCxnSpPr>
+            <p:nvPr/>
+          </p:nvCxnSpPr>
+          <p:spPr bwMode="auto">
+            <a:xfrm flipV="1">
+              <a:off x="9281794" y="3723640"/>
+              <a:ext cx="0" cy="199840"/>
+            </a:xfrm>
+            <a:prstGeom prst="line">
+              <a:avLst/>
+            </a:prstGeom>
+            <a:solidFill>
+              <a:schemeClr val="accent1"/>
+            </a:solidFill>
+            <a:ln w="28575" cap="flat" cmpd="sng" algn="ctr">
+              <a:solidFill>
+                <a:schemeClr val="bg1">
+                  <a:lumMod val="50000"/>
+                </a:schemeClr>
+              </a:solidFill>
+              <a:prstDash val="solid"/>
+              <a:round/>
+              <a:headEnd type="none" w="med" len="med"/>
+              <a:tailEnd type="none" w="med" len="med"/>
+            </a:ln>
+            <a:effectLst/>
+            <a:extLst>
+              <a:ext uri="{AF507438-7753-43E0-B8FC-AC1667EBCBE1}">
+                <a14:hiddenEffects xmlns:a14="http://schemas.microsoft.com/office/drawing/2010/main">
+                  <a:effectLst>
+                    <a:outerShdw dist="35921" dir="2700000" algn="ctr" rotWithShape="0">
+                      <a:schemeClr val="bg2"/>
+                    </a:outerShdw>
+                  </a:effectLst>
+                </a14:hiddenEffects>
+              </a:ext>
+            </a:extLst>
+          </p:spPr>
+        </p:cxnSp>
+        <p:cxnSp>
+          <p:nvCxnSpPr>
+            <p:cNvPr id="60" name="Straight Connector 19">
+              <a:extLst>
+                <a:ext uri="{FF2B5EF4-FFF2-40B4-BE49-F238E27FC236}">
+                  <a16:creationId xmlns:a16="http://schemas.microsoft.com/office/drawing/2014/main" id="{888FEDD7-69EB-4A01-8141-A8A6B16AC2D3}"/>
+                </a:ext>
+              </a:extLst>
+            </p:cNvPr>
+            <p:cNvCxnSpPr>
+              <a:cxnSpLocks noChangeShapeType="1"/>
+            </p:cNvCxnSpPr>
+            <p:nvPr/>
+          </p:nvCxnSpPr>
+          <p:spPr bwMode="auto">
+            <a:xfrm flipH="1" flipV="1">
+              <a:off x="7152626" y="4269920"/>
+              <a:ext cx="2677394" cy="1"/>
+            </a:xfrm>
+            <a:prstGeom prst="line">
+              <a:avLst/>
+            </a:prstGeom>
+            <a:noFill/>
+            <a:ln w="28575">
+              <a:solidFill>
+                <a:srgbClr val="7F7F7F"/>
+              </a:solidFill>
+              <a:round/>
+              <a:headEnd/>
+              <a:tailEnd type="oval" w="med" len="med"/>
+            </a:ln>
+            <a:effectLst/>
+            <a:extLst>
+              <a:ext uri="{909E8E84-426E-40DD-AFC4-6F175D3DCCD1}">
+                <a14:hiddenFill xmlns:a14="http://schemas.microsoft.com/office/drawing/2010/main">
+                  <a:noFill/>
+                </a14:hiddenFill>
+              </a:ext>
+              <a:ext uri="{AF507438-7753-43E0-B8FC-AC1667EBCBE1}">
+                <a14:hiddenEffects xmlns:a14="http://schemas.microsoft.com/office/drawing/2010/main">
+                  <a:effectLst>
+                    <a:outerShdw dist="35921" dir="2700000" algn="ctr" rotWithShape="0">
+                      <a:schemeClr val="bg2"/>
+                    </a:outerShdw>
+                  </a:effectLst>
+                </a14:hiddenEffects>
+              </a:ext>
+            </a:extLst>
+          </p:spPr>
+        </p:cxnSp>
+        <p:cxnSp>
+          <p:nvCxnSpPr>
+            <p:cNvPr id="62" name="Straight Connector 61">
+              <a:extLst>
+                <a:ext uri="{FF2B5EF4-FFF2-40B4-BE49-F238E27FC236}">
+                  <a16:creationId xmlns:a16="http://schemas.microsoft.com/office/drawing/2014/main" id="{A23A20AA-E6AA-4B33-B170-47F92CE8E040}"/>
+                </a:ext>
+              </a:extLst>
+            </p:cNvPr>
+            <p:cNvCxnSpPr>
+              <a:cxnSpLocks/>
+            </p:cNvCxnSpPr>
+            <p:nvPr/>
+          </p:nvCxnSpPr>
+          <p:spPr bwMode="auto">
+            <a:xfrm flipH="1" flipV="1">
+              <a:off x="9819070" y="3723641"/>
+              <a:ext cx="10950" cy="992151"/>
+            </a:xfrm>
+            <a:prstGeom prst="line">
+              <a:avLst/>
+            </a:prstGeom>
+            <a:solidFill>
+              <a:schemeClr val="accent1"/>
+            </a:solidFill>
+            <a:ln w="28575" cap="flat" cmpd="sng" algn="ctr">
+              <a:solidFill>
+                <a:schemeClr val="bg1">
+                  <a:lumMod val="50000"/>
+                </a:schemeClr>
+              </a:solidFill>
+              <a:prstDash val="solid"/>
+              <a:round/>
+              <a:headEnd type="none" w="med" len="med"/>
+              <a:tailEnd type="none" w="med" len="med"/>
+            </a:ln>
+            <a:effectLst/>
+            <a:extLst>
+              <a:ext uri="{AF507438-7753-43E0-B8FC-AC1667EBCBE1}">
+                <a14:hiddenEffects xmlns:a14="http://schemas.microsoft.com/office/drawing/2010/main">
+                  <a:effectLst>
+                    <a:outerShdw dist="35921" dir="2700000" algn="ctr" rotWithShape="0">
+                      <a:schemeClr val="bg2"/>
+                    </a:outerShdw>
+                  </a:effectLst>
+                </a14:hiddenEffects>
+              </a:ext>
+            </a:extLst>
+          </p:spPr>
+        </p:cxnSp>
+        <p:cxnSp>
+          <p:nvCxnSpPr>
+            <p:cNvPr id="65" name="Straight Connector 19">
+              <a:extLst>
+                <a:ext uri="{FF2B5EF4-FFF2-40B4-BE49-F238E27FC236}">
+                  <a16:creationId xmlns:a16="http://schemas.microsoft.com/office/drawing/2014/main" id="{F1C0B210-AE7E-43FA-BFF6-44ABE3A065AB}"/>
+                </a:ext>
+              </a:extLst>
+            </p:cNvPr>
+            <p:cNvCxnSpPr>
+              <a:cxnSpLocks noChangeShapeType="1"/>
+            </p:cNvCxnSpPr>
+            <p:nvPr/>
+          </p:nvCxnSpPr>
+          <p:spPr bwMode="auto">
+            <a:xfrm>
+              <a:off x="11248821" y="3727681"/>
+              <a:ext cx="0" cy="2079201"/>
+            </a:xfrm>
+            <a:prstGeom prst="line">
+              <a:avLst/>
+            </a:prstGeom>
+            <a:noFill/>
+            <a:ln w="28575">
+              <a:solidFill>
+                <a:srgbClr val="7F7F7F"/>
+              </a:solidFill>
+              <a:round/>
+              <a:headEnd/>
+              <a:tailEnd type="oval" w="med" len="med"/>
+            </a:ln>
+            <a:effectLst/>
+            <a:extLst>
+              <a:ext uri="{909E8E84-426E-40DD-AFC4-6F175D3DCCD1}">
+                <a14:hiddenFill xmlns:a14="http://schemas.microsoft.com/office/drawing/2010/main">
+                  <a:noFill/>
+                </a14:hiddenFill>
+              </a:ext>
+              <a:ext uri="{AF507438-7753-43E0-B8FC-AC1667EBCBE1}">
+                <a14:hiddenEffects xmlns:a14="http://schemas.microsoft.com/office/drawing/2010/main">
+                  <a:effectLst>
+                    <a:outerShdw dist="35921" dir="2700000" algn="ctr" rotWithShape="0">
+                      <a:schemeClr val="bg2"/>
+                    </a:outerShdw>
+                  </a:effectLst>
+                </a14:hiddenEffects>
+              </a:ext>
+            </a:extLst>
+          </p:spPr>
+        </p:cxnSp>
+      </p:grpSp>
+      <p:pic>
+        <p:nvPicPr>
+          <p:cNvPr id="3" name="Picture 2">
+            <a:extLst>
+              <a:ext uri="{FF2B5EF4-FFF2-40B4-BE49-F238E27FC236}">
+                <a16:creationId xmlns:a16="http://schemas.microsoft.com/office/drawing/2014/main" id="{999F7374-AAFD-4C50-A7CB-E4F371CAFD3B}"/>
+              </a:ext>
+            </a:extLst>
+          </p:cNvPr>
+          <p:cNvPicPr>
+            <a:picLocks noChangeAspect="1"/>
+          </p:cNvPicPr>
+          <p:nvPr/>
+        </p:nvPicPr>
+        <p:blipFill>
+          <a:blip r:embed="rId7"/>
+          <a:stretch>
+            <a:fillRect/>
+          </a:stretch>
+        </p:blipFill>
+        <p:spPr>
+          <a:xfrm>
+            <a:off x="6577477" y="1347356"/>
+            <a:ext cx="867898" cy="228600"/>
+          </a:xfrm>
+          <a:prstGeom prst="rect">
+            <a:avLst/>
+          </a:prstGeom>
+        </p:spPr>
+      </p:pic>
+      <p:sp>
+        <p:nvSpPr>
+          <p:cNvPr id="45" name="Oval 44">
+            <a:extLst>
+              <a:ext uri="{FF2B5EF4-FFF2-40B4-BE49-F238E27FC236}">
+                <a16:creationId xmlns:a16="http://schemas.microsoft.com/office/drawing/2014/main" id="{BFF7D760-0F97-4C98-AF08-B859CA5D36B1}"/>
+              </a:ext>
+            </a:extLst>
+          </p:cNvPr>
+          <p:cNvSpPr/>
+          <p:nvPr/>
+        </p:nvSpPr>
+        <p:spPr bwMode="auto">
+          <a:xfrm>
+            <a:off x="4537146" y="697890"/>
+            <a:ext cx="629558" cy="182552"/>
+          </a:xfrm>
+          <a:prstGeom prst="ellipse">
+            <a:avLst/>
+          </a:prstGeom>
+          <a:noFill/>
+          <a:ln w="28575" cap="flat" cmpd="sng" algn="ctr">
+            <a:solidFill>
+              <a:srgbClr val="FF0000"/>
+            </a:solidFill>
+            <a:prstDash val="solid"/>
+            <a:round/>
+            <a:headEnd type="none" w="med" len="med"/>
+            <a:tailEnd type="none" w="med" len="med"/>
+          </a:ln>
+          <a:effectLst/>
+          <a:extLst/>
+        </p:spPr>
+        <p:txBody>
+          <a:bodyPr vert="horz" wrap="square" lIns="91440" tIns="45720" rIns="91440" bIns="45720" numCol="1" rtlCol="0" anchor="t" anchorCtr="0" compatLnSpc="1">
+            <a:prstTxWarp prst="textNoShape">
+              <a:avLst/>
+            </a:prstTxWarp>
+          </a:bodyPr>
+          <a:lstStyle/>
+          <a:p>
+            <a:pPr marL="0" marR="0" indent="0" algn="l" defTabSz="914400" rtl="0" eaLnBrk="1" fontAlgn="base" latinLnBrk="0" hangingPunct="1">
+              <a:lnSpc>
+                <a:spcPct val="100000"/>
+              </a:lnSpc>
+              <a:spcBef>
+                <a:spcPct val="0"/>
+              </a:spcBef>
+              <a:spcAft>
+                <a:spcPct val="0"/>
+              </a:spcAft>
+              <a:buClrTx/>
+              <a:buSzTx/>
+              <a:buFontTx/>
+              <a:buNone/>
+              <a:tabLst/>
+            </a:pPr>
+            <a:endParaRPr kumimoji="0" lang="en-US" sz="1800" b="1" i="0" u="none" strike="noStrike" cap="none" normalizeH="0" baseline="0" dirty="0">
+              <a:ln>
+                <a:noFill/>
+              </a:ln>
+              <a:solidFill>
+                <a:schemeClr val="tx1"/>
+              </a:solidFill>
+              <a:effectLst/>
+              <a:latin typeface="Arial" charset="0"/>
+            </a:endParaRPr>
+          </a:p>
+        </p:txBody>
+      </p:sp>
       <p:cxnSp>
         <p:nvCxnSpPr>
           <p:cNvPr id="5133" name="Straight Connector 93">
@@ -5025,8 +6918,8 @@
         </p:nvCxnSpPr>
         <p:spPr bwMode="auto">
           <a:xfrm>
-            <a:off x="1343715" y="5754793"/>
-            <a:ext cx="4020194" cy="0"/>
+            <a:off x="1416261" y="5624391"/>
+            <a:ext cx="3999919" cy="0"/>
           </a:xfrm>
           <a:prstGeom prst="line">
             <a:avLst/>
@@ -5059,71 +6952,129 @@
           </a:extLst>
         </p:spPr>
       </p:cxnSp>
-      <p:sp>
-        <p:nvSpPr>
-          <p:cNvPr id="10" name="Rectangle 9">
+      <p:grpSp>
+        <p:nvGrpSpPr>
+          <p:cNvPr id="51" name="Group 50">
             <a:extLst>
               <a:ext uri="{FF2B5EF4-FFF2-40B4-BE49-F238E27FC236}">
-                <a16:creationId xmlns:a16="http://schemas.microsoft.com/office/drawing/2014/main" id="{F5C3C848-F95B-4A5E-B4A0-D05F6C700B1C}"/>
+                <a16:creationId xmlns:a16="http://schemas.microsoft.com/office/drawing/2014/main" id="{6F8033CD-2735-4F01-A761-3153C31D05CC}"/>
               </a:ext>
             </a:extLst>
           </p:cNvPr>
-          <p:cNvSpPr/>
+          <p:cNvGrpSpPr/>
           <p:nvPr/>
-        </p:nvSpPr>
-        <p:spPr bwMode="auto">
-          <a:xfrm rot="5400000">
-            <a:off x="2021248" y="2047642"/>
-            <a:ext cx="3663948" cy="4017092"/>
+        </p:nvGrpSpPr>
+        <p:grpSpPr>
+          <a:xfrm>
+            <a:off x="5762561" y="3989282"/>
+            <a:ext cx="733089" cy="1638764"/>
+            <a:chOff x="5762561" y="3989282"/>
+            <a:chExt cx="733089" cy="1638764"/>
           </a:xfrm>
-          <a:prstGeom prst="rect">
-            <a:avLst/>
-          </a:prstGeom>
-          <a:noFill/>
-          <a:ln w="38100">
+        </p:grpSpPr>
+        <p:cxnSp>
+          <p:nvCxnSpPr>
+            <p:cNvPr id="50" name="Connector: Elbow 49">
+              <a:extLst>
+                <a:ext uri="{FF2B5EF4-FFF2-40B4-BE49-F238E27FC236}">
+                  <a16:creationId xmlns:a16="http://schemas.microsoft.com/office/drawing/2014/main" id="{8593BFA0-7EA7-411E-9C15-474AAEBAEF04}"/>
+                </a:ext>
+              </a:extLst>
+            </p:cNvPr>
+            <p:cNvCxnSpPr>
+              <a:cxnSpLocks/>
+            </p:cNvCxnSpPr>
+            <p:nvPr/>
+          </p:nvCxnSpPr>
+          <p:spPr bwMode="auto">
+            <a:xfrm rot="5400000" flipH="1" flipV="1">
+              <a:off x="5491487" y="4593795"/>
+              <a:ext cx="1608676" cy="399650"/>
+            </a:xfrm>
+            <a:prstGeom prst="bentConnector3">
+              <a:avLst>
+                <a:gd name="adj1" fmla="val 99894"/>
+              </a:avLst>
+            </a:prstGeom>
             <a:solidFill>
-              <a:srgbClr val="C00000"/>
+              <a:schemeClr val="accent1"/>
             </a:solidFill>
-          </a:ln>
-        </p:spPr>
-        <p:style>
-          <a:lnRef idx="2">
-            <a:schemeClr val="accent1">
-              <a:shade val="50000"/>
-            </a:schemeClr>
-          </a:lnRef>
-          <a:fillRef idx="1">
-            <a:schemeClr val="accent1"/>
-          </a:fillRef>
-          <a:effectRef idx="0">
-            <a:schemeClr val="accent1"/>
-          </a:effectRef>
-          <a:fontRef idx="minor">
-            <a:schemeClr val="lt1"/>
-          </a:fontRef>
-        </p:style>
-        <p:txBody>
-          <a:bodyPr anchor="ctr"/>
-          <a:lstStyle/>
-          <a:p>
-            <a:pPr algn="ctr" eaLnBrk="0" fontAlgn="base" hangingPunct="0">
-              <a:spcBef>
-                <a:spcPct val="0"/>
-              </a:spcBef>
-              <a:spcAft>
-                <a:spcPct val="0"/>
-              </a:spcAft>
-              <a:defRPr/>
-            </a:pPr>
-            <a:endParaRPr lang="en-US" b="1" dirty="0">
+            <a:ln w="28575" cap="flat" cmpd="sng" algn="ctr">
               <a:solidFill>
-                <a:srgbClr val="FFFFFF"/>
+                <a:schemeClr val="bg1">
+                  <a:lumMod val="50000"/>
+                </a:schemeClr>
               </a:solidFill>
-              <a:latin typeface="Arial"/>
-            </a:endParaRPr>
-          </a:p>
-        </p:txBody>
-      </p:sp>
+              <a:prstDash val="sysDot"/>
+              <a:round/>
+              <a:headEnd type="none" w="med" len="med"/>
+              <a:tailEnd type="triangle"/>
+            </a:ln>
+            <a:effectLst/>
+            <a:extLst>
+              <a:ext uri="{AF507438-7753-43E0-B8FC-AC1667EBCBE1}">
+                <a14:hiddenEffects xmlns:a14="http://schemas.microsoft.com/office/drawing/2010/main">
+                  <a:effectLst>
+                    <a:outerShdw dist="35921" dir="2700000" algn="ctr" rotWithShape="0">
+                      <a:schemeClr val="bg2"/>
+                    </a:outerShdw>
+                  </a:effectLst>
+                </a14:hiddenEffects>
+              </a:ext>
+            </a:extLst>
+          </p:spPr>
+        </p:cxnSp>
+        <p:cxnSp>
+          <p:nvCxnSpPr>
+            <p:cNvPr id="66" name="Straight Connector 65">
+              <a:extLst>
+                <a:ext uri="{FF2B5EF4-FFF2-40B4-BE49-F238E27FC236}">
+                  <a16:creationId xmlns:a16="http://schemas.microsoft.com/office/drawing/2014/main" id="{B1AA0CBC-7D55-4975-B538-4FE03931169F}"/>
+                </a:ext>
+              </a:extLst>
+            </p:cNvPr>
+            <p:cNvCxnSpPr>
+              <a:cxnSpLocks/>
+            </p:cNvCxnSpPr>
+            <p:nvPr/>
+          </p:nvCxnSpPr>
+          <p:spPr bwMode="auto">
+            <a:xfrm>
+              <a:off x="5762561" y="5628046"/>
+              <a:ext cx="333439" cy="0"/>
+            </a:xfrm>
+            <a:prstGeom prst="line">
+              <a:avLst/>
+            </a:prstGeom>
+            <a:solidFill>
+              <a:schemeClr val="accent1"/>
+            </a:solidFill>
+            <a:ln w="28575" cap="flat" cmpd="sng" algn="ctr">
+              <a:solidFill>
+                <a:schemeClr val="bg1">
+                  <a:lumMod val="50000"/>
+                </a:schemeClr>
+              </a:solidFill>
+              <a:prstDash val="sysDot"/>
+              <a:round/>
+              <a:headEnd type="none" w="med" len="med"/>
+              <a:tailEnd type="none" w="med" len="med"/>
+            </a:ln>
+            <a:effectLst/>
+            <a:extLst>
+              <a:ext uri="{AF507438-7753-43E0-B8FC-AC1667EBCBE1}">
+                <a14:hiddenEffects xmlns:a14="http://schemas.microsoft.com/office/drawing/2010/main">
+                  <a:effectLst>
+                    <a:outerShdw dist="35921" dir="2700000" algn="ctr" rotWithShape="0">
+                      <a:schemeClr val="bg2"/>
+                    </a:outerShdw>
+                  </a:effectLst>
+                </a14:hiddenEffects>
+              </a:ext>
+            </a:extLst>
+          </p:spPr>
+        </p:cxnSp>
+      </p:grpSp>
       <p:grpSp>
         <p:nvGrpSpPr>
           <p:cNvPr id="5125" name="Group 31">
@@ -5140,10 +7091,10 @@
         </p:nvGrpSpPr>
         <p:grpSpPr bwMode="auto">
           <a:xfrm>
-            <a:off x="53264" y="2536217"/>
-            <a:ext cx="1937542" cy="1054818"/>
+            <a:off x="90281" y="2494839"/>
+            <a:ext cx="1937542" cy="1193316"/>
             <a:chOff x="1044920" y="6731010"/>
-            <a:chExt cx="1937668" cy="1055644"/>
+            <a:chExt cx="1937668" cy="1194250"/>
           </a:xfrm>
         </p:grpSpPr>
         <p:grpSp>
@@ -5163,9 +7114,9 @@
           <p:grpSpPr bwMode="auto">
             <a:xfrm>
               <a:off x="1044920" y="6731010"/>
-              <a:ext cx="1587329" cy="1055644"/>
+              <a:ext cx="1587329" cy="1194250"/>
               <a:chOff x="2762997" y="4605819"/>
-              <a:chExt cx="1587448" cy="1057358"/>
+              <a:chExt cx="1587448" cy="1196189"/>
             </a:xfrm>
           </p:grpSpPr>
           <p:sp>
@@ -5185,7 +7136,7 @@
             <p:spPr bwMode="auto">
               <a:xfrm>
                 <a:off x="2932467" y="4737623"/>
-                <a:ext cx="1417978" cy="925554"/>
+                <a:ext cx="1417978" cy="1064385"/>
               </a:xfrm>
               <a:prstGeom prst="rect">
                 <a:avLst/>
@@ -5365,7 +7316,7 @@
                       <a:srgbClr val="000000"/>
                     </a:solidFill>
                   </a:rPr>
-                  <a:t>Connect to GVT </a:t>
+                  <a:t>Connect </a:t>
                 </a:r>
                 <a:r>
                   <a:rPr lang="en-US" altLang="en-US" sz="900" dirty="0">
@@ -5373,7 +7324,7 @@
                       <a:srgbClr val="000000"/>
                     </a:solidFill>
                   </a:rPr>
-                  <a:t>window, select desired conformance profiles from the </a:t>
+                  <a:t>window, select desired profiles from the </a:t>
                 </a:r>
                 <a:r>
                   <a:rPr lang="en-US" altLang="en-US" sz="900" b="1" dirty="0">
@@ -5389,7 +7340,39 @@
                       <a:srgbClr val="000000"/>
                     </a:solidFill>
                   </a:rPr>
-                  <a:t>list.</a:t>
+                  <a:t>listing and/or the </a:t>
+                </a:r>
+                <a:r>
+                  <a:rPr lang="en-US" altLang="en-US" sz="900" b="1" dirty="0">
+                    <a:solidFill>
+                      <a:srgbClr val="000000"/>
+                    </a:solidFill>
+                  </a:rPr>
+                  <a:t>Select</a:t>
+                </a:r>
+                <a:r>
+                  <a:rPr lang="en-US" altLang="en-US" sz="900" dirty="0">
+                    <a:solidFill>
+                      <a:srgbClr val="000000"/>
+                    </a:solidFill>
+                  </a:rPr>
+                  <a:t> </a:t>
+                </a:r>
+                <a:r>
+                  <a:rPr lang="en-US" altLang="en-US" sz="900" b="1" dirty="0">
+                    <a:solidFill>
+                      <a:srgbClr val="000000"/>
+                    </a:solidFill>
+                  </a:rPr>
+                  <a:t>Composite Profile(s) </a:t>
+                </a:r>
+                <a:r>
+                  <a:rPr lang="en-US" altLang="en-US" sz="900" dirty="0">
+                    <a:solidFill>
+                      <a:srgbClr val="000000"/>
+                    </a:solidFill>
+                  </a:rPr>
+                  <a:t>listing.</a:t>
                 </a:r>
               </a:p>
             </p:txBody>
@@ -5515,64 +7498,42 @@
           </p:spPr>
         </p:cxnSp>
       </p:grpSp>
-      <p:cxnSp>
-        <p:nvCxnSpPr>
-          <p:cNvPr id="50" name="Connector: Elbow 49">
+      <p:pic>
+        <p:nvPicPr>
+          <p:cNvPr id="8" name="Picture 7">
             <a:extLst>
               <a:ext uri="{FF2B5EF4-FFF2-40B4-BE49-F238E27FC236}">
-                <a16:creationId xmlns:a16="http://schemas.microsoft.com/office/drawing/2014/main" id="{8593BFA0-7EA7-411E-9C15-474AAEBAEF04}"/>
+                <a16:creationId xmlns:a16="http://schemas.microsoft.com/office/drawing/2014/main" id="{D0764C25-EA8C-4779-A7C7-5A63D848FBEF}"/>
               </a:ext>
             </a:extLst>
           </p:cNvPr>
-          <p:cNvCxnSpPr>
-            <a:cxnSpLocks/>
-          </p:cNvCxnSpPr>
+          <p:cNvPicPr>
+            <a:picLocks noChangeAspect="1"/>
+          </p:cNvPicPr>
           <p:nvPr/>
-        </p:nvCxnSpPr>
-        <p:spPr bwMode="auto">
-          <a:xfrm rot="5400000" flipH="1" flipV="1">
-            <a:off x="5458626" y="4717770"/>
-            <a:ext cx="1684233" cy="389815"/>
+        </p:nvPicPr>
+        <p:blipFill>
+          <a:blip r:embed="rId8"/>
+          <a:stretch>
+            <a:fillRect/>
+          </a:stretch>
+        </p:blipFill>
+        <p:spPr>
+          <a:xfrm>
+            <a:off x="6530294" y="1706316"/>
+            <a:ext cx="2312911" cy="743757"/>
           </a:xfrm>
-          <a:prstGeom prst="bentConnector3">
-            <a:avLst>
-              <a:gd name="adj1" fmla="val 100205"/>
-            </a:avLst>
+          <a:prstGeom prst="rect">
+            <a:avLst/>
           </a:prstGeom>
-          <a:solidFill>
-            <a:schemeClr val="accent1"/>
-          </a:solidFill>
-          <a:ln w="28575" cap="flat" cmpd="sng" algn="ctr">
-            <a:solidFill>
-              <a:schemeClr val="bg1">
-                <a:lumMod val="50000"/>
-              </a:schemeClr>
-            </a:solidFill>
-            <a:prstDash val="sysDot"/>
-            <a:round/>
-            <a:headEnd type="none" w="med" len="med"/>
-            <a:tailEnd type="triangle"/>
-          </a:ln>
-          <a:effectLst/>
-          <a:extLst>
-            <a:ext uri="{AF507438-7753-43E0-B8FC-AC1667EBCBE1}">
-              <a14:hiddenEffects xmlns:a14="http://schemas.microsoft.com/office/drawing/2010/main">
-                <a:effectLst>
-                  <a:outerShdw dist="35921" dir="2700000" algn="ctr" rotWithShape="0">
-                    <a:schemeClr val="bg2"/>
-                  </a:outerShdw>
-                </a:effectLst>
-              </a14:hiddenEffects>
-            </a:ext>
-          </a:extLst>
         </p:spPr>
-      </p:cxnSp>
+      </p:pic>
       <p:grpSp>
         <p:nvGrpSpPr>
-          <p:cNvPr id="24" name="Group 23">
+          <p:cNvPr id="52" name="Group 51">
             <a:extLst>
               <a:ext uri="{FF2B5EF4-FFF2-40B4-BE49-F238E27FC236}">
-                <a16:creationId xmlns:a16="http://schemas.microsoft.com/office/drawing/2014/main" id="{D19FC301-EA3E-49D8-802A-A616020BC640}"/>
+                <a16:creationId xmlns:a16="http://schemas.microsoft.com/office/drawing/2014/main" id="{26F29650-0D8B-480A-AEE8-0F3D81D3AEA8}"/>
               </a:ext>
             </a:extLst>
           </p:cNvPr>
@@ -5581,380 +7542,52 @@
         </p:nvGrpSpPr>
         <p:grpSpPr>
           <a:xfrm>
-            <a:off x="7238525" y="2502372"/>
-            <a:ext cx="4658588" cy="2885705"/>
-            <a:chOff x="7238525" y="2502372"/>
-            <a:chExt cx="4658588" cy="2885705"/>
+            <a:off x="11380209" y="2209802"/>
+            <a:ext cx="811114" cy="3724218"/>
+            <a:chOff x="11380209" y="2209802"/>
+            <a:chExt cx="811114" cy="3724218"/>
           </a:xfrm>
         </p:grpSpPr>
-        <p:grpSp>
-          <p:nvGrpSpPr>
-            <p:cNvPr id="5143" name="Group 47">
+        <p:cxnSp>
+          <p:nvCxnSpPr>
+            <p:cNvPr id="64" name="Connector: Elbow 63">
               <a:extLst>
                 <a:ext uri="{FF2B5EF4-FFF2-40B4-BE49-F238E27FC236}">
-                  <a16:creationId xmlns:a16="http://schemas.microsoft.com/office/drawing/2014/main" id="{692E8D2D-C344-4FFE-80F1-42F2B497523C}"/>
-                </a:ext>
-              </a:extLst>
-            </p:cNvPr>
-            <p:cNvGrpSpPr>
-              <a:grpSpLocks/>
-            </p:cNvGrpSpPr>
-            <p:nvPr/>
-          </p:nvGrpSpPr>
-          <p:grpSpPr bwMode="auto">
-            <a:xfrm>
-              <a:off x="8996516" y="2502372"/>
-              <a:ext cx="2900597" cy="527188"/>
-              <a:chOff x="3448151" y="4648560"/>
-              <a:chExt cx="2900123" cy="528156"/>
-            </a:xfrm>
-          </p:grpSpPr>
-          <p:sp>
-            <p:nvSpPr>
-              <p:cNvPr id="53" name="TextBox 52">
-                <a:extLst>
-                  <a:ext uri="{FF2B5EF4-FFF2-40B4-BE49-F238E27FC236}">
-                    <a16:creationId xmlns:a16="http://schemas.microsoft.com/office/drawing/2014/main" id="{4CD6614F-F342-44E0-99CE-B1D34DE3840E}"/>
-                  </a:ext>
-                </a:extLst>
-              </p:cNvPr>
-              <p:cNvSpPr txBox="1">
-                <a:spLocks noChangeArrowheads="1"/>
-              </p:cNvSpPr>
-              <p:nvPr/>
-            </p:nvSpPr>
-            <p:spPr bwMode="auto">
-              <a:xfrm>
-                <a:off x="3448151" y="4806705"/>
-                <a:ext cx="2764414" cy="370011"/>
-              </a:xfrm>
-              <a:prstGeom prst="rect">
-                <a:avLst/>
-              </a:prstGeom>
-              <a:solidFill>
-                <a:srgbClr val="F2EECE"/>
-              </a:solidFill>
-              <a:ln w="28575">
-                <a:solidFill>
-                  <a:schemeClr val="tx1">
-                    <a:lumMod val="50000"/>
-                    <a:lumOff val="50000"/>
-                  </a:schemeClr>
-                </a:solidFill>
-                <a:miter lim="800000"/>
-                <a:headEnd/>
-                <a:tailEnd/>
-              </a:ln>
-            </p:spPr>
-            <p:txBody>
-              <a:bodyPr wrap="square">
-                <a:spAutoFit/>
-              </a:bodyPr>
-              <a:lstStyle>
-                <a:lvl1pPr eaLnBrk="0" hangingPunct="0">
-                  <a:defRPr sz="2400" b="1">
-                    <a:solidFill>
-                      <a:schemeClr val="tx1"/>
-                    </a:solidFill>
-                    <a:latin typeface="Arial" charset="0"/>
-                    <a:ea typeface="ＭＳ Ｐゴシック" pitchFamily="34" charset="-128"/>
-                  </a:defRPr>
-                </a:lvl1pPr>
-                <a:lvl2pPr marL="742950" indent="-285750" eaLnBrk="0" hangingPunct="0">
-                  <a:defRPr sz="2400" b="1">
-                    <a:solidFill>
-                      <a:schemeClr val="tx1"/>
-                    </a:solidFill>
-                    <a:latin typeface="Arial" charset="0"/>
-                    <a:ea typeface="ＭＳ Ｐゴシック" pitchFamily="34" charset="-128"/>
-                  </a:defRPr>
-                </a:lvl2pPr>
-                <a:lvl3pPr marL="1143000" indent="-228600" eaLnBrk="0" hangingPunct="0">
-                  <a:defRPr sz="2400" b="1">
-                    <a:solidFill>
-                      <a:schemeClr val="tx1"/>
-                    </a:solidFill>
-                    <a:latin typeface="Arial" charset="0"/>
-                    <a:ea typeface="ＭＳ Ｐゴシック" pitchFamily="34" charset="-128"/>
-                  </a:defRPr>
-                </a:lvl3pPr>
-                <a:lvl4pPr marL="1600200" indent="-228600" eaLnBrk="0" hangingPunct="0">
-                  <a:defRPr sz="2400" b="1">
-                    <a:solidFill>
-                      <a:schemeClr val="tx1"/>
-                    </a:solidFill>
-                    <a:latin typeface="Arial" charset="0"/>
-                    <a:ea typeface="ＭＳ Ｐゴシック" pitchFamily="34" charset="-128"/>
-                  </a:defRPr>
-                </a:lvl4pPr>
-                <a:lvl5pPr marL="2057400" indent="-228600" eaLnBrk="0" hangingPunct="0">
-                  <a:defRPr sz="2400" b="1">
-                    <a:solidFill>
-                      <a:schemeClr val="tx1"/>
-                    </a:solidFill>
-                    <a:latin typeface="Arial" charset="0"/>
-                    <a:ea typeface="ＭＳ Ｐゴシック" pitchFamily="34" charset="-128"/>
-                  </a:defRPr>
-                </a:lvl5pPr>
-                <a:lvl6pPr marL="2514600" indent="-228600" eaLnBrk="0" fontAlgn="base" hangingPunct="0">
-                  <a:spcBef>
-                    <a:spcPct val="0"/>
-                  </a:spcBef>
-                  <a:spcAft>
-                    <a:spcPct val="0"/>
-                  </a:spcAft>
-                  <a:defRPr sz="2400" b="1">
-                    <a:solidFill>
-                      <a:schemeClr val="tx1"/>
-                    </a:solidFill>
-                    <a:latin typeface="Arial" charset="0"/>
-                    <a:ea typeface="ＭＳ Ｐゴシック" pitchFamily="34" charset="-128"/>
-                  </a:defRPr>
-                </a:lvl6pPr>
-                <a:lvl7pPr marL="2971800" indent="-228600" eaLnBrk="0" fontAlgn="base" hangingPunct="0">
-                  <a:spcBef>
-                    <a:spcPct val="0"/>
-                  </a:spcBef>
-                  <a:spcAft>
-                    <a:spcPct val="0"/>
-                  </a:spcAft>
-                  <a:defRPr sz="2400" b="1">
-                    <a:solidFill>
-                      <a:schemeClr val="tx1"/>
-                    </a:solidFill>
-                    <a:latin typeface="Arial" charset="0"/>
-                    <a:ea typeface="ＭＳ Ｐゴシック" pitchFamily="34" charset="-128"/>
-                  </a:defRPr>
-                </a:lvl7pPr>
-                <a:lvl8pPr marL="3429000" indent="-228600" eaLnBrk="0" fontAlgn="base" hangingPunct="0">
-                  <a:spcBef>
-                    <a:spcPct val="0"/>
-                  </a:spcBef>
-                  <a:spcAft>
-                    <a:spcPct val="0"/>
-                  </a:spcAft>
-                  <a:defRPr sz="2400" b="1">
-                    <a:solidFill>
-                      <a:schemeClr val="tx1"/>
-                    </a:solidFill>
-                    <a:latin typeface="Arial" charset="0"/>
-                    <a:ea typeface="ＭＳ Ｐゴシック" pitchFamily="34" charset="-128"/>
-                  </a:defRPr>
-                </a:lvl8pPr>
-                <a:lvl9pPr marL="3886200" indent="-228600" eaLnBrk="0" fontAlgn="base" hangingPunct="0">
-                  <a:spcBef>
-                    <a:spcPct val="0"/>
-                  </a:spcBef>
-                  <a:spcAft>
-                    <a:spcPct val="0"/>
-                  </a:spcAft>
-                  <a:defRPr sz="2400" b="1">
-                    <a:solidFill>
-                      <a:schemeClr val="tx1"/>
-                    </a:solidFill>
-                    <a:latin typeface="Arial" charset="0"/>
-                    <a:ea typeface="ＭＳ Ｐゴシック" pitchFamily="34" charset="-128"/>
-                  </a:defRPr>
-                </a:lvl9pPr>
-              </a:lstStyle>
-              <a:p>
-                <a:pPr algn="ctr" eaLnBrk="1" fontAlgn="base" hangingPunct="1">
-                  <a:spcBef>
-                    <a:spcPct val="0"/>
-                  </a:spcBef>
-                  <a:spcAft>
-                    <a:spcPct val="0"/>
-                  </a:spcAft>
-                  <a:defRPr/>
-                </a:pPr>
-                <a:r>
-                  <a:rPr lang="en-US" altLang="en-US" sz="900" b="0" dirty="0">
-                    <a:solidFill>
-                      <a:srgbClr val="000000"/>
-                    </a:solidFill>
-                  </a:rPr>
-                  <a:t>Select </a:t>
-                </a:r>
-                <a:r>
-                  <a:rPr lang="en-US" altLang="en-US" sz="900" dirty="0">
-                    <a:solidFill>
-                      <a:srgbClr val="000000"/>
-                    </a:solidFill>
-                  </a:rPr>
-                  <a:t>GVT URL</a:t>
-                </a:r>
-                <a:r>
-                  <a:rPr lang="en-US" altLang="en-US" sz="900" b="0" dirty="0">
-                    <a:solidFill>
-                      <a:srgbClr val="000000"/>
-                    </a:solidFill>
-                  </a:rPr>
-                  <a:t>, enter</a:t>
-                </a:r>
-                <a:r>
-                  <a:rPr lang="en-US" altLang="en-US" sz="900" dirty="0">
-                    <a:solidFill>
-                      <a:srgbClr val="000000"/>
-                    </a:solidFill>
-                  </a:rPr>
-                  <a:t> Username</a:t>
-                </a:r>
-                <a:r>
-                  <a:rPr lang="en-US" altLang="en-US" sz="900" b="0" dirty="0">
-                    <a:solidFill>
-                      <a:srgbClr val="000000"/>
-                    </a:solidFill>
-                  </a:rPr>
-                  <a:t> and </a:t>
-                </a:r>
-                <a:r>
-                  <a:rPr lang="en-US" altLang="en-US" sz="900" dirty="0">
-                    <a:solidFill>
-                      <a:srgbClr val="000000"/>
-                    </a:solidFill>
-                  </a:rPr>
-                  <a:t>Password </a:t>
-                </a:r>
-                <a:r>
-                  <a:rPr lang="en-US" altLang="en-US" sz="900" b="0" dirty="0">
-                    <a:solidFill>
-                      <a:srgbClr val="000000"/>
-                    </a:solidFill>
-                  </a:rPr>
-                  <a:t>for GVT, and click </a:t>
-                </a:r>
-                <a:r>
-                  <a:rPr lang="en-US" altLang="en-US" sz="900" dirty="0">
-                    <a:solidFill>
-                      <a:srgbClr val="000000"/>
-                    </a:solidFill>
-                  </a:rPr>
-                  <a:t>NEXT</a:t>
-                </a:r>
-                <a:r>
-                  <a:rPr lang="en-US" altLang="en-US" sz="900" b="0" dirty="0">
-                    <a:solidFill>
-                      <a:srgbClr val="000000"/>
-                    </a:solidFill>
-                  </a:rPr>
-                  <a:t> to connect to GVT.</a:t>
-                </a:r>
-                <a:endParaRPr lang="en-US" altLang="en-US" sz="900" b="0" i="1" dirty="0">
-                  <a:solidFill>
-                    <a:srgbClr val="000000"/>
-                  </a:solidFill>
-                </a:endParaRPr>
-              </a:p>
-            </p:txBody>
-          </p:sp>
-          <p:sp>
-            <p:nvSpPr>
-              <p:cNvPr id="54" name="Oval 53">
-                <a:extLst>
-                  <a:ext uri="{FF2B5EF4-FFF2-40B4-BE49-F238E27FC236}">
-                    <a16:creationId xmlns:a16="http://schemas.microsoft.com/office/drawing/2014/main" id="{A2E038A5-040D-467D-B9D9-21E8D9F0E86D}"/>
-                  </a:ext>
-                </a:extLst>
-              </p:cNvPr>
-              <p:cNvSpPr>
-                <a:spLocks noChangeArrowheads="1"/>
-              </p:cNvSpPr>
-              <p:nvPr/>
-            </p:nvSpPr>
-            <p:spPr bwMode="auto">
-              <a:xfrm>
-                <a:off x="6076855" y="4648560"/>
-                <a:ext cx="271419" cy="248105"/>
-              </a:xfrm>
-              <a:prstGeom prst="ellipse">
-                <a:avLst/>
-              </a:prstGeom>
-              <a:solidFill>
-                <a:schemeClr val="accent2">
-                  <a:lumMod val="75000"/>
-                </a:schemeClr>
-              </a:solidFill>
-              <a:ln w="9525">
-                <a:solidFill>
-                  <a:schemeClr val="bg1"/>
-                </a:solidFill>
-                <a:round/>
-                <a:headEnd/>
-                <a:tailEnd/>
-              </a:ln>
-              <a:effectLst>
-                <a:outerShdw blurRad="50800" dist="38100" dir="5400000" algn="t" rotWithShape="0">
-                  <a:srgbClr val="808080">
-                    <a:alpha val="39998"/>
-                  </a:srgbClr>
-                </a:outerShdw>
-              </a:effectLst>
-            </p:spPr>
-            <p:txBody>
-              <a:bodyPr lIns="0" tIns="0" rIns="0" bIns="0" anchor="ctr"/>
-              <a:lstStyle/>
-              <a:p>
-                <a:pPr algn="ctr" fontAlgn="base">
-                  <a:spcBef>
-                    <a:spcPct val="0"/>
-                  </a:spcBef>
-                  <a:spcAft>
-                    <a:spcPct val="0"/>
-                  </a:spcAft>
-                  <a:defRPr/>
-                </a:pPr>
-                <a:r>
-                  <a:rPr lang="en-US" sz="900" b="1" dirty="0">
-                    <a:solidFill>
-                      <a:srgbClr val="FFFFFF"/>
-                    </a:solidFill>
-                    <a:latin typeface="Franklin Gothic Demi"/>
-                    <a:ea typeface="ＭＳ Ｐゴシック" panose="020B0600070205080204" pitchFamily="34" charset="-128"/>
-                  </a:rPr>
-                  <a:t>4</a:t>
-                </a:r>
-              </a:p>
-            </p:txBody>
-          </p:sp>
-        </p:grpSp>
-        <p:cxnSp>
-          <p:nvCxnSpPr>
-            <p:cNvPr id="5144" name="Straight Connector 19">
-              <a:extLst>
-                <a:ext uri="{FF2B5EF4-FFF2-40B4-BE49-F238E27FC236}">
-                  <a16:creationId xmlns:a16="http://schemas.microsoft.com/office/drawing/2014/main" id="{A2DB89E0-6060-422B-8FC1-5DA795D834C6}"/>
+                  <a16:creationId xmlns:a16="http://schemas.microsoft.com/office/drawing/2014/main" id="{22D2FC4A-3C7A-4B62-BC38-75D6D15CFE5F}"/>
                 </a:ext>
               </a:extLst>
             </p:cNvPr>
             <p:cNvCxnSpPr>
-              <a:cxnSpLocks noChangeShapeType="1"/>
+              <a:cxnSpLocks/>
             </p:cNvCxnSpPr>
             <p:nvPr/>
           </p:nvCxnSpPr>
           <p:spPr bwMode="auto">
-            <a:xfrm>
-              <a:off x="7238525" y="4346578"/>
-              <a:ext cx="0" cy="330886"/>
+            <a:xfrm rot="5400000" flipH="1" flipV="1">
+              <a:off x="10154854" y="3897551"/>
+              <a:ext cx="3724217" cy="348720"/>
             </a:xfrm>
-            <a:prstGeom prst="line">
-              <a:avLst/>
+            <a:prstGeom prst="bentConnector3">
+              <a:avLst>
+                <a:gd name="adj1" fmla="val 99924"/>
+              </a:avLst>
             </a:prstGeom>
-            <a:noFill/>
-            <a:ln w="28575">
+            <a:solidFill>
+              <a:schemeClr val="accent1"/>
+            </a:solidFill>
+            <a:ln w="28575" cap="flat" cmpd="sng" algn="ctr">
               <a:solidFill>
-                <a:srgbClr val="7F7F7F"/>
+                <a:schemeClr val="bg1">
+                  <a:lumMod val="50000"/>
+                </a:schemeClr>
               </a:solidFill>
+              <a:prstDash val="sysDot"/>
               <a:round/>
-              <a:headEnd/>
-              <a:tailEnd type="oval" w="med" len="med"/>
+              <a:headEnd type="none" w="med" len="med"/>
+              <a:tailEnd type="triangle"/>
             </a:ln>
             <a:effectLst/>
             <a:extLst>
-              <a:ext uri="{909E8E84-426E-40DD-AFC4-6F175D3DCCD1}">
-                <a14:hiddenFill xmlns:a14="http://schemas.microsoft.com/office/drawing/2010/main">
-                  <a:noFill/>
-                </a14:hiddenFill>
-              </a:ext>
               <a:ext uri="{AF507438-7753-43E0-B8FC-AC1667EBCBE1}">
                 <a14:hiddenEffects xmlns:a14="http://schemas.microsoft.com/office/drawing/2010/main">
                   <a:effectLst>
@@ -5969,60 +7602,10 @@
         </p:cxnSp>
         <p:cxnSp>
           <p:nvCxnSpPr>
-            <p:cNvPr id="5142" name="Straight Connector 19">
+            <p:cNvPr id="85" name="Straight Connector 84">
               <a:extLst>
                 <a:ext uri="{FF2B5EF4-FFF2-40B4-BE49-F238E27FC236}">
-                  <a16:creationId xmlns:a16="http://schemas.microsoft.com/office/drawing/2014/main" id="{3198A60C-D12B-4ADC-80E2-4EB27CA7BBC7}"/>
-                </a:ext>
-              </a:extLst>
-            </p:cNvPr>
-            <p:cNvCxnSpPr>
-              <a:cxnSpLocks noChangeShapeType="1"/>
-            </p:cNvCxnSpPr>
-            <p:nvPr/>
-          </p:nvCxnSpPr>
-          <p:spPr bwMode="auto">
-            <a:xfrm flipH="1">
-              <a:off x="7869909" y="4117563"/>
-              <a:ext cx="1517441" cy="0"/>
-            </a:xfrm>
-            <a:prstGeom prst="line">
-              <a:avLst/>
-            </a:prstGeom>
-            <a:noFill/>
-            <a:ln w="28575">
-              <a:solidFill>
-                <a:srgbClr val="7F7F7F"/>
-              </a:solidFill>
-              <a:round/>
-              <a:headEnd/>
-              <a:tailEnd type="oval" w="med" len="med"/>
-            </a:ln>
-            <a:effectLst/>
-            <a:extLst>
-              <a:ext uri="{909E8E84-426E-40DD-AFC4-6F175D3DCCD1}">
-                <a14:hiddenFill xmlns:a14="http://schemas.microsoft.com/office/drawing/2010/main">
-                  <a:noFill/>
-                </a14:hiddenFill>
-              </a:ext>
-              <a:ext uri="{AF507438-7753-43E0-B8FC-AC1667EBCBE1}">
-                <a14:hiddenEffects xmlns:a14="http://schemas.microsoft.com/office/drawing/2010/main">
-                  <a:effectLst>
-                    <a:outerShdw dist="35921" dir="2700000" algn="ctr" rotWithShape="0">
-                      <a:schemeClr val="bg2"/>
-                    </a:outerShdw>
-                  </a:effectLst>
-                </a14:hiddenEffects>
-              </a:ext>
-            </a:extLst>
-          </p:spPr>
-        </p:cxnSp>
-        <p:cxnSp>
-          <p:nvCxnSpPr>
-            <p:cNvPr id="57" name="Straight Connector 56">
-              <a:extLst>
-                <a:ext uri="{FF2B5EF4-FFF2-40B4-BE49-F238E27FC236}">
-                  <a16:creationId xmlns:a16="http://schemas.microsoft.com/office/drawing/2014/main" id="{905F13C6-37C1-409D-82B9-00FF67AA74A9}"/>
+                  <a16:creationId xmlns:a16="http://schemas.microsoft.com/office/drawing/2014/main" id="{9BE6E7B1-25C9-4FA2-87BB-8E092307859C}"/>
                 </a:ext>
               </a:extLst>
             </p:cNvPr>
@@ -6033,8 +7616,8 @@
           </p:nvCxnSpPr>
           <p:spPr bwMode="auto">
             <a:xfrm flipV="1">
-              <a:off x="9387350" y="3036017"/>
-              <a:ext cx="0" cy="1090838"/>
+              <a:off x="11380209" y="5926321"/>
+              <a:ext cx="462393" cy="7699"/>
             </a:xfrm>
             <a:prstGeom prst="line">
               <a:avLst/>
@@ -6048,7 +7631,7 @@
                   <a:lumMod val="50000"/>
                 </a:schemeClr>
               </a:solidFill>
-              <a:prstDash val="solid"/>
+              <a:prstDash val="sysDot"/>
               <a:round/>
               <a:headEnd type="none" w="med" len="med"/>
               <a:tailEnd type="none" w="med" len="med"/>
@@ -6067,112 +7650,373 @@
             </a:extLst>
           </p:spPr>
         </p:cxnSp>
-        <p:cxnSp>
-          <p:nvCxnSpPr>
-            <p:cNvPr id="60" name="Straight Connector 19">
+      </p:grpSp>
+      <p:grpSp>
+        <p:nvGrpSpPr>
+          <p:cNvPr id="5147" name="Group 6">
+            <a:extLst>
+              <a:ext uri="{FF2B5EF4-FFF2-40B4-BE49-F238E27FC236}">
+                <a16:creationId xmlns:a16="http://schemas.microsoft.com/office/drawing/2014/main" id="{7AEA50A1-147B-4C61-8507-023354187AB9}"/>
+              </a:ext>
+            </a:extLst>
+          </p:cNvPr>
+          <p:cNvGrpSpPr>
+            <a:grpSpLocks/>
+          </p:cNvGrpSpPr>
+          <p:nvPr/>
+        </p:nvGrpSpPr>
+        <p:grpSpPr bwMode="auto">
+          <a:xfrm>
+            <a:off x="4247006" y="522467"/>
+            <a:ext cx="4161366" cy="838487"/>
+            <a:chOff x="525668" y="3437539"/>
+            <a:chExt cx="3236311" cy="840060"/>
+          </a:xfrm>
+        </p:grpSpPr>
+        <p:sp>
+          <p:nvSpPr>
+            <p:cNvPr id="40" name="TextBox 39">
               <a:extLst>
                 <a:ext uri="{FF2B5EF4-FFF2-40B4-BE49-F238E27FC236}">
-                  <a16:creationId xmlns:a16="http://schemas.microsoft.com/office/drawing/2014/main" id="{888FEDD7-69EB-4A01-8141-A8A6B16AC2D3}"/>
+                  <a16:creationId xmlns:a16="http://schemas.microsoft.com/office/drawing/2014/main" id="{A0617BB6-6615-4D97-B7D8-84E086F5D900}"/>
                 </a:ext>
               </a:extLst>
             </p:cNvPr>
-            <p:cNvCxnSpPr>
-              <a:cxnSpLocks noChangeShapeType="1"/>
-            </p:cNvCxnSpPr>
+            <p:cNvSpPr txBox="1">
+              <a:spLocks noChangeArrowheads="1"/>
+            </p:cNvSpPr>
             <p:nvPr/>
-          </p:nvCxnSpPr>
+          </p:nvSpPr>
           <p:spPr bwMode="auto">
-            <a:xfrm flipH="1">
-              <a:off x="7238526" y="4346578"/>
-              <a:ext cx="2929261" cy="0"/>
+            <a:xfrm>
+              <a:off x="659894" y="3593074"/>
+              <a:ext cx="3102085" cy="370025"/>
             </a:xfrm>
-            <a:prstGeom prst="line">
+            <a:prstGeom prst="rect">
               <a:avLst/>
             </a:prstGeom>
-            <a:noFill/>
+            <a:solidFill>
+              <a:srgbClr val="F2EECE"/>
+            </a:solidFill>
             <a:ln w="28575">
               <a:solidFill>
-                <a:srgbClr val="7F7F7F"/>
+                <a:schemeClr val="tx1">
+                  <a:lumMod val="50000"/>
+                  <a:lumOff val="50000"/>
+                </a:schemeClr>
+              </a:solidFill>
+              <a:miter lim="800000"/>
+              <a:headEnd/>
+              <a:tailEnd/>
+            </a:ln>
+          </p:spPr>
+          <p:txBody>
+            <a:bodyPr wrap="square">
+              <a:spAutoFit/>
+            </a:bodyPr>
+            <a:lstStyle>
+              <a:lvl1pPr eaLnBrk="0" hangingPunct="0">
+                <a:defRPr sz="2400" b="1">
+                  <a:solidFill>
+                    <a:schemeClr val="tx1"/>
+                  </a:solidFill>
+                  <a:latin typeface="Arial" charset="0"/>
+                  <a:ea typeface="ＭＳ Ｐゴシック" pitchFamily="34" charset="-128"/>
+                </a:defRPr>
+              </a:lvl1pPr>
+              <a:lvl2pPr marL="742950" indent="-285750" eaLnBrk="0" hangingPunct="0">
+                <a:defRPr sz="2400" b="1">
+                  <a:solidFill>
+                    <a:schemeClr val="tx1"/>
+                  </a:solidFill>
+                  <a:latin typeface="Arial" charset="0"/>
+                  <a:ea typeface="ＭＳ Ｐゴシック" pitchFamily="34" charset="-128"/>
+                </a:defRPr>
+              </a:lvl2pPr>
+              <a:lvl3pPr marL="1143000" indent="-228600" eaLnBrk="0" hangingPunct="0">
+                <a:defRPr sz="2400" b="1">
+                  <a:solidFill>
+                    <a:schemeClr val="tx1"/>
+                  </a:solidFill>
+                  <a:latin typeface="Arial" charset="0"/>
+                  <a:ea typeface="ＭＳ Ｐゴシック" pitchFamily="34" charset="-128"/>
+                </a:defRPr>
+              </a:lvl3pPr>
+              <a:lvl4pPr marL="1600200" indent="-228600" eaLnBrk="0" hangingPunct="0">
+                <a:defRPr sz="2400" b="1">
+                  <a:solidFill>
+                    <a:schemeClr val="tx1"/>
+                  </a:solidFill>
+                  <a:latin typeface="Arial" charset="0"/>
+                  <a:ea typeface="ＭＳ Ｐゴシック" pitchFamily="34" charset="-128"/>
+                </a:defRPr>
+              </a:lvl4pPr>
+              <a:lvl5pPr marL="2057400" indent="-228600" eaLnBrk="0" hangingPunct="0">
+                <a:defRPr sz="2400" b="1">
+                  <a:solidFill>
+                    <a:schemeClr val="tx1"/>
+                  </a:solidFill>
+                  <a:latin typeface="Arial" charset="0"/>
+                  <a:ea typeface="ＭＳ Ｐゴシック" pitchFamily="34" charset="-128"/>
+                </a:defRPr>
+              </a:lvl5pPr>
+              <a:lvl6pPr marL="2514600" indent="-228600" eaLnBrk="0" fontAlgn="base" hangingPunct="0">
+                <a:spcBef>
+                  <a:spcPct val="0"/>
+                </a:spcBef>
+                <a:spcAft>
+                  <a:spcPct val="0"/>
+                </a:spcAft>
+                <a:defRPr sz="2400" b="1">
+                  <a:solidFill>
+                    <a:schemeClr val="tx1"/>
+                  </a:solidFill>
+                  <a:latin typeface="Arial" charset="0"/>
+                  <a:ea typeface="ＭＳ Ｐゴシック" pitchFamily="34" charset="-128"/>
+                </a:defRPr>
+              </a:lvl6pPr>
+              <a:lvl7pPr marL="2971800" indent="-228600" eaLnBrk="0" fontAlgn="base" hangingPunct="0">
+                <a:spcBef>
+                  <a:spcPct val="0"/>
+                </a:spcBef>
+                <a:spcAft>
+                  <a:spcPct val="0"/>
+                </a:spcAft>
+                <a:defRPr sz="2400" b="1">
+                  <a:solidFill>
+                    <a:schemeClr val="tx1"/>
+                  </a:solidFill>
+                  <a:latin typeface="Arial" charset="0"/>
+                  <a:ea typeface="ＭＳ Ｐゴシック" pitchFamily="34" charset="-128"/>
+                </a:defRPr>
+              </a:lvl7pPr>
+              <a:lvl8pPr marL="3429000" indent="-228600" eaLnBrk="0" fontAlgn="base" hangingPunct="0">
+                <a:spcBef>
+                  <a:spcPct val="0"/>
+                </a:spcBef>
+                <a:spcAft>
+                  <a:spcPct val="0"/>
+                </a:spcAft>
+                <a:defRPr sz="2400" b="1">
+                  <a:solidFill>
+                    <a:schemeClr val="tx1"/>
+                  </a:solidFill>
+                  <a:latin typeface="Arial" charset="0"/>
+                  <a:ea typeface="ＭＳ Ｐゴシック" pitchFamily="34" charset="-128"/>
+                </a:defRPr>
+              </a:lvl8pPr>
+              <a:lvl9pPr marL="3886200" indent="-228600" eaLnBrk="0" fontAlgn="base" hangingPunct="0">
+                <a:spcBef>
+                  <a:spcPct val="0"/>
+                </a:spcBef>
+                <a:spcAft>
+                  <a:spcPct val="0"/>
+                </a:spcAft>
+                <a:defRPr sz="2400" b="1">
+                  <a:solidFill>
+                    <a:schemeClr val="tx1"/>
+                  </a:solidFill>
+                  <a:latin typeface="Arial" charset="0"/>
+                  <a:ea typeface="ＭＳ Ｐゴシック" pitchFamily="34" charset="-128"/>
+                </a:defRPr>
+              </a:lvl9pPr>
+            </a:lstStyle>
+            <a:p>
+              <a:pPr algn="ctr" eaLnBrk="1" fontAlgn="base" hangingPunct="1">
+                <a:spcBef>
+                  <a:spcPct val="0"/>
+                </a:spcBef>
+                <a:spcAft>
+                  <a:spcPct val="0"/>
+                </a:spcAft>
+                <a:defRPr/>
+              </a:pPr>
+              <a:r>
+                <a:rPr lang="en-US" altLang="en-US" sz="900" b="0" dirty="0">
+                  <a:solidFill>
+                    <a:srgbClr val="000000"/>
+                  </a:solidFill>
+                </a:rPr>
+                <a:t>In </a:t>
+              </a:r>
+              <a:r>
+                <a:rPr lang="en-US" altLang="en-US" sz="900" dirty="0">
+                  <a:solidFill>
+                    <a:srgbClr val="000000"/>
+                  </a:solidFill>
+                </a:rPr>
+                <a:t>IGAMT</a:t>
+              </a:r>
+              <a:r>
+                <a:rPr lang="en-US" altLang="en-US" sz="900" b="0" dirty="0">
+                  <a:solidFill>
+                    <a:srgbClr val="000000"/>
+                  </a:solidFill>
+                </a:rPr>
+                <a:t>, select </a:t>
+              </a:r>
+              <a:r>
+                <a:rPr lang="en-US" altLang="en-US" sz="900" dirty="0">
+                  <a:solidFill>
+                    <a:srgbClr val="000000"/>
+                  </a:solidFill>
+                </a:rPr>
+                <a:t>IG Documents </a:t>
+              </a:r>
+              <a:r>
+                <a:rPr lang="en-US" altLang="en-US" sz="900" b="0" dirty="0">
+                  <a:solidFill>
+                    <a:srgbClr val="000000"/>
+                  </a:solidFill>
+                </a:rPr>
+                <a:t>from the main </a:t>
+              </a:r>
+              <a:r>
+                <a:rPr lang="en-US" altLang="en-US" sz="900" dirty="0">
+                  <a:solidFill>
+                    <a:srgbClr val="000000"/>
+                  </a:solidFill>
+                </a:rPr>
+                <a:t>menu bar;</a:t>
+              </a:r>
+              <a:r>
+                <a:rPr lang="en-US" altLang="en-US" sz="900" b="0" dirty="0">
+                  <a:solidFill>
+                    <a:srgbClr val="000000"/>
+                  </a:solidFill>
+                </a:rPr>
+                <a:t> open an IG document, select </a:t>
+              </a:r>
+              <a:r>
+                <a:rPr lang="en-US" altLang="en-US" sz="900" dirty="0"/>
+                <a:t>Connect</a:t>
+              </a:r>
+              <a:r>
+                <a:rPr lang="en-US" altLang="en-US" sz="900" dirty="0">
+                  <a:solidFill>
+                    <a:srgbClr val="FF0000"/>
+                  </a:solidFill>
+                </a:rPr>
+                <a:t> </a:t>
+              </a:r>
+              <a:r>
+                <a:rPr lang="en-US" altLang="ja-JP" sz="900" b="0" dirty="0">
+                  <a:solidFill>
+                    <a:srgbClr val="000000"/>
+                  </a:solidFill>
+                </a:rPr>
+                <a:t>from the </a:t>
+              </a:r>
+              <a:r>
+                <a:rPr lang="en-US" altLang="ja-JP" sz="900" dirty="0">
+                  <a:solidFill>
+                    <a:srgbClr val="000000"/>
+                  </a:solidFill>
+                </a:rPr>
+                <a:t>IG Document </a:t>
+              </a:r>
+              <a:r>
+                <a:rPr lang="en-US" altLang="ja-JP" sz="900" b="0" dirty="0">
+                  <a:solidFill>
+                    <a:srgbClr val="000000"/>
+                  </a:solidFill>
+                </a:rPr>
+                <a:t>m</a:t>
+              </a:r>
+              <a:r>
+                <a:rPr lang="en-US" altLang="en-US" sz="900" b="0" dirty="0">
+                  <a:solidFill>
+                    <a:srgbClr val="000000"/>
+                  </a:solidFill>
+                </a:rPr>
+                <a:t>enu bar</a:t>
+              </a:r>
+              <a:r>
+                <a:rPr lang="en-US" altLang="en-US" sz="900" dirty="0">
+                  <a:solidFill>
+                    <a:srgbClr val="000000"/>
+                  </a:solidFill>
+                </a:rPr>
+                <a:t>.</a:t>
+              </a:r>
+            </a:p>
+          </p:txBody>
+        </p:sp>
+        <p:sp>
+          <p:nvSpPr>
+            <p:cNvPr id="41" name="Oval 40">
+              <a:extLst>
+                <a:ext uri="{FF2B5EF4-FFF2-40B4-BE49-F238E27FC236}">
+                  <a16:creationId xmlns:a16="http://schemas.microsoft.com/office/drawing/2014/main" id="{08CF3CE8-EF2E-4F7E-BAE6-7F475BD0067B}"/>
+                </a:ext>
+              </a:extLst>
+            </p:cNvPr>
+            <p:cNvSpPr>
+              <a:spLocks noChangeArrowheads="1"/>
+            </p:cNvSpPr>
+            <p:nvPr/>
+          </p:nvSpPr>
+          <p:spPr bwMode="auto">
+            <a:xfrm>
+              <a:off x="525668" y="3437539"/>
+              <a:ext cx="199139" cy="260839"/>
+            </a:xfrm>
+            <a:prstGeom prst="ellipse">
+              <a:avLst/>
+            </a:prstGeom>
+            <a:solidFill>
+              <a:schemeClr val="accent2">
+                <a:lumMod val="75000"/>
+              </a:schemeClr>
+            </a:solidFill>
+            <a:ln w="9525">
+              <a:solidFill>
+                <a:schemeClr val="bg1"/>
               </a:solidFill>
               <a:round/>
               <a:headEnd/>
-              <a:tailEnd type="oval" w="med" len="med"/>
+              <a:tailEnd/>
             </a:ln>
-            <a:effectLst/>
-            <a:extLst>
-              <a:ext uri="{909E8E84-426E-40DD-AFC4-6F175D3DCCD1}">
-                <a14:hiddenFill xmlns:a14="http://schemas.microsoft.com/office/drawing/2010/main">
-                  <a:noFill/>
-                </a14:hiddenFill>
-              </a:ext>
-              <a:ext uri="{AF507438-7753-43E0-B8FC-AC1667EBCBE1}">
-                <a14:hiddenEffects xmlns:a14="http://schemas.microsoft.com/office/drawing/2010/main">
-                  <a:effectLst>
-                    <a:outerShdw dist="35921" dir="2700000" algn="ctr" rotWithShape="0">
-                      <a:schemeClr val="bg2"/>
-                    </a:outerShdw>
-                  </a:effectLst>
-                </a14:hiddenEffects>
-              </a:ext>
-            </a:extLst>
+            <a:effectLst>
+              <a:outerShdw blurRad="50800" dist="38100" dir="5400000" algn="t" rotWithShape="0">
+                <a:srgbClr val="808080">
+                  <a:alpha val="39998"/>
+                </a:srgbClr>
+              </a:outerShdw>
+            </a:effectLst>
           </p:spPr>
-        </p:cxnSp>
+          <p:txBody>
+            <a:bodyPr lIns="0" tIns="0" rIns="0" bIns="0" anchor="ctr"/>
+            <a:lstStyle/>
+            <a:p>
+              <a:pPr algn="ctr" fontAlgn="base">
+                <a:spcBef>
+                  <a:spcPct val="0"/>
+                </a:spcBef>
+                <a:spcAft>
+                  <a:spcPct val="0"/>
+                </a:spcAft>
+                <a:defRPr/>
+              </a:pPr>
+              <a:r>
+                <a:rPr lang="en-US" sz="900" b="1" dirty="0">
+                  <a:solidFill>
+                    <a:srgbClr val="FFFFFF"/>
+                  </a:solidFill>
+                  <a:latin typeface="Franklin Gothic Demi"/>
+                  <a:ea typeface="ＭＳ Ｐゴシック" panose="020B0600070205080204" pitchFamily="34" charset="-128"/>
+                </a:rPr>
+                <a:t>1</a:t>
+              </a:r>
+            </a:p>
+          </p:txBody>
+        </p:sp>
         <p:cxnSp>
           <p:nvCxnSpPr>
-            <p:cNvPr id="62" name="Straight Connector 61">
+            <p:cNvPr id="5151" name="Straight Connector 31">
               <a:extLst>
                 <a:ext uri="{FF2B5EF4-FFF2-40B4-BE49-F238E27FC236}">
-                  <a16:creationId xmlns:a16="http://schemas.microsoft.com/office/drawing/2014/main" id="{A23A20AA-E6AA-4B33-B170-47F92CE8E040}"/>
-                </a:ext>
-              </a:extLst>
-            </p:cNvPr>
-            <p:cNvCxnSpPr>
-              <a:cxnSpLocks/>
-            </p:cNvCxnSpPr>
-            <p:nvPr/>
-          </p:nvCxnSpPr>
-          <p:spPr bwMode="auto">
-            <a:xfrm flipV="1">
-              <a:off x="10167787" y="3024051"/>
-              <a:ext cx="0" cy="1322527"/>
-            </a:xfrm>
-            <a:prstGeom prst="line">
-              <a:avLst/>
-            </a:prstGeom>
-            <a:solidFill>
-              <a:schemeClr val="accent1"/>
-            </a:solidFill>
-            <a:ln w="28575" cap="flat" cmpd="sng" algn="ctr">
-              <a:solidFill>
-                <a:schemeClr val="bg1">
-                  <a:lumMod val="50000"/>
-                </a:schemeClr>
-              </a:solidFill>
-              <a:prstDash val="solid"/>
-              <a:round/>
-              <a:headEnd type="none" w="med" len="med"/>
-              <a:tailEnd type="none" w="med" len="med"/>
-            </a:ln>
-            <a:effectLst/>
-            <a:extLst>
-              <a:ext uri="{AF507438-7753-43E0-B8FC-AC1667EBCBE1}">
-                <a14:hiddenEffects xmlns:a14="http://schemas.microsoft.com/office/drawing/2010/main">
-                  <a:effectLst>
-                    <a:outerShdw dist="35921" dir="2700000" algn="ctr" rotWithShape="0">
-                      <a:schemeClr val="bg2"/>
-                    </a:outerShdw>
-                  </a:effectLst>
-                </a14:hiddenEffects>
-              </a:ext>
-            </a:extLst>
-          </p:spPr>
-        </p:cxnSp>
-        <p:cxnSp>
-          <p:nvCxnSpPr>
-            <p:cNvPr id="65" name="Straight Connector 19">
-              <a:extLst>
-                <a:ext uri="{FF2B5EF4-FFF2-40B4-BE49-F238E27FC236}">
-                  <a16:creationId xmlns:a16="http://schemas.microsoft.com/office/drawing/2014/main" id="{F1C0B210-AE7E-43FA-BFF6-44ABE3A065AB}"/>
+                  <a16:creationId xmlns:a16="http://schemas.microsoft.com/office/drawing/2014/main" id="{A0D1566D-1319-4323-8B2C-87007F49033F}"/>
                 </a:ext>
               </a:extLst>
             </p:cNvPr>
@@ -6183,8 +8027,8 @@
           </p:nvCxnSpPr>
           <p:spPr bwMode="auto">
             <a:xfrm>
-              <a:off x="11673171" y="3036017"/>
-              <a:ext cx="0" cy="2352060"/>
+              <a:off x="2733249" y="3977501"/>
+              <a:ext cx="0" cy="300098"/>
             </a:xfrm>
             <a:prstGeom prst="line">
               <a:avLst/>
@@ -6218,238 +8062,12 @@
           </p:spPr>
         </p:cxnSp>
       </p:grpSp>
-      <p:pic>
-        <p:nvPicPr>
-          <p:cNvPr id="3" name="Picture 2">
+      <p:sp>
+        <p:nvSpPr>
+          <p:cNvPr id="110" name="Oval 109">
             <a:extLst>
               <a:ext uri="{FF2B5EF4-FFF2-40B4-BE49-F238E27FC236}">
-                <a16:creationId xmlns:a16="http://schemas.microsoft.com/office/drawing/2014/main" id="{999F7374-AAFD-4C50-A7CB-E4F371CAFD3B}"/>
-              </a:ext>
-            </a:extLst>
-          </p:cNvPr>
-          <p:cNvPicPr>
-            <a:picLocks noChangeAspect="1"/>
-          </p:cNvPicPr>
-          <p:nvPr/>
-        </p:nvPicPr>
-        <p:blipFill>
-          <a:blip r:embed="rId6"/>
-          <a:stretch>
-            <a:fillRect/>
-          </a:stretch>
-        </p:blipFill>
-        <p:spPr>
-          <a:xfrm>
-            <a:off x="6577477" y="1347356"/>
-            <a:ext cx="867898" cy="228600"/>
-          </a:xfrm>
-          <a:prstGeom prst="rect">
-            <a:avLst/>
-          </a:prstGeom>
-        </p:spPr>
-      </p:pic>
-      <p:cxnSp>
-        <p:nvCxnSpPr>
-          <p:cNvPr id="66" name="Straight Connector 65">
-            <a:extLst>
-              <a:ext uri="{FF2B5EF4-FFF2-40B4-BE49-F238E27FC236}">
-                <a16:creationId xmlns:a16="http://schemas.microsoft.com/office/drawing/2014/main" id="{B1AA0CBC-7D55-4975-B538-4FE03931169F}"/>
-              </a:ext>
-            </a:extLst>
-          </p:cNvPr>
-          <p:cNvCxnSpPr>
-            <a:cxnSpLocks/>
-          </p:cNvCxnSpPr>
-          <p:nvPr/>
-        </p:nvCxnSpPr>
-        <p:spPr bwMode="auto">
-          <a:xfrm>
-            <a:off x="5788640" y="5763867"/>
-            <a:ext cx="317195" cy="0"/>
-          </a:xfrm>
-          <a:prstGeom prst="line">
-            <a:avLst/>
-          </a:prstGeom>
-          <a:solidFill>
-            <a:schemeClr val="accent1"/>
-          </a:solidFill>
-          <a:ln w="28575" cap="flat" cmpd="sng" algn="ctr">
-            <a:solidFill>
-              <a:schemeClr val="bg1">
-                <a:lumMod val="50000"/>
-              </a:schemeClr>
-            </a:solidFill>
-            <a:prstDash val="sysDot"/>
-            <a:round/>
-            <a:headEnd type="none" w="med" len="med"/>
-            <a:tailEnd type="none" w="med" len="med"/>
-          </a:ln>
-          <a:effectLst/>
-          <a:extLst>
-            <a:ext uri="{AF507438-7753-43E0-B8FC-AC1667EBCBE1}">
-              <a14:hiddenEffects xmlns:a14="http://schemas.microsoft.com/office/drawing/2010/main">
-                <a:effectLst>
-                  <a:outerShdw dist="35921" dir="2700000" algn="ctr" rotWithShape="0">
-                    <a:schemeClr val="bg2"/>
-                  </a:outerShdw>
-                </a:effectLst>
-              </a14:hiddenEffects>
-            </a:ext>
-          </a:extLst>
-        </p:spPr>
-      </p:cxnSp>
-      <p:sp>
-        <p:nvSpPr>
-          <p:cNvPr id="80" name="TextBox 79">
-            <a:extLst>
-              <a:ext uri="{FF2B5EF4-FFF2-40B4-BE49-F238E27FC236}">
-                <a16:creationId xmlns:a16="http://schemas.microsoft.com/office/drawing/2014/main" id="{CC087F67-2077-4012-8E4F-841AA875AD70}"/>
-              </a:ext>
-            </a:extLst>
-          </p:cNvPr>
-          <p:cNvSpPr txBox="1"/>
-          <p:nvPr/>
-        </p:nvSpPr>
-        <p:spPr>
-          <a:xfrm>
-            <a:off x="10639501" y="5890730"/>
-            <a:ext cx="1146392" cy="253916"/>
-          </a:xfrm>
-          <a:prstGeom prst="rect">
-            <a:avLst/>
-          </a:prstGeom>
-          <a:solidFill>
-            <a:schemeClr val="bg1"/>
-          </a:solidFill>
-        </p:spPr>
-        <p:txBody>
-          <a:bodyPr wrap="square" rtlCol="0">
-            <a:spAutoFit/>
-          </a:bodyPr>
-          <a:lstStyle/>
-          <a:p>
-            <a:r>
-              <a:rPr lang="en-US" sz="1050" b="1" dirty="0">
-                <a:solidFill>
-                  <a:srgbClr val="FF0000"/>
-                </a:solidFill>
-              </a:rPr>
-              <a:t>See next slide</a:t>
-            </a:r>
-            <a:endParaRPr lang="en-US" sz="1400" b="1" dirty="0">
-              <a:solidFill>
-                <a:srgbClr val="FF0000"/>
-              </a:solidFill>
-            </a:endParaRPr>
-          </a:p>
-        </p:txBody>
-      </p:sp>
-      <p:cxnSp>
-        <p:nvCxnSpPr>
-          <p:cNvPr id="81" name="Connector: Elbow 80">
-            <a:extLst>
-              <a:ext uri="{FF2B5EF4-FFF2-40B4-BE49-F238E27FC236}">
-                <a16:creationId xmlns:a16="http://schemas.microsoft.com/office/drawing/2014/main" id="{465B6B78-B983-4F8E-B7DF-8447FEEA3016}"/>
-              </a:ext>
-            </a:extLst>
-          </p:cNvPr>
-          <p:cNvCxnSpPr>
-            <a:cxnSpLocks/>
-          </p:cNvCxnSpPr>
-          <p:nvPr/>
-        </p:nvCxnSpPr>
-        <p:spPr bwMode="auto">
-          <a:xfrm rot="5400000">
-            <a:off x="11374813" y="5615627"/>
-            <a:ext cx="386316" cy="210400"/>
-          </a:xfrm>
-          <a:prstGeom prst="bentConnector3">
-            <a:avLst>
-              <a:gd name="adj1" fmla="val 50000"/>
-            </a:avLst>
-          </a:prstGeom>
-          <a:solidFill>
-            <a:schemeClr val="accent1"/>
-          </a:solidFill>
-          <a:ln w="28575" cap="flat" cmpd="sng" algn="ctr">
-            <a:solidFill>
-              <a:schemeClr val="bg1">
-                <a:lumMod val="50000"/>
-              </a:schemeClr>
-            </a:solidFill>
-            <a:prstDash val="sysDot"/>
-            <a:round/>
-            <a:headEnd type="none" w="med" len="med"/>
-            <a:tailEnd type="triangle"/>
-          </a:ln>
-          <a:effectLst/>
-          <a:extLst>
-            <a:ext uri="{AF507438-7753-43E0-B8FC-AC1667EBCBE1}">
-              <a14:hiddenEffects xmlns:a14="http://schemas.microsoft.com/office/drawing/2010/main">
-                <a:effectLst>
-                  <a:outerShdw dist="35921" dir="2700000" algn="ctr" rotWithShape="0">
-                    <a:schemeClr val="bg2"/>
-                  </a:outerShdw>
-                </a:effectLst>
-              </a14:hiddenEffects>
-            </a:ext>
-          </a:extLst>
-        </p:spPr>
-      </p:cxnSp>
-      <p:cxnSp>
-        <p:nvCxnSpPr>
-          <p:cNvPr id="5171" name="Straight Arrow Connector 5170">
-            <a:extLst>
-              <a:ext uri="{FF2B5EF4-FFF2-40B4-BE49-F238E27FC236}">
-                <a16:creationId xmlns:a16="http://schemas.microsoft.com/office/drawing/2014/main" id="{38168238-2A3C-4F19-B923-4C320C701710}"/>
-              </a:ext>
-            </a:extLst>
-          </p:cNvPr>
-          <p:cNvCxnSpPr/>
-          <p:nvPr/>
-        </p:nvCxnSpPr>
-        <p:spPr bwMode="auto">
-          <a:xfrm>
-            <a:off x="11636720" y="6011632"/>
-            <a:ext cx="496562" cy="0"/>
-          </a:xfrm>
-          <a:prstGeom prst="straightConnector1">
-            <a:avLst/>
-          </a:prstGeom>
-          <a:solidFill>
-            <a:schemeClr val="accent1"/>
-          </a:solidFill>
-          <a:ln w="28575" cap="flat" cmpd="sng" algn="ctr">
-            <a:solidFill>
-              <a:schemeClr val="bg1">
-                <a:lumMod val="50000"/>
-              </a:schemeClr>
-            </a:solidFill>
-            <a:prstDash val="sysDot"/>
-            <a:round/>
-            <a:headEnd type="none" w="med" len="med"/>
-            <a:tailEnd type="triangle"/>
-          </a:ln>
-          <a:effectLst/>
-          <a:extLst>
-            <a:ext uri="{AF507438-7753-43E0-B8FC-AC1667EBCBE1}">
-              <a14:hiddenEffects xmlns:a14="http://schemas.microsoft.com/office/drawing/2010/main">
-                <a:effectLst>
-                  <a:outerShdw dist="35921" dir="2700000" algn="ctr" rotWithShape="0">
-                    <a:schemeClr val="bg2"/>
-                  </a:outerShdw>
-                </a:effectLst>
-              </a14:hiddenEffects>
-            </a:ext>
-          </a:extLst>
-        </p:spPr>
-      </p:cxnSp>
-      <p:sp>
-        <p:nvSpPr>
-          <p:cNvPr id="45" name="Oval 44">
-            <a:extLst>
-              <a:ext uri="{FF2B5EF4-FFF2-40B4-BE49-F238E27FC236}">
-                <a16:creationId xmlns:a16="http://schemas.microsoft.com/office/drawing/2014/main" id="{BFF7D760-0F97-4C98-AF08-B859CA5D36B1}"/>
+                <a16:creationId xmlns:a16="http://schemas.microsoft.com/office/drawing/2014/main" id="{5903D562-CE68-4DC2-B530-CB9BF9505EB0}"/>
               </a:ext>
             </a:extLst>
           </p:cNvPr>
@@ -6458,7 +8076,7 @@
         </p:nvSpPr>
         <p:spPr bwMode="auto">
           <a:xfrm>
-            <a:off x="2246866" y="804516"/>
+            <a:off x="4537146" y="703634"/>
             <a:ext cx="629558" cy="182552"/>
           </a:xfrm>
           <a:prstGeom prst="ellipse">
@@ -6517,7 +8135,7 @@
     </p:spTree>
     <p:extLst>
       <p:ext uri="{BB962C8B-B14F-4D97-AF65-F5344CB8AC3E}">
-        <p14:creationId xmlns:p14="http://schemas.microsoft.com/office/powerpoint/2010/main" val="3114868880"/>
+        <p14:creationId xmlns:p14="http://schemas.microsoft.com/office/powerpoint/2010/main" val="854207401"/>
       </p:ext>
     </p:extLst>
   </p:cSld>
@@ -6527,7 +8145,7 @@
 </p:sld>
 </file>
 
-<file path=ppt/slides/slide2.xml><?xml version="1.0" encoding="utf-8"?>
+<file path=ppt/slides/slide3.xml><?xml version="1.0" encoding="utf-8"?>
 <p:sld xmlns:a="http://schemas.openxmlformats.org/drawingml/2006/main" xmlns:r="http://schemas.openxmlformats.org/officeDocument/2006/relationships" xmlns:p="http://schemas.openxmlformats.org/presentationml/2006/main">
   <p:cSld>
     <p:spTree>
@@ -6544,127 +8162,41 @@
           <a:chExt cx="0" cy="0"/>
         </a:xfrm>
       </p:grpSpPr>
-      <p:grpSp>
-        <p:nvGrpSpPr>
-          <p:cNvPr id="3" name="Group 2">
+      <p:pic>
+        <p:nvPicPr>
+          <p:cNvPr id="19" name="Picture 18">
             <a:extLst>
               <a:ext uri="{FF2B5EF4-FFF2-40B4-BE49-F238E27FC236}">
-                <a16:creationId xmlns:a16="http://schemas.microsoft.com/office/drawing/2014/main" id="{A6ED3F60-C622-497F-ADB6-B14007D05B95}"/>
+                <a16:creationId xmlns:a16="http://schemas.microsoft.com/office/drawing/2014/main" id="{092F469C-EEB0-4662-A64B-BCD58C09EF75}"/>
               </a:ext>
             </a:extLst>
           </p:cNvPr>
-          <p:cNvGrpSpPr/>
+          <p:cNvPicPr>
+            <a:picLocks noChangeAspect="1"/>
+          </p:cNvPicPr>
           <p:nvPr/>
-        </p:nvGrpSpPr>
-        <p:grpSpPr>
+        </p:nvPicPr>
+        <p:blipFill>
+          <a:blip r:embed="rId2"/>
+          <a:stretch>
+            <a:fillRect/>
+          </a:stretch>
+        </p:blipFill>
+        <p:spPr>
           <a:xfrm>
-            <a:off x="222416" y="889863"/>
-            <a:ext cx="4116314" cy="1618643"/>
-            <a:chOff x="210907" y="873679"/>
-            <a:chExt cx="4116314" cy="1618643"/>
+            <a:off x="985006" y="746234"/>
+            <a:ext cx="4785719" cy="1601914"/>
           </a:xfrm>
-        </p:grpSpPr>
-        <p:pic>
-          <p:nvPicPr>
-            <p:cNvPr id="7" name="Picture 6">
-              <a:extLst>
-                <a:ext uri="{FF2B5EF4-FFF2-40B4-BE49-F238E27FC236}">
-                  <a16:creationId xmlns:a16="http://schemas.microsoft.com/office/drawing/2014/main" id="{328F597F-258D-4E2D-B03A-29C3D5C65201}"/>
-                </a:ext>
-              </a:extLst>
-            </p:cNvPr>
-            <p:cNvPicPr>
-              <a:picLocks noChangeAspect="1"/>
-            </p:cNvPicPr>
-            <p:nvPr/>
-          </p:nvPicPr>
-          <p:blipFill>
-            <a:blip r:embed="rId2"/>
-            <a:stretch>
-              <a:fillRect/>
-            </a:stretch>
-          </p:blipFill>
-          <p:spPr>
-            <a:xfrm>
-              <a:off x="221535" y="881258"/>
-              <a:ext cx="4105686" cy="1611064"/>
-            </a:xfrm>
-            <a:prstGeom prst="rect">
-              <a:avLst/>
-            </a:prstGeom>
-            <a:ln>
-              <a:solidFill>
-                <a:srgbClr val="C00000"/>
-              </a:solidFill>
-            </a:ln>
-          </p:spPr>
-        </p:pic>
-        <p:sp>
-          <p:nvSpPr>
-            <p:cNvPr id="13" name="Rectangle 12">
-              <a:extLst>
-                <a:ext uri="{FF2B5EF4-FFF2-40B4-BE49-F238E27FC236}">
-                  <a16:creationId xmlns:a16="http://schemas.microsoft.com/office/drawing/2014/main" id="{373BDC58-B300-4E85-B668-AF39D09784E2}"/>
-                </a:ext>
-              </a:extLst>
-            </p:cNvPr>
-            <p:cNvSpPr/>
-            <p:nvPr/>
-          </p:nvSpPr>
-          <p:spPr bwMode="auto">
-            <a:xfrm rot="5400000">
-              <a:off x="1456299" y="-371713"/>
-              <a:ext cx="1613882" cy="4104665"/>
-            </a:xfrm>
-            <a:prstGeom prst="rect">
-              <a:avLst/>
-            </a:prstGeom>
-            <a:noFill/>
-            <a:ln w="38100">
-              <a:solidFill>
-                <a:srgbClr val="C00000"/>
-              </a:solidFill>
-            </a:ln>
-          </p:spPr>
-          <p:style>
-            <a:lnRef idx="2">
-              <a:schemeClr val="accent1">
-                <a:shade val="50000"/>
-              </a:schemeClr>
-            </a:lnRef>
-            <a:fillRef idx="1">
-              <a:schemeClr val="accent1"/>
-            </a:fillRef>
-            <a:effectRef idx="0">
-              <a:schemeClr val="accent1"/>
-            </a:effectRef>
-            <a:fontRef idx="minor">
-              <a:schemeClr val="lt1"/>
-            </a:fontRef>
-          </p:style>
-          <p:txBody>
-            <a:bodyPr anchor="ctr"/>
-            <a:lstStyle/>
-            <a:p>
-              <a:pPr algn="ctr" eaLnBrk="0" fontAlgn="base" hangingPunct="0">
-                <a:spcBef>
-                  <a:spcPct val="0"/>
-                </a:spcBef>
-                <a:spcAft>
-                  <a:spcPct val="0"/>
-                </a:spcAft>
-                <a:defRPr/>
-              </a:pPr>
-              <a:endParaRPr lang="en-US" b="1" dirty="0">
-                <a:solidFill>
-                  <a:srgbClr val="FFFFFF"/>
-                </a:solidFill>
-                <a:latin typeface="Arial"/>
-              </a:endParaRPr>
-            </a:p>
-          </p:txBody>
-        </p:sp>
-      </p:grpSp>
+          <a:prstGeom prst="rect">
+            <a:avLst/>
+          </a:prstGeom>
+          <a:ln w="38100">
+            <a:solidFill>
+              <a:srgbClr val="C00000"/>
+            </a:solidFill>
+          </a:ln>
+        </p:spPr>
+      </p:pic>
       <p:sp>
         <p:nvSpPr>
           <p:cNvPr id="2" name="Title 1">
@@ -6681,7 +8213,12 @@
             <p:ph type="title"/>
           </p:nvPr>
         </p:nvSpPr>
-        <p:spPr/>
+        <p:spPr>
+          <a:xfrm>
+            <a:off x="411795" y="35858"/>
+            <a:ext cx="10972800" cy="457200"/>
+          </a:xfrm>
+        </p:spPr>
         <p:txBody>
           <a:bodyPr/>
           <a:lstStyle/>
@@ -6689,132 +8226,46 @@
             <a:pPr algn="ctr"/>
             <a:r>
               <a:rPr lang="en-US" dirty="0"/>
-              <a:t>Connecting and Pushing Profiles to GVT from IGAMT (2)</a:t>
+              <a:t>Connecting and Pushing Profiles to GVT from IGAMT</a:t>
             </a:r>
           </a:p>
         </p:txBody>
       </p:sp>
-      <p:grpSp>
-        <p:nvGrpSpPr>
-          <p:cNvPr id="11" name="Group 10">
+      <p:pic>
+        <p:nvPicPr>
+          <p:cNvPr id="8" name="Picture 7">
             <a:extLst>
               <a:ext uri="{FF2B5EF4-FFF2-40B4-BE49-F238E27FC236}">
-                <a16:creationId xmlns:a16="http://schemas.microsoft.com/office/drawing/2014/main" id="{BF723859-5145-450D-90FF-E1E66658B8C8}"/>
+                <a16:creationId xmlns:a16="http://schemas.microsoft.com/office/drawing/2014/main" id="{817B7FBC-02E4-4E8F-8847-D643B8D8D5E5}"/>
               </a:ext>
             </a:extLst>
           </p:cNvPr>
-          <p:cNvGrpSpPr/>
+          <p:cNvPicPr>
+            <a:picLocks noChangeAspect="1"/>
+          </p:cNvPicPr>
           <p:nvPr/>
-        </p:nvGrpSpPr>
-        <p:grpSpPr>
+        </p:nvPicPr>
+        <p:blipFill>
+          <a:blip r:embed="rId3"/>
+          <a:stretch>
+            <a:fillRect/>
+          </a:stretch>
+        </p:blipFill>
+        <p:spPr>
           <a:xfrm>
-            <a:off x="2775401" y="2626072"/>
-            <a:ext cx="7784456" cy="3385560"/>
-            <a:chOff x="1398873" y="2634240"/>
-            <a:chExt cx="6624250" cy="3385560"/>
+            <a:off x="2467610" y="2513047"/>
+            <a:ext cx="7784456" cy="3380451"/>
           </a:xfrm>
-        </p:grpSpPr>
-        <p:pic>
-          <p:nvPicPr>
-            <p:cNvPr id="8" name="Picture 7">
-              <a:extLst>
-                <a:ext uri="{FF2B5EF4-FFF2-40B4-BE49-F238E27FC236}">
-                  <a16:creationId xmlns:a16="http://schemas.microsoft.com/office/drawing/2014/main" id="{817B7FBC-02E4-4E8F-8847-D643B8D8D5E5}"/>
-                </a:ext>
-              </a:extLst>
-            </p:cNvPr>
-            <p:cNvPicPr>
-              <a:picLocks noChangeAspect="1"/>
-            </p:cNvPicPr>
-            <p:nvPr/>
-          </p:nvPicPr>
-          <p:blipFill>
-            <a:blip r:embed="rId3"/>
-            <a:stretch>
-              <a:fillRect/>
-            </a:stretch>
-          </p:blipFill>
-          <p:spPr>
-            <a:xfrm>
-              <a:off x="1398873" y="2639349"/>
-              <a:ext cx="6624250" cy="3380451"/>
-            </a:xfrm>
-            <a:prstGeom prst="rect">
-              <a:avLst/>
-            </a:prstGeom>
-            <a:ln>
-              <a:solidFill>
-                <a:srgbClr val="C00000"/>
-              </a:solidFill>
-            </a:ln>
-          </p:spPr>
-        </p:pic>
-        <p:sp>
-          <p:nvSpPr>
-            <p:cNvPr id="17" name="Rectangle 16">
-              <a:extLst>
-                <a:ext uri="{FF2B5EF4-FFF2-40B4-BE49-F238E27FC236}">
-                  <a16:creationId xmlns:a16="http://schemas.microsoft.com/office/drawing/2014/main" id="{C94CEF9C-7841-4970-A13D-81A2AD94C86F}"/>
-                </a:ext>
-              </a:extLst>
-            </p:cNvPr>
-            <p:cNvSpPr/>
-            <p:nvPr/>
-          </p:nvSpPr>
-          <p:spPr bwMode="auto">
-            <a:xfrm rot="5400000">
-              <a:off x="3019130" y="1013983"/>
-              <a:ext cx="3383736" cy="6624250"/>
-            </a:xfrm>
-            <a:prstGeom prst="rect">
-              <a:avLst/>
-            </a:prstGeom>
-            <a:noFill/>
-            <a:ln w="38100">
-              <a:solidFill>
-                <a:srgbClr val="C00000"/>
-              </a:solidFill>
-            </a:ln>
-          </p:spPr>
-          <p:style>
-            <a:lnRef idx="2">
-              <a:schemeClr val="accent1">
-                <a:shade val="50000"/>
-              </a:schemeClr>
-            </a:lnRef>
-            <a:fillRef idx="1">
-              <a:schemeClr val="accent1"/>
-            </a:fillRef>
-            <a:effectRef idx="0">
-              <a:schemeClr val="accent1"/>
-            </a:effectRef>
-            <a:fontRef idx="minor">
-              <a:schemeClr val="lt1"/>
-            </a:fontRef>
-          </p:style>
-          <p:txBody>
-            <a:bodyPr anchor="ctr"/>
-            <a:lstStyle/>
-            <a:p>
-              <a:pPr algn="ctr" eaLnBrk="0" fontAlgn="base" hangingPunct="0">
-                <a:spcBef>
-                  <a:spcPct val="0"/>
-                </a:spcBef>
-                <a:spcAft>
-                  <a:spcPct val="0"/>
-                </a:spcAft>
-                <a:defRPr/>
-              </a:pPr>
-              <a:endParaRPr lang="en-US" b="1" dirty="0">
-                <a:solidFill>
-                  <a:srgbClr val="FFFFFF"/>
-                </a:solidFill>
-                <a:latin typeface="Arial"/>
-              </a:endParaRPr>
-            </a:p>
-          </p:txBody>
-        </p:sp>
-      </p:grpSp>
+          <a:prstGeom prst="rect">
+            <a:avLst/>
+          </a:prstGeom>
+          <a:ln w="38100">
+            <a:solidFill>
+              <a:srgbClr val="C00000"/>
+            </a:solidFill>
+          </a:ln>
+        </p:spPr>
+      </p:pic>
       <p:cxnSp>
         <p:nvCxnSpPr>
           <p:cNvPr id="18" name="Connector: Elbow 17">
@@ -6830,13 +8281,13 @@
           <p:nvPr/>
         </p:nvCxnSpPr>
         <p:spPr bwMode="auto">
-          <a:xfrm rot="5400000" flipH="1" flipV="1">
-            <a:off x="-1543812" y="4062370"/>
-            <a:ext cx="3530415" cy="380798"/>
+          <a:xfrm flipV="1">
+            <a:off x="0" y="1543341"/>
+            <a:ext cx="985006" cy="690316"/>
           </a:xfrm>
           <a:prstGeom prst="bentConnector3">
             <a:avLst>
-              <a:gd name="adj1" fmla="val -409"/>
+              <a:gd name="adj1" fmla="val 50000"/>
             </a:avLst>
           </a:prstGeom>
           <a:solidFill>
@@ -6883,7 +8334,7 @@
         </p:nvCxnSpPr>
         <p:spPr bwMode="auto">
           <a:xfrm>
-            <a:off x="4260563" y="2351790"/>
+            <a:off x="5709147" y="2216229"/>
             <a:ext cx="578241" cy="255240"/>
           </a:xfrm>
           <a:prstGeom prst="bentConnector3">
@@ -6919,566 +8370,156 @@
           </a:extLst>
         </p:spPr>
       </p:cxnSp>
-      <p:grpSp>
-        <p:nvGrpSpPr>
-          <p:cNvPr id="4" name="Group 3">
+      <p:cxnSp>
+        <p:nvCxnSpPr>
+          <p:cNvPr id="6" name="Straight Connector 19">
             <a:extLst>
               <a:ext uri="{FF2B5EF4-FFF2-40B4-BE49-F238E27FC236}">
-                <a16:creationId xmlns:a16="http://schemas.microsoft.com/office/drawing/2014/main" id="{1A58CD2C-F7C1-4AFB-BDD4-E6E72EC86947}"/>
+                <a16:creationId xmlns:a16="http://schemas.microsoft.com/office/drawing/2014/main" id="{6FE70271-26A7-4BBE-8E27-E87CD4AE2E78}"/>
               </a:ext>
             </a:extLst>
           </p:cNvPr>
-          <p:cNvGrpSpPr/>
+          <p:cNvCxnSpPr>
+            <a:cxnSpLocks noChangeShapeType="1"/>
+          </p:cNvCxnSpPr>
           <p:nvPr/>
-        </p:nvGrpSpPr>
-        <p:grpSpPr>
+        </p:nvCxnSpPr>
+        <p:spPr bwMode="auto">
           <a:xfrm>
-            <a:off x="1093140" y="1120306"/>
-            <a:ext cx="6399041" cy="771041"/>
-            <a:chOff x="1361054" y="1280718"/>
-            <a:chExt cx="6399041" cy="771041"/>
+            <a:off x="1619661" y="1258457"/>
+            <a:ext cx="0" cy="406418"/>
           </a:xfrm>
-        </p:grpSpPr>
-        <p:cxnSp>
-          <p:nvCxnSpPr>
-            <p:cNvPr id="6" name="Straight Connector 19">
-              <a:extLst>
-                <a:ext uri="{FF2B5EF4-FFF2-40B4-BE49-F238E27FC236}">
-                  <a16:creationId xmlns:a16="http://schemas.microsoft.com/office/drawing/2014/main" id="{6FE70271-26A7-4BBE-8E27-E87CD4AE2E78}"/>
-                </a:ext>
-              </a:extLst>
-            </p:cNvPr>
-            <p:cNvCxnSpPr>
-              <a:cxnSpLocks noChangeShapeType="1"/>
-            </p:cNvCxnSpPr>
-            <p:nvPr/>
-          </p:nvCxnSpPr>
-          <p:spPr bwMode="auto">
-            <a:xfrm>
-              <a:off x="1372701" y="1603140"/>
-              <a:ext cx="0" cy="448619"/>
-            </a:xfrm>
-            <a:prstGeom prst="line">
-              <a:avLst/>
-            </a:prstGeom>
-            <a:noFill/>
-            <a:ln w="28575">
-              <a:solidFill>
-                <a:srgbClr val="7F7F7F"/>
-              </a:solidFill>
-              <a:round/>
-              <a:headEnd/>
-              <a:tailEnd type="oval" w="med" len="med"/>
-            </a:ln>
-            <a:effectLst/>
+          <a:prstGeom prst="line">
+            <a:avLst/>
+          </a:prstGeom>
+          <a:noFill/>
+          <a:ln w="28575">
+            <a:solidFill>
+              <a:srgbClr val="7F7F7F"/>
+            </a:solidFill>
+            <a:round/>
+            <a:headEnd/>
+            <a:tailEnd type="oval" w="med" len="med"/>
+          </a:ln>
+          <a:effectLst/>
+          <a:extLst>
+            <a:ext uri="{909E8E84-426E-40DD-AFC4-6F175D3DCCD1}">
+              <a14:hiddenFill xmlns:a14="http://schemas.microsoft.com/office/drawing/2010/main">
+                <a:noFill/>
+              </a14:hiddenFill>
+            </a:ext>
+            <a:ext uri="{AF507438-7753-43E0-B8FC-AC1667EBCBE1}">
+              <a14:hiddenEffects xmlns:a14="http://schemas.microsoft.com/office/drawing/2010/main">
+                <a:effectLst>
+                  <a:outerShdw dist="35921" dir="2700000" algn="ctr" rotWithShape="0">
+                    <a:schemeClr val="bg2"/>
+                  </a:outerShdw>
+                </a:effectLst>
+              </a14:hiddenEffects>
+            </a:ext>
+          </a:extLst>
+        </p:spPr>
+      </p:cxnSp>
+      <p:cxnSp>
+        <p:nvCxnSpPr>
+          <p:cNvPr id="12" name="Straight Connector 19">
             <a:extLst>
-              <a:ext uri="{909E8E84-426E-40DD-AFC4-6F175D3DCCD1}">
-                <a14:hiddenFill xmlns:a14="http://schemas.microsoft.com/office/drawing/2010/main">
-                  <a:noFill/>
-                </a14:hiddenFill>
-              </a:ext>
-              <a:ext uri="{AF507438-7753-43E0-B8FC-AC1667EBCBE1}">
-                <a14:hiddenEffects xmlns:a14="http://schemas.microsoft.com/office/drawing/2010/main">
-                  <a:effectLst>
-                    <a:outerShdw dist="35921" dir="2700000" algn="ctr" rotWithShape="0">
-                      <a:schemeClr val="bg2"/>
-                    </a:outerShdw>
-                  </a:effectLst>
-                </a14:hiddenEffects>
+              <a:ext uri="{FF2B5EF4-FFF2-40B4-BE49-F238E27FC236}">
+                <a16:creationId xmlns:a16="http://schemas.microsoft.com/office/drawing/2014/main" id="{8D78DD7F-CB6E-47E1-B667-9154D94EA8F9}"/>
               </a:ext>
             </a:extLst>
-          </p:spPr>
-        </p:cxnSp>
-        <p:cxnSp>
-          <p:nvCxnSpPr>
-            <p:cNvPr id="12" name="Straight Connector 19">
-              <a:extLst>
-                <a:ext uri="{FF2B5EF4-FFF2-40B4-BE49-F238E27FC236}">
-                  <a16:creationId xmlns:a16="http://schemas.microsoft.com/office/drawing/2014/main" id="{8D78DD7F-CB6E-47E1-B667-9154D94EA8F9}"/>
-                </a:ext>
-              </a:extLst>
-            </p:cNvPr>
-            <p:cNvCxnSpPr>
-              <a:cxnSpLocks noChangeShapeType="1"/>
-            </p:cNvCxnSpPr>
-            <p:nvPr/>
-          </p:nvCxnSpPr>
-          <p:spPr bwMode="auto">
-            <a:xfrm>
-              <a:off x="3061485" y="1603140"/>
-              <a:ext cx="0" cy="360062"/>
-            </a:xfrm>
-            <a:prstGeom prst="line">
-              <a:avLst/>
-            </a:prstGeom>
-            <a:noFill/>
-            <a:ln w="28575">
-              <a:solidFill>
-                <a:srgbClr val="7F7F7F"/>
-              </a:solidFill>
-              <a:round/>
-              <a:headEnd/>
-              <a:tailEnd type="oval" w="med" len="med"/>
-            </a:ln>
-            <a:effectLst/>
+          </p:cNvPr>
+          <p:cNvCxnSpPr>
+            <a:cxnSpLocks noChangeShapeType="1"/>
+          </p:cNvCxnSpPr>
+          <p:nvPr/>
+        </p:nvCxnSpPr>
+        <p:spPr bwMode="auto">
+          <a:xfrm>
+            <a:off x="4119679" y="1381883"/>
+            <a:ext cx="0" cy="236636"/>
+          </a:xfrm>
+          <a:prstGeom prst="line">
+            <a:avLst/>
+          </a:prstGeom>
+          <a:noFill/>
+          <a:ln w="28575">
+            <a:solidFill>
+              <a:srgbClr val="7F7F7F"/>
+            </a:solidFill>
+            <a:round/>
+            <a:headEnd/>
+            <a:tailEnd type="oval" w="med" len="med"/>
+          </a:ln>
+          <a:effectLst/>
+          <a:extLst>
+            <a:ext uri="{909E8E84-426E-40DD-AFC4-6F175D3DCCD1}">
+              <a14:hiddenFill xmlns:a14="http://schemas.microsoft.com/office/drawing/2010/main">
+                <a:noFill/>
+              </a14:hiddenFill>
+            </a:ext>
+            <a:ext uri="{AF507438-7753-43E0-B8FC-AC1667EBCBE1}">
+              <a14:hiddenEffects xmlns:a14="http://schemas.microsoft.com/office/drawing/2010/main">
+                <a:effectLst>
+                  <a:outerShdw dist="35921" dir="2700000" algn="ctr" rotWithShape="0">
+                    <a:schemeClr val="bg2"/>
+                  </a:outerShdw>
+                </a:effectLst>
+              </a14:hiddenEffects>
+            </a:ext>
+          </a:extLst>
+        </p:spPr>
+      </p:cxnSp>
+      <p:cxnSp>
+        <p:nvCxnSpPr>
+          <p:cNvPr id="42" name="Straight Connector 41">
             <a:extLst>
-              <a:ext uri="{909E8E84-426E-40DD-AFC4-6F175D3DCCD1}">
-                <a14:hiddenFill xmlns:a14="http://schemas.microsoft.com/office/drawing/2010/main">
-                  <a:noFill/>
-                </a14:hiddenFill>
-              </a:ext>
-              <a:ext uri="{AF507438-7753-43E0-B8FC-AC1667EBCBE1}">
-                <a14:hiddenEffects xmlns:a14="http://schemas.microsoft.com/office/drawing/2010/main">
-                  <a:effectLst>
-                    <a:outerShdw dist="35921" dir="2700000" algn="ctr" rotWithShape="0">
-                      <a:schemeClr val="bg2"/>
-                    </a:outerShdw>
-                  </a:effectLst>
-                </a14:hiddenEffects>
+              <a:ext uri="{FF2B5EF4-FFF2-40B4-BE49-F238E27FC236}">
+                <a16:creationId xmlns:a16="http://schemas.microsoft.com/office/drawing/2014/main" id="{ED111B99-DEE0-4268-9819-614FF2A96AC0}"/>
               </a:ext>
             </a:extLst>
-          </p:spPr>
-        </p:cxnSp>
-        <p:grpSp>
-          <p:nvGrpSpPr>
-            <p:cNvPr id="21" name="Group 20">
-              <a:extLst>
-                <a:ext uri="{FF2B5EF4-FFF2-40B4-BE49-F238E27FC236}">
-                  <a16:creationId xmlns:a16="http://schemas.microsoft.com/office/drawing/2014/main" id="{2A730AD4-C269-4849-8802-E3FBAB9ED41A}"/>
-                </a:ext>
-              </a:extLst>
-            </p:cNvPr>
-            <p:cNvGrpSpPr/>
-            <p:nvPr/>
-          </p:nvGrpSpPr>
-          <p:grpSpPr>
-            <a:xfrm>
-              <a:off x="4939387" y="1280718"/>
-              <a:ext cx="2820708" cy="516286"/>
-              <a:chOff x="859449" y="4864549"/>
-              <a:chExt cx="2242290" cy="516286"/>
-            </a:xfrm>
-          </p:grpSpPr>
-          <p:sp>
-            <p:nvSpPr>
-              <p:cNvPr id="15" name="TextBox 14">
-                <a:extLst>
-                  <a:ext uri="{FF2B5EF4-FFF2-40B4-BE49-F238E27FC236}">
-                    <a16:creationId xmlns:a16="http://schemas.microsoft.com/office/drawing/2014/main" id="{94EB7E07-2487-4616-AC56-5417CF105059}"/>
-                  </a:ext>
-                </a:extLst>
-              </p:cNvPr>
-              <p:cNvSpPr txBox="1">
-                <a:spLocks noChangeArrowheads="1"/>
-              </p:cNvSpPr>
-              <p:nvPr/>
-            </p:nvSpPr>
-            <p:spPr bwMode="auto">
-              <a:xfrm>
-                <a:off x="1001726" y="5011503"/>
-                <a:ext cx="2100013" cy="369332"/>
-              </a:xfrm>
-              <a:prstGeom prst="rect">
-                <a:avLst/>
-              </a:prstGeom>
-              <a:solidFill>
-                <a:srgbClr val="F2EECE"/>
-              </a:solidFill>
-              <a:ln w="28575">
-                <a:solidFill>
-                  <a:schemeClr val="tx1">
-                    <a:lumMod val="50000"/>
-                    <a:lumOff val="50000"/>
-                  </a:schemeClr>
-                </a:solidFill>
-                <a:miter lim="800000"/>
-                <a:headEnd/>
-                <a:tailEnd/>
-              </a:ln>
-            </p:spPr>
-            <p:txBody>
-              <a:bodyPr wrap="square">
-                <a:spAutoFit/>
-              </a:bodyPr>
-              <a:lstStyle>
-                <a:lvl1pPr>
-                  <a:spcBef>
-                    <a:spcPct val="20000"/>
-                  </a:spcBef>
-                  <a:buChar char="•"/>
-                  <a:defRPr sz="2200">
-                    <a:solidFill>
-                      <a:schemeClr val="tx1"/>
-                    </a:solidFill>
-                    <a:latin typeface="Arial" panose="020B0604020202020204" pitchFamily="34" charset="0"/>
-                    <a:ea typeface="ＭＳ Ｐゴシック" panose="020B0600070205080204" pitchFamily="34" charset="-128"/>
-                  </a:defRPr>
-                </a:lvl1pPr>
-                <a:lvl2pPr marL="742950" indent="-285750">
-                  <a:spcBef>
-                    <a:spcPct val="20000"/>
-                  </a:spcBef>
-                  <a:buChar char="–"/>
-                  <a:defRPr>
-                    <a:solidFill>
-                      <a:schemeClr val="tx1"/>
-                    </a:solidFill>
-                    <a:latin typeface="Arial" panose="020B0604020202020204" pitchFamily="34" charset="0"/>
-                    <a:ea typeface="ＭＳ Ｐゴシック" panose="020B0600070205080204" pitchFamily="34" charset="-128"/>
-                  </a:defRPr>
-                </a:lvl2pPr>
-                <a:lvl3pPr marL="1143000" indent="-228600">
-                  <a:spcBef>
-                    <a:spcPct val="20000"/>
-                  </a:spcBef>
-                  <a:buChar char="•"/>
-                  <a:defRPr sz="1400">
-                    <a:solidFill>
-                      <a:schemeClr val="tx1"/>
-                    </a:solidFill>
-                    <a:latin typeface="Arial" panose="020B0604020202020204" pitchFamily="34" charset="0"/>
-                    <a:ea typeface="ＭＳ Ｐゴシック" panose="020B0600070205080204" pitchFamily="34" charset="-128"/>
-                  </a:defRPr>
-                </a:lvl3pPr>
-                <a:lvl4pPr marL="1600200" indent="-228600">
-                  <a:spcBef>
-                    <a:spcPct val="20000"/>
-                  </a:spcBef>
-                  <a:buChar char="–"/>
-                  <a:defRPr sz="1000">
-                    <a:solidFill>
-                      <a:schemeClr val="tx1"/>
-                    </a:solidFill>
-                    <a:latin typeface="Arial" panose="020B0604020202020204" pitchFamily="34" charset="0"/>
-                    <a:ea typeface="ＭＳ Ｐゴシック" panose="020B0600070205080204" pitchFamily="34" charset="-128"/>
-                  </a:defRPr>
-                </a:lvl4pPr>
-                <a:lvl5pPr marL="2057400" indent="-228600">
-                  <a:spcBef>
-                    <a:spcPct val="20000"/>
-                  </a:spcBef>
-                  <a:buChar char="»"/>
-                  <a:defRPr sz="1000">
-                    <a:solidFill>
-                      <a:schemeClr val="tx1"/>
-                    </a:solidFill>
-                    <a:latin typeface="Arial" panose="020B0604020202020204" pitchFamily="34" charset="0"/>
-                    <a:ea typeface="ＭＳ Ｐゴシック" panose="020B0600070205080204" pitchFamily="34" charset="-128"/>
-                  </a:defRPr>
-                </a:lvl5pPr>
-                <a:lvl6pPr marL="2514600" indent="-228600" eaLnBrk="0" fontAlgn="base" hangingPunct="0">
-                  <a:spcBef>
-                    <a:spcPct val="20000"/>
-                  </a:spcBef>
-                  <a:spcAft>
-                    <a:spcPct val="0"/>
-                  </a:spcAft>
-                  <a:buChar char="»"/>
-                  <a:defRPr sz="1000">
-                    <a:solidFill>
-                      <a:schemeClr val="tx1"/>
-                    </a:solidFill>
-                    <a:latin typeface="Arial" panose="020B0604020202020204" pitchFamily="34" charset="0"/>
-                    <a:ea typeface="ＭＳ Ｐゴシック" panose="020B0600070205080204" pitchFamily="34" charset="-128"/>
-                  </a:defRPr>
-                </a:lvl6pPr>
-                <a:lvl7pPr marL="2971800" indent="-228600" eaLnBrk="0" fontAlgn="base" hangingPunct="0">
-                  <a:spcBef>
-                    <a:spcPct val="20000"/>
-                  </a:spcBef>
-                  <a:spcAft>
-                    <a:spcPct val="0"/>
-                  </a:spcAft>
-                  <a:buChar char="»"/>
-                  <a:defRPr sz="1000">
-                    <a:solidFill>
-                      <a:schemeClr val="tx1"/>
-                    </a:solidFill>
-                    <a:latin typeface="Arial" panose="020B0604020202020204" pitchFamily="34" charset="0"/>
-                    <a:ea typeface="ＭＳ Ｐゴシック" panose="020B0600070205080204" pitchFamily="34" charset="-128"/>
-                  </a:defRPr>
-                </a:lvl7pPr>
-                <a:lvl8pPr marL="3429000" indent="-228600" eaLnBrk="0" fontAlgn="base" hangingPunct="0">
-                  <a:spcBef>
-                    <a:spcPct val="20000"/>
-                  </a:spcBef>
-                  <a:spcAft>
-                    <a:spcPct val="0"/>
-                  </a:spcAft>
-                  <a:buChar char="»"/>
-                  <a:defRPr sz="1000">
-                    <a:solidFill>
-                      <a:schemeClr val="tx1"/>
-                    </a:solidFill>
-                    <a:latin typeface="Arial" panose="020B0604020202020204" pitchFamily="34" charset="0"/>
-                    <a:ea typeface="ＭＳ Ｐゴシック" panose="020B0600070205080204" pitchFamily="34" charset="-128"/>
-                  </a:defRPr>
-                </a:lvl8pPr>
-                <a:lvl9pPr marL="3886200" indent="-228600" eaLnBrk="0" fontAlgn="base" hangingPunct="0">
-                  <a:spcBef>
-                    <a:spcPct val="20000"/>
-                  </a:spcBef>
-                  <a:spcAft>
-                    <a:spcPct val="0"/>
-                  </a:spcAft>
-                  <a:buChar char="»"/>
-                  <a:defRPr sz="1000">
-                    <a:solidFill>
-                      <a:schemeClr val="tx1"/>
-                    </a:solidFill>
-                    <a:latin typeface="Arial" panose="020B0604020202020204" pitchFamily="34" charset="0"/>
-                    <a:ea typeface="ＭＳ Ｐゴシック" panose="020B0600070205080204" pitchFamily="34" charset="-128"/>
-                  </a:defRPr>
-                </a:lvl9pPr>
-              </a:lstStyle>
-              <a:p>
-                <a:pPr fontAlgn="base">
-                  <a:spcBef>
-                    <a:spcPct val="0"/>
-                  </a:spcBef>
-                  <a:spcAft>
-                    <a:spcPct val="0"/>
-                  </a:spcAft>
-                  <a:buNone/>
-                  <a:defRPr/>
-                </a:pPr>
-                <a:r>
-                  <a:rPr lang="en-US" altLang="en-US" sz="900" dirty="0">
-                    <a:solidFill>
-                      <a:srgbClr val="000000"/>
-                    </a:solidFill>
-                  </a:rPr>
-                  <a:t>Select</a:t>
-                </a:r>
-                <a:r>
-                  <a:rPr lang="en-US" altLang="en-US" sz="900" b="1" dirty="0">
-                    <a:solidFill>
-                      <a:srgbClr val="000000"/>
-                    </a:solidFill>
-                  </a:rPr>
-                  <a:t> </a:t>
-                </a:r>
-                <a:r>
-                  <a:rPr lang="en-US" altLang="en-US" sz="900" dirty="0">
-                    <a:solidFill>
-                      <a:srgbClr val="000000"/>
-                    </a:solidFill>
-                  </a:rPr>
-                  <a:t>a </a:t>
-                </a:r>
-                <a:r>
-                  <a:rPr lang="en-US" altLang="en-US" sz="900" b="1" dirty="0">
-                    <a:solidFill>
-                      <a:srgbClr val="000000"/>
-                    </a:solidFill>
-                  </a:rPr>
-                  <a:t>Tool Scope </a:t>
-                </a:r>
-                <a:r>
-                  <a:rPr lang="en-US" altLang="en-US" sz="900" dirty="0">
-                    <a:solidFill>
-                      <a:srgbClr val="000000"/>
-                    </a:solidFill>
-                  </a:rPr>
-                  <a:t>and </a:t>
-                </a:r>
-                <a:r>
-                  <a:rPr lang="en-US" altLang="en-US" sz="900" b="1" dirty="0">
-                    <a:solidFill>
-                      <a:srgbClr val="000000"/>
-                    </a:solidFill>
-                  </a:rPr>
-                  <a:t>SUBMIT</a:t>
-                </a:r>
-                <a:r>
-                  <a:rPr lang="en-US" altLang="en-US" sz="900" dirty="0">
-                    <a:solidFill>
-                      <a:srgbClr val="000000"/>
-                    </a:solidFill>
-                  </a:rPr>
-                  <a:t> OR </a:t>
-                </a:r>
-              </a:p>
-              <a:p>
-                <a:pPr fontAlgn="base">
-                  <a:spcBef>
-                    <a:spcPct val="0"/>
-                  </a:spcBef>
-                  <a:spcAft>
-                    <a:spcPct val="0"/>
-                  </a:spcAft>
-                  <a:buNone/>
-                  <a:defRPr/>
-                </a:pPr>
-                <a:r>
-                  <a:rPr lang="en-US" altLang="en-US" sz="900" dirty="0">
-                    <a:solidFill>
-                      <a:srgbClr val="000000"/>
-                    </a:solidFill>
-                  </a:rPr>
-                  <a:t>click on </a:t>
-                </a:r>
-                <a:r>
-                  <a:rPr lang="en-US" altLang="en-US" sz="900" b="1" dirty="0">
-                    <a:solidFill>
-                      <a:srgbClr val="000000"/>
-                    </a:solidFill>
-                  </a:rPr>
-                  <a:t>+CREATE TOOL SCOPE</a:t>
-                </a:r>
-                <a:r>
-                  <a:rPr lang="en-US" altLang="en-US" sz="900" dirty="0">
-                    <a:solidFill>
-                      <a:srgbClr val="000000"/>
-                    </a:solidFill>
-                  </a:rPr>
-                  <a:t> and </a:t>
-                </a:r>
-                <a:r>
-                  <a:rPr lang="en-US" altLang="en-US" sz="900" b="1" dirty="0">
-                    <a:solidFill>
-                      <a:srgbClr val="000000"/>
-                    </a:solidFill>
-                  </a:rPr>
-                  <a:t>SUBMIT</a:t>
-                </a:r>
-                <a:r>
-                  <a:rPr lang="en-US" altLang="en-US" sz="900" dirty="0">
-                    <a:solidFill>
-                      <a:srgbClr val="000000"/>
-                    </a:solidFill>
-                  </a:rPr>
-                  <a:t>.</a:t>
-                </a:r>
-                <a:endParaRPr lang="en-US" altLang="en-US" sz="900" b="1" dirty="0">
-                  <a:solidFill>
-                    <a:srgbClr val="000000"/>
-                  </a:solidFill>
-                </a:endParaRPr>
-              </a:p>
-            </p:txBody>
-          </p:sp>
-          <p:sp>
-            <p:nvSpPr>
-              <p:cNvPr id="22" name="Oval 21">
-                <a:extLst>
-                  <a:ext uri="{FF2B5EF4-FFF2-40B4-BE49-F238E27FC236}">
-                    <a16:creationId xmlns:a16="http://schemas.microsoft.com/office/drawing/2014/main" id="{3C1ABEF0-D1AF-44B2-B9F9-244772BAF475}"/>
-                  </a:ext>
-                </a:extLst>
-              </p:cNvPr>
-              <p:cNvSpPr>
-                <a:spLocks noChangeArrowheads="1"/>
-              </p:cNvSpPr>
-              <p:nvPr/>
-            </p:nvSpPr>
-            <p:spPr bwMode="auto">
-              <a:xfrm>
-                <a:off x="859449" y="4864549"/>
-                <a:ext cx="213936" cy="266699"/>
-              </a:xfrm>
-              <a:prstGeom prst="ellipse">
-                <a:avLst/>
-              </a:prstGeom>
-              <a:solidFill>
-                <a:schemeClr val="accent2">
-                  <a:lumMod val="75000"/>
-                </a:schemeClr>
-              </a:solidFill>
-              <a:ln w="9525">
-                <a:solidFill>
-                  <a:schemeClr val="bg1"/>
-                </a:solidFill>
-                <a:round/>
-                <a:headEnd/>
-                <a:tailEnd/>
-              </a:ln>
-              <a:effectLst>
-                <a:outerShdw blurRad="50800" dist="38100" dir="5400000" algn="t" rotWithShape="0">
-                  <a:srgbClr val="808080">
-                    <a:alpha val="39998"/>
-                  </a:srgbClr>
-                </a:outerShdw>
-              </a:effectLst>
-            </p:spPr>
-            <p:txBody>
-              <a:bodyPr lIns="0" tIns="0" rIns="0" bIns="0" anchor="ctr"/>
-              <a:lstStyle/>
-              <a:p>
-                <a:pPr algn="ctr" fontAlgn="base">
-                  <a:spcBef>
-                    <a:spcPct val="0"/>
-                  </a:spcBef>
-                  <a:spcAft>
-                    <a:spcPct val="0"/>
-                  </a:spcAft>
-                  <a:defRPr/>
-                </a:pPr>
-                <a:r>
-                  <a:rPr lang="en-US" sz="900" b="1" dirty="0">
-                    <a:solidFill>
-                      <a:srgbClr val="FFFFFF"/>
-                    </a:solidFill>
-                    <a:latin typeface="Franklin Gothic Demi"/>
-                    <a:ea typeface="ＭＳ Ｐゴシック" panose="020B0600070205080204" pitchFamily="34" charset="-128"/>
-                  </a:rPr>
-                  <a:t>5</a:t>
-                </a:r>
-              </a:p>
-            </p:txBody>
-          </p:sp>
-        </p:grpSp>
-        <p:cxnSp>
-          <p:nvCxnSpPr>
-            <p:cNvPr id="42" name="Straight Connector 41">
-              <a:extLst>
-                <a:ext uri="{FF2B5EF4-FFF2-40B4-BE49-F238E27FC236}">
-                  <a16:creationId xmlns:a16="http://schemas.microsoft.com/office/drawing/2014/main" id="{ED111B99-DEE0-4268-9819-614FF2A96AC0}"/>
-                </a:ext>
-              </a:extLst>
-            </p:cNvPr>
-            <p:cNvCxnSpPr>
-              <a:cxnSpLocks/>
-            </p:cNvCxnSpPr>
-            <p:nvPr/>
-          </p:nvCxnSpPr>
-          <p:spPr bwMode="auto">
-            <a:xfrm flipH="1">
-              <a:off x="1361054" y="1603140"/>
-              <a:ext cx="3745664" cy="0"/>
-            </a:xfrm>
-            <a:prstGeom prst="line">
-              <a:avLst/>
-            </a:prstGeom>
+          </p:cNvPr>
+          <p:cNvCxnSpPr>
+            <a:cxnSpLocks/>
+          </p:cNvCxnSpPr>
+          <p:nvPr/>
+        </p:nvCxnSpPr>
+        <p:spPr bwMode="auto">
+          <a:xfrm flipH="1">
+            <a:off x="1610284" y="1258457"/>
+            <a:ext cx="4656420" cy="0"/>
+          </a:xfrm>
+          <a:prstGeom prst="line">
+            <a:avLst/>
+          </a:prstGeom>
+          <a:solidFill>
+            <a:schemeClr val="accent1"/>
+          </a:solidFill>
+          <a:ln w="28575" cap="flat" cmpd="sng" algn="ctr">
             <a:solidFill>
-              <a:schemeClr val="accent1"/>
+              <a:schemeClr val="bg1">
+                <a:lumMod val="50000"/>
+              </a:schemeClr>
             </a:solidFill>
-            <a:ln w="28575" cap="flat" cmpd="sng" algn="ctr">
-              <a:solidFill>
-                <a:schemeClr val="bg1">
-                  <a:lumMod val="50000"/>
-                </a:schemeClr>
-              </a:solidFill>
-              <a:prstDash val="solid"/>
-              <a:round/>
-              <a:headEnd type="none" w="med" len="med"/>
-              <a:tailEnd type="none" w="med" len="med"/>
-            </a:ln>
-            <a:effectLst/>
-            <a:extLst>
-              <a:ext uri="{AF507438-7753-43E0-B8FC-AC1667EBCBE1}">
-                <a14:hiddenEffects xmlns:a14="http://schemas.microsoft.com/office/drawing/2010/main">
-                  <a:effectLst>
-                    <a:outerShdw dist="35921" dir="2700000" algn="ctr" rotWithShape="0">
-                      <a:schemeClr val="bg2"/>
-                    </a:outerShdw>
-                  </a:effectLst>
-                </a14:hiddenEffects>
-              </a:ext>
-            </a:extLst>
-          </p:spPr>
-        </p:cxnSp>
-      </p:grpSp>
+            <a:prstDash val="solid"/>
+            <a:round/>
+            <a:headEnd type="none" w="med" len="med"/>
+            <a:tailEnd type="none" w="med" len="med"/>
+          </a:ln>
+          <a:effectLst/>
+          <a:extLst>
+            <a:ext uri="{AF507438-7753-43E0-B8FC-AC1667EBCBE1}">
+              <a14:hiddenEffects xmlns:a14="http://schemas.microsoft.com/office/drawing/2010/main">
+                <a:effectLst>
+                  <a:outerShdw dist="35921" dir="2700000" algn="ctr" rotWithShape="0">
+                    <a:schemeClr val="bg2"/>
+                  </a:outerShdw>
+                </a:effectLst>
+              </a14:hiddenEffects>
+            </a:ext>
+          </a:extLst>
+        </p:spPr>
+      </p:cxnSp>
       <p:grpSp>
         <p:nvGrpSpPr>
           <p:cNvPr id="30" name="Group 29">
@@ -7493,10 +8534,10 @@
         </p:nvGrpSpPr>
         <p:grpSpPr>
           <a:xfrm>
-            <a:off x="511278" y="3286356"/>
-            <a:ext cx="2467894" cy="866544"/>
-            <a:chOff x="727590" y="3286356"/>
-            <a:chExt cx="2467894" cy="866544"/>
+            <a:off x="53264" y="3036142"/>
+            <a:ext cx="2618117" cy="998624"/>
+            <a:chOff x="577367" y="3154276"/>
+            <a:chExt cx="2618117" cy="998624"/>
           </a:xfrm>
         </p:grpSpPr>
         <p:grpSp>
@@ -7513,10 +8554,10 @@
           </p:nvGrpSpPr>
           <p:grpSpPr>
             <a:xfrm>
-              <a:off x="727590" y="3286356"/>
-              <a:ext cx="2193753" cy="529326"/>
-              <a:chOff x="1712964" y="4593810"/>
-              <a:chExt cx="1743900" cy="529326"/>
+              <a:off x="577367" y="3154276"/>
+              <a:ext cx="2244488" cy="667825"/>
+              <a:chOff x="1593548" y="4461730"/>
+              <a:chExt cx="1784233" cy="667825"/>
             </a:xfrm>
           </p:grpSpPr>
           <p:sp>
@@ -7535,8 +8576,8 @@
             </p:nvSpPr>
             <p:spPr bwMode="auto">
               <a:xfrm>
-                <a:off x="1712964" y="4753804"/>
-                <a:ext cx="1664817" cy="369332"/>
+                <a:off x="1712964" y="4621724"/>
+                <a:ext cx="1664817" cy="507831"/>
               </a:xfrm>
               <a:prstGeom prst="rect">
                 <a:avLst/>
@@ -7732,7 +8773,7 @@
                       <a:srgbClr val="000000"/>
                     </a:solidFill>
                   </a:rPr>
-                  <a:t>Profile Group name </a:t>
+                  <a:t>Profile Group </a:t>
                 </a:r>
                 <a:r>
                   <a:rPr lang="en-US" altLang="en-US" sz="900" dirty="0">
@@ -7740,7 +8781,23 @@
                       <a:srgbClr val="000000"/>
                     </a:solidFill>
                   </a:rPr>
-                  <a:t>to continue.</a:t>
+                  <a:t>name</a:t>
+                </a:r>
+                <a:r>
+                  <a:rPr lang="en-US" altLang="en-US" sz="900" b="1" dirty="0">
+                    <a:solidFill>
+                      <a:srgbClr val="000000"/>
+                    </a:solidFill>
+                  </a:rPr>
+                  <a:t> </a:t>
+                </a:r>
+                <a:r>
+                  <a:rPr lang="en-US" altLang="en-US" sz="900" dirty="0">
+                    <a:solidFill>
+                      <a:srgbClr val="000000"/>
+                    </a:solidFill>
+                  </a:rPr>
+                  <a:t>to display the Profile Group information.</a:t>
                 </a:r>
                 <a:endParaRPr lang="en-US" altLang="en-US" sz="900" b="1" dirty="0">
                   <a:solidFill>
@@ -7766,8 +8823,8 @@
             </p:nvSpPr>
             <p:spPr bwMode="auto">
               <a:xfrm>
-                <a:off x="3229817" y="4593810"/>
-                <a:ext cx="227047" cy="266699"/>
+                <a:off x="1593548" y="4461730"/>
+                <a:ext cx="211308" cy="260778"/>
               </a:xfrm>
               <a:prstGeom prst="ellipse">
                 <a:avLst/>
@@ -7921,52 +8978,6 @@
           </p:spPr>
         </p:cxnSp>
       </p:grpSp>
-      <p:sp>
-        <p:nvSpPr>
-          <p:cNvPr id="40" name="TextBox 39">
-            <a:extLst>
-              <a:ext uri="{FF2B5EF4-FFF2-40B4-BE49-F238E27FC236}">
-                <a16:creationId xmlns:a16="http://schemas.microsoft.com/office/drawing/2014/main" id="{A97465D4-7783-4BDE-9612-040BB322B0F2}"/>
-              </a:ext>
-            </a:extLst>
-          </p:cNvPr>
-          <p:cNvSpPr txBox="1"/>
-          <p:nvPr/>
-        </p:nvSpPr>
-        <p:spPr>
-          <a:xfrm>
-            <a:off x="10639501" y="4219246"/>
-            <a:ext cx="1146392" cy="253916"/>
-          </a:xfrm>
-          <a:prstGeom prst="rect">
-            <a:avLst/>
-          </a:prstGeom>
-          <a:solidFill>
-            <a:schemeClr val="bg1"/>
-          </a:solidFill>
-        </p:spPr>
-        <p:txBody>
-          <a:bodyPr wrap="square" rtlCol="0">
-            <a:spAutoFit/>
-          </a:bodyPr>
-          <a:lstStyle/>
-          <a:p>
-            <a:r>
-              <a:rPr lang="en-US" sz="1050" b="1" dirty="0">
-                <a:solidFill>
-                  <a:srgbClr val="FF0000"/>
-                </a:solidFill>
-              </a:rPr>
-              <a:t>See next slide</a:t>
-            </a:r>
-            <a:endParaRPr lang="en-US" sz="1400" b="1" dirty="0">
-              <a:solidFill>
-                <a:srgbClr val="FF0000"/>
-              </a:solidFill>
-            </a:endParaRPr>
-          </a:p>
-        </p:txBody>
-      </p:sp>
       <p:cxnSp>
         <p:nvCxnSpPr>
           <p:cNvPr id="41" name="Straight Arrow Connector 40">
@@ -7976,13 +8987,15 @@
               </a:ext>
             </a:extLst>
           </p:cNvPr>
-          <p:cNvCxnSpPr/>
+          <p:cNvCxnSpPr>
+            <a:cxnSpLocks/>
+          </p:cNvCxnSpPr>
           <p:nvPr/>
         </p:nvCxnSpPr>
         <p:spPr bwMode="auto">
           <a:xfrm>
-            <a:off x="11636720" y="4340148"/>
-            <a:ext cx="496562" cy="0"/>
+            <a:off x="10257461" y="4533900"/>
+            <a:ext cx="1934539" cy="0"/>
           </a:xfrm>
           <a:prstGeom prst="straightConnector1">
             <a:avLst/>
@@ -8029,7 +9042,7 @@
         </p:nvSpPr>
         <p:spPr bwMode="auto">
           <a:xfrm>
-            <a:off x="2775401" y="2607029"/>
+            <a:off x="2467610" y="2488895"/>
             <a:ext cx="803542" cy="305729"/>
           </a:xfrm>
           <a:prstGeom prst="ellipse">
@@ -8099,7 +9112,7 @@
         </p:nvSpPr>
         <p:spPr bwMode="auto">
           <a:xfrm>
-            <a:off x="3381973" y="3106538"/>
+            <a:off x="3074182" y="2988404"/>
             <a:ext cx="614742" cy="190709"/>
           </a:xfrm>
           <a:prstGeom prst="ellipse">
@@ -8155,10 +9168,497 @@
           </a:p>
         </p:txBody>
       </p:sp>
+      <p:cxnSp>
+        <p:nvCxnSpPr>
+          <p:cNvPr id="36" name="Straight Connector 35">
+            <a:extLst>
+              <a:ext uri="{FF2B5EF4-FFF2-40B4-BE49-F238E27FC236}">
+                <a16:creationId xmlns:a16="http://schemas.microsoft.com/office/drawing/2014/main" id="{38315A2F-58F9-40C3-BE2E-1EB31259449F}"/>
+              </a:ext>
+            </a:extLst>
+          </p:cNvPr>
+          <p:cNvCxnSpPr>
+            <a:cxnSpLocks/>
+          </p:cNvCxnSpPr>
+          <p:nvPr/>
+        </p:nvCxnSpPr>
+        <p:spPr bwMode="auto">
+          <a:xfrm flipH="1">
+            <a:off x="4112422" y="1381883"/>
+            <a:ext cx="2234227" cy="0"/>
+          </a:xfrm>
+          <a:prstGeom prst="line">
+            <a:avLst/>
+          </a:prstGeom>
+          <a:solidFill>
+            <a:schemeClr val="accent1"/>
+          </a:solidFill>
+          <a:ln w="28575" cap="flat" cmpd="sng" algn="ctr">
+            <a:solidFill>
+              <a:schemeClr val="bg1">
+                <a:lumMod val="50000"/>
+              </a:schemeClr>
+            </a:solidFill>
+            <a:prstDash val="solid"/>
+            <a:round/>
+            <a:headEnd type="none" w="med" len="med"/>
+            <a:tailEnd type="none" w="med" len="med"/>
+          </a:ln>
+          <a:effectLst/>
+          <a:extLst>
+            <a:ext uri="{AF507438-7753-43E0-B8FC-AC1667EBCBE1}">
+              <a14:hiddenEffects xmlns:a14="http://schemas.microsoft.com/office/drawing/2010/main">
+                <a:effectLst>
+                  <a:outerShdw dist="35921" dir="2700000" algn="ctr" rotWithShape="0">
+                    <a:schemeClr val="bg2"/>
+                  </a:outerShdw>
+                </a:effectLst>
+              </a14:hiddenEffects>
+            </a:ext>
+          </a:extLst>
+        </p:spPr>
+      </p:cxnSp>
+      <p:grpSp>
+        <p:nvGrpSpPr>
+          <p:cNvPr id="21" name="Group 20">
+            <a:extLst>
+              <a:ext uri="{FF2B5EF4-FFF2-40B4-BE49-F238E27FC236}">
+                <a16:creationId xmlns:a16="http://schemas.microsoft.com/office/drawing/2014/main" id="{2A730AD4-C269-4849-8802-E3FBAB9ED41A}"/>
+              </a:ext>
+            </a:extLst>
+          </p:cNvPr>
+          <p:cNvGrpSpPr/>
+          <p:nvPr/>
+        </p:nvGrpSpPr>
+        <p:grpSpPr>
+          <a:xfrm>
+            <a:off x="5997581" y="936035"/>
+            <a:ext cx="3105779" cy="654785"/>
+            <a:chOff x="859449" y="4864549"/>
+            <a:chExt cx="2468904" cy="654785"/>
+          </a:xfrm>
+        </p:grpSpPr>
+        <p:sp>
+          <p:nvSpPr>
+            <p:cNvPr id="15" name="TextBox 14">
+              <a:extLst>
+                <a:ext uri="{FF2B5EF4-FFF2-40B4-BE49-F238E27FC236}">
+                  <a16:creationId xmlns:a16="http://schemas.microsoft.com/office/drawing/2014/main" id="{94EB7E07-2487-4616-AC56-5417CF105059}"/>
+                </a:ext>
+              </a:extLst>
+            </p:cNvPr>
+            <p:cNvSpPr txBox="1">
+              <a:spLocks noChangeArrowheads="1"/>
+            </p:cNvSpPr>
+            <p:nvPr/>
+          </p:nvSpPr>
+          <p:spPr bwMode="auto">
+            <a:xfrm>
+              <a:off x="1001726" y="5011503"/>
+              <a:ext cx="2326627" cy="507831"/>
+            </a:xfrm>
+            <a:prstGeom prst="rect">
+              <a:avLst/>
+            </a:prstGeom>
+            <a:solidFill>
+              <a:srgbClr val="F2EECE"/>
+            </a:solidFill>
+            <a:ln w="28575">
+              <a:solidFill>
+                <a:schemeClr val="tx1">
+                  <a:lumMod val="50000"/>
+                  <a:lumOff val="50000"/>
+                </a:schemeClr>
+              </a:solidFill>
+              <a:miter lim="800000"/>
+              <a:headEnd/>
+              <a:tailEnd/>
+            </a:ln>
+          </p:spPr>
+          <p:txBody>
+            <a:bodyPr wrap="square">
+              <a:spAutoFit/>
+            </a:bodyPr>
+            <a:lstStyle>
+              <a:lvl1pPr>
+                <a:spcBef>
+                  <a:spcPct val="20000"/>
+                </a:spcBef>
+                <a:buChar char="•"/>
+                <a:defRPr sz="2200">
+                  <a:solidFill>
+                    <a:schemeClr val="tx1"/>
+                  </a:solidFill>
+                  <a:latin typeface="Arial" panose="020B0604020202020204" pitchFamily="34" charset="0"/>
+                  <a:ea typeface="ＭＳ Ｐゴシック" panose="020B0600070205080204" pitchFamily="34" charset="-128"/>
+                </a:defRPr>
+              </a:lvl1pPr>
+              <a:lvl2pPr marL="742950" indent="-285750">
+                <a:spcBef>
+                  <a:spcPct val="20000"/>
+                </a:spcBef>
+                <a:buChar char="–"/>
+                <a:defRPr>
+                  <a:solidFill>
+                    <a:schemeClr val="tx1"/>
+                  </a:solidFill>
+                  <a:latin typeface="Arial" panose="020B0604020202020204" pitchFamily="34" charset="0"/>
+                  <a:ea typeface="ＭＳ Ｐゴシック" panose="020B0600070205080204" pitchFamily="34" charset="-128"/>
+                </a:defRPr>
+              </a:lvl2pPr>
+              <a:lvl3pPr marL="1143000" indent="-228600">
+                <a:spcBef>
+                  <a:spcPct val="20000"/>
+                </a:spcBef>
+                <a:buChar char="•"/>
+                <a:defRPr sz="1400">
+                  <a:solidFill>
+                    <a:schemeClr val="tx1"/>
+                  </a:solidFill>
+                  <a:latin typeface="Arial" panose="020B0604020202020204" pitchFamily="34" charset="0"/>
+                  <a:ea typeface="ＭＳ Ｐゴシック" panose="020B0600070205080204" pitchFamily="34" charset="-128"/>
+                </a:defRPr>
+              </a:lvl3pPr>
+              <a:lvl4pPr marL="1600200" indent="-228600">
+                <a:spcBef>
+                  <a:spcPct val="20000"/>
+                </a:spcBef>
+                <a:buChar char="–"/>
+                <a:defRPr sz="1000">
+                  <a:solidFill>
+                    <a:schemeClr val="tx1"/>
+                  </a:solidFill>
+                  <a:latin typeface="Arial" panose="020B0604020202020204" pitchFamily="34" charset="0"/>
+                  <a:ea typeface="ＭＳ Ｐゴシック" panose="020B0600070205080204" pitchFamily="34" charset="-128"/>
+                </a:defRPr>
+              </a:lvl4pPr>
+              <a:lvl5pPr marL="2057400" indent="-228600">
+                <a:spcBef>
+                  <a:spcPct val="20000"/>
+                </a:spcBef>
+                <a:buChar char="»"/>
+                <a:defRPr sz="1000">
+                  <a:solidFill>
+                    <a:schemeClr val="tx1"/>
+                  </a:solidFill>
+                  <a:latin typeface="Arial" panose="020B0604020202020204" pitchFamily="34" charset="0"/>
+                  <a:ea typeface="ＭＳ Ｐゴシック" panose="020B0600070205080204" pitchFamily="34" charset="-128"/>
+                </a:defRPr>
+              </a:lvl5pPr>
+              <a:lvl6pPr marL="2514600" indent="-228600" eaLnBrk="0" fontAlgn="base" hangingPunct="0">
+                <a:spcBef>
+                  <a:spcPct val="20000"/>
+                </a:spcBef>
+                <a:spcAft>
+                  <a:spcPct val="0"/>
+                </a:spcAft>
+                <a:buChar char="»"/>
+                <a:defRPr sz="1000">
+                  <a:solidFill>
+                    <a:schemeClr val="tx1"/>
+                  </a:solidFill>
+                  <a:latin typeface="Arial" panose="020B0604020202020204" pitchFamily="34" charset="0"/>
+                  <a:ea typeface="ＭＳ Ｐゴシック" panose="020B0600070205080204" pitchFamily="34" charset="-128"/>
+                </a:defRPr>
+              </a:lvl6pPr>
+              <a:lvl7pPr marL="2971800" indent="-228600" eaLnBrk="0" fontAlgn="base" hangingPunct="0">
+                <a:spcBef>
+                  <a:spcPct val="20000"/>
+                </a:spcBef>
+                <a:spcAft>
+                  <a:spcPct val="0"/>
+                </a:spcAft>
+                <a:buChar char="»"/>
+                <a:defRPr sz="1000">
+                  <a:solidFill>
+                    <a:schemeClr val="tx1"/>
+                  </a:solidFill>
+                  <a:latin typeface="Arial" panose="020B0604020202020204" pitchFamily="34" charset="0"/>
+                  <a:ea typeface="ＭＳ Ｐゴシック" panose="020B0600070205080204" pitchFamily="34" charset="-128"/>
+                </a:defRPr>
+              </a:lvl7pPr>
+              <a:lvl8pPr marL="3429000" indent="-228600" eaLnBrk="0" fontAlgn="base" hangingPunct="0">
+                <a:spcBef>
+                  <a:spcPct val="20000"/>
+                </a:spcBef>
+                <a:spcAft>
+                  <a:spcPct val="0"/>
+                </a:spcAft>
+                <a:buChar char="»"/>
+                <a:defRPr sz="1000">
+                  <a:solidFill>
+                    <a:schemeClr val="tx1"/>
+                  </a:solidFill>
+                  <a:latin typeface="Arial" panose="020B0604020202020204" pitchFamily="34" charset="0"/>
+                  <a:ea typeface="ＭＳ Ｐゴシック" panose="020B0600070205080204" pitchFamily="34" charset="-128"/>
+                </a:defRPr>
+              </a:lvl8pPr>
+              <a:lvl9pPr marL="3886200" indent="-228600" eaLnBrk="0" fontAlgn="base" hangingPunct="0">
+                <a:spcBef>
+                  <a:spcPct val="20000"/>
+                </a:spcBef>
+                <a:spcAft>
+                  <a:spcPct val="0"/>
+                </a:spcAft>
+                <a:buChar char="»"/>
+                <a:defRPr sz="1000">
+                  <a:solidFill>
+                    <a:schemeClr val="tx1"/>
+                  </a:solidFill>
+                  <a:latin typeface="Arial" panose="020B0604020202020204" pitchFamily="34" charset="0"/>
+                  <a:ea typeface="ＭＳ Ｐゴシック" panose="020B0600070205080204" pitchFamily="34" charset="-128"/>
+                </a:defRPr>
+              </a:lvl9pPr>
+            </a:lstStyle>
+            <a:p>
+              <a:pPr fontAlgn="base">
+                <a:spcBef>
+                  <a:spcPct val="0"/>
+                </a:spcBef>
+                <a:spcAft>
+                  <a:spcPct val="0"/>
+                </a:spcAft>
+                <a:buNone/>
+                <a:defRPr/>
+              </a:pPr>
+              <a:r>
+                <a:rPr lang="en-US" altLang="en-US" sz="900" dirty="0">
+                  <a:solidFill>
+                    <a:srgbClr val="000000"/>
+                  </a:solidFill>
+                </a:rPr>
+                <a:t>Click on the </a:t>
+              </a:r>
+              <a:r>
+                <a:rPr lang="en-US" altLang="en-US" sz="900" b="1" dirty="0">
+                  <a:solidFill>
+                    <a:srgbClr val="000000"/>
+                  </a:solidFill>
+                </a:rPr>
+                <a:t>+CREATE TOOL SCOPE</a:t>
+              </a:r>
+              <a:r>
+                <a:rPr lang="en-US" altLang="en-US" sz="900" dirty="0">
+                  <a:solidFill>
+                    <a:srgbClr val="000000"/>
+                  </a:solidFill>
+                </a:rPr>
+                <a:t> button OR click on “</a:t>
+              </a:r>
+              <a:r>
+                <a:rPr lang="en-US" altLang="en-US" sz="900" b="1" dirty="0">
+                  <a:solidFill>
+                    <a:srgbClr val="000000"/>
+                  </a:solidFill>
+                </a:rPr>
+                <a:t>Select Tool Scope” </a:t>
+              </a:r>
+              <a:r>
+                <a:rPr lang="en-US" altLang="en-US" sz="900" dirty="0">
+                  <a:solidFill>
+                    <a:srgbClr val="000000"/>
+                  </a:solidFill>
+                </a:rPr>
+                <a:t>and select an existing  Tool Scope from the dropdown menu and </a:t>
+              </a:r>
+              <a:r>
+                <a:rPr lang="en-US" altLang="en-US" sz="900" b="1" dirty="0">
+                  <a:solidFill>
+                    <a:srgbClr val="000000"/>
+                  </a:solidFill>
+                </a:rPr>
+                <a:t>SUBMIT</a:t>
+              </a:r>
+              <a:r>
+                <a:rPr lang="en-US" altLang="en-US" sz="900" dirty="0">
+                  <a:solidFill>
+                    <a:srgbClr val="000000"/>
+                  </a:solidFill>
+                </a:rPr>
+                <a:t>.</a:t>
+              </a:r>
+              <a:endParaRPr lang="en-US" altLang="en-US" sz="900" b="1" dirty="0">
+                <a:solidFill>
+                  <a:srgbClr val="000000"/>
+                </a:solidFill>
+              </a:endParaRPr>
+            </a:p>
+          </p:txBody>
+        </p:sp>
+        <p:sp>
+          <p:nvSpPr>
+            <p:cNvPr id="22" name="Oval 21">
+              <a:extLst>
+                <a:ext uri="{FF2B5EF4-FFF2-40B4-BE49-F238E27FC236}">
+                  <a16:creationId xmlns:a16="http://schemas.microsoft.com/office/drawing/2014/main" id="{3C1ABEF0-D1AF-44B2-B9F9-244772BAF475}"/>
+                </a:ext>
+              </a:extLst>
+            </p:cNvPr>
+            <p:cNvSpPr>
+              <a:spLocks noChangeArrowheads="1"/>
+            </p:cNvSpPr>
+            <p:nvPr/>
+          </p:nvSpPr>
+          <p:spPr bwMode="auto">
+            <a:xfrm>
+              <a:off x="859449" y="4864549"/>
+              <a:ext cx="213936" cy="266699"/>
+            </a:xfrm>
+            <a:prstGeom prst="ellipse">
+              <a:avLst/>
+            </a:prstGeom>
+            <a:solidFill>
+              <a:schemeClr val="accent2">
+                <a:lumMod val="75000"/>
+              </a:schemeClr>
+            </a:solidFill>
+            <a:ln w="9525">
+              <a:solidFill>
+                <a:schemeClr val="bg1"/>
+              </a:solidFill>
+              <a:round/>
+              <a:headEnd/>
+              <a:tailEnd/>
+            </a:ln>
+            <a:effectLst>
+              <a:outerShdw blurRad="50800" dist="38100" dir="5400000" algn="t" rotWithShape="0">
+                <a:srgbClr val="808080">
+                  <a:alpha val="39998"/>
+                </a:srgbClr>
+              </a:outerShdw>
+            </a:effectLst>
+          </p:spPr>
+          <p:txBody>
+            <a:bodyPr lIns="0" tIns="0" rIns="0" bIns="0" anchor="ctr"/>
+            <a:lstStyle/>
+            <a:p>
+              <a:pPr algn="ctr" fontAlgn="base">
+                <a:spcBef>
+                  <a:spcPct val="0"/>
+                </a:spcBef>
+                <a:spcAft>
+                  <a:spcPct val="0"/>
+                </a:spcAft>
+                <a:defRPr/>
+              </a:pPr>
+              <a:r>
+                <a:rPr lang="en-US" sz="900" b="1" dirty="0">
+                  <a:solidFill>
+                    <a:srgbClr val="FFFFFF"/>
+                  </a:solidFill>
+                  <a:latin typeface="Franklin Gothic Demi"/>
+                  <a:ea typeface="ＭＳ Ｐゴシック" panose="020B0600070205080204" pitchFamily="34" charset="-128"/>
+                </a:rPr>
+                <a:t>5</a:t>
+              </a:r>
+            </a:p>
+          </p:txBody>
+        </p:sp>
+      </p:grpSp>
+      <p:cxnSp>
+        <p:nvCxnSpPr>
+          <p:cNvPr id="43" name="Straight Connector 19">
+            <a:extLst>
+              <a:ext uri="{FF2B5EF4-FFF2-40B4-BE49-F238E27FC236}">
+                <a16:creationId xmlns:a16="http://schemas.microsoft.com/office/drawing/2014/main" id="{63CF7281-3A86-4F09-AAA9-CE8CB9D42E3A}"/>
+              </a:ext>
+            </a:extLst>
+          </p:cNvPr>
+          <p:cNvCxnSpPr>
+            <a:cxnSpLocks noChangeShapeType="1"/>
+          </p:cNvCxnSpPr>
+          <p:nvPr/>
+        </p:nvCxnSpPr>
+        <p:spPr bwMode="auto">
+          <a:xfrm>
+            <a:off x="5516577" y="1499551"/>
+            <a:ext cx="0" cy="589299"/>
+          </a:xfrm>
+          <a:prstGeom prst="line">
+            <a:avLst/>
+          </a:prstGeom>
+          <a:noFill/>
+          <a:ln w="28575">
+            <a:solidFill>
+              <a:srgbClr val="7F7F7F"/>
+            </a:solidFill>
+            <a:round/>
+            <a:headEnd/>
+            <a:tailEnd type="oval" w="med" len="med"/>
+          </a:ln>
+          <a:effectLst/>
+          <a:extLst>
+            <a:ext uri="{909E8E84-426E-40DD-AFC4-6F175D3DCCD1}">
+              <a14:hiddenFill xmlns:a14="http://schemas.microsoft.com/office/drawing/2010/main">
+                <a:noFill/>
+              </a14:hiddenFill>
+            </a:ext>
+            <a:ext uri="{AF507438-7753-43E0-B8FC-AC1667EBCBE1}">
+              <a14:hiddenEffects xmlns:a14="http://schemas.microsoft.com/office/drawing/2010/main">
+                <a:effectLst>
+                  <a:outerShdw dist="35921" dir="2700000" algn="ctr" rotWithShape="0">
+                    <a:schemeClr val="bg2"/>
+                  </a:outerShdw>
+                </a:effectLst>
+              </a14:hiddenEffects>
+            </a:ext>
+          </a:extLst>
+        </p:spPr>
+      </p:cxnSp>
+      <p:cxnSp>
+        <p:nvCxnSpPr>
+          <p:cNvPr id="44" name="Straight Connector 43">
+            <a:extLst>
+              <a:ext uri="{FF2B5EF4-FFF2-40B4-BE49-F238E27FC236}">
+                <a16:creationId xmlns:a16="http://schemas.microsoft.com/office/drawing/2014/main" id="{C6D5653F-A91F-40D5-9F95-2D54646FCE0F}"/>
+              </a:ext>
+            </a:extLst>
+          </p:cNvPr>
+          <p:cNvCxnSpPr>
+            <a:cxnSpLocks/>
+          </p:cNvCxnSpPr>
+          <p:nvPr/>
+        </p:nvCxnSpPr>
+        <p:spPr bwMode="auto">
+          <a:xfrm flipH="1">
+            <a:off x="5509320" y="1499551"/>
+            <a:ext cx="659983" cy="0"/>
+          </a:xfrm>
+          <a:prstGeom prst="line">
+            <a:avLst/>
+          </a:prstGeom>
+          <a:solidFill>
+            <a:schemeClr val="accent1"/>
+          </a:solidFill>
+          <a:ln w="28575" cap="flat" cmpd="sng" algn="ctr">
+            <a:solidFill>
+              <a:schemeClr val="bg1">
+                <a:lumMod val="50000"/>
+              </a:schemeClr>
+            </a:solidFill>
+            <a:prstDash val="solid"/>
+            <a:round/>
+            <a:headEnd type="none" w="med" len="med"/>
+            <a:tailEnd type="none" w="med" len="med"/>
+          </a:ln>
+          <a:effectLst/>
+          <a:extLst>
+            <a:ext uri="{AF507438-7753-43E0-B8FC-AC1667EBCBE1}">
+              <a14:hiddenEffects xmlns:a14="http://schemas.microsoft.com/office/drawing/2010/main">
+                <a:effectLst>
+                  <a:outerShdw dist="35921" dir="2700000" algn="ctr" rotWithShape="0">
+                    <a:schemeClr val="bg2"/>
+                  </a:outerShdw>
+                </a:effectLst>
+              </a14:hiddenEffects>
+            </a:ext>
+          </a:extLst>
+        </p:spPr>
+      </p:cxnSp>
     </p:spTree>
     <p:extLst>
       <p:ext uri="{BB962C8B-B14F-4D97-AF65-F5344CB8AC3E}">
-        <p14:creationId xmlns:p14="http://schemas.microsoft.com/office/powerpoint/2010/main" val="290357216"/>
+        <p14:creationId xmlns:p14="http://schemas.microsoft.com/office/powerpoint/2010/main" val="1076389263"/>
       </p:ext>
     </p:extLst>
   </p:cSld>
@@ -8168,7 +9668,7 @@
 </p:sld>
 </file>
 
-<file path=ppt/slides/slide3.xml><?xml version="1.0" encoding="utf-8"?>
+<file path=ppt/slides/slide4.xml><?xml version="1.0" encoding="utf-8"?>
 <p:sld xmlns:a="http://schemas.openxmlformats.org/drawingml/2006/main" xmlns:r="http://schemas.openxmlformats.org/officeDocument/2006/relationships" xmlns:p="http://schemas.openxmlformats.org/presentationml/2006/main">
   <p:cSld>
     <p:spTree>
@@ -8201,7 +9701,12 @@
             <p:ph type="title"/>
           </p:nvPr>
         </p:nvSpPr>
-        <p:spPr/>
+        <p:spPr>
+          <a:xfrm>
+            <a:off x="460885" y="14652"/>
+            <a:ext cx="10972800" cy="457200"/>
+          </a:xfrm>
+        </p:spPr>
         <p:txBody>
           <a:bodyPr/>
           <a:lstStyle/>
@@ -8209,132 +9714,46 @@
             <a:pPr algn="ctr"/>
             <a:r>
               <a:rPr lang="en-US" dirty="0"/>
-              <a:t>Connecting and Pushing Profiles to GVT from IGAMT (3)</a:t>
+              <a:t>Connecting and Pushing Profiles to GVT from IGAMT</a:t>
             </a:r>
           </a:p>
         </p:txBody>
       </p:sp>
-      <p:grpSp>
-        <p:nvGrpSpPr>
-          <p:cNvPr id="35" name="Group 34">
+      <p:pic>
+        <p:nvPicPr>
+          <p:cNvPr id="10" name="Picture 9">
             <a:extLst>
               <a:ext uri="{FF2B5EF4-FFF2-40B4-BE49-F238E27FC236}">
-                <a16:creationId xmlns:a16="http://schemas.microsoft.com/office/drawing/2014/main" id="{F5160F86-3DEA-4464-8220-7AC936463CAA}"/>
+                <a16:creationId xmlns:a16="http://schemas.microsoft.com/office/drawing/2014/main" id="{4AA59D58-BA3B-47E3-8FA6-6E01242FBE75}"/>
               </a:ext>
             </a:extLst>
           </p:cNvPr>
-          <p:cNvGrpSpPr/>
+          <p:cNvPicPr>
+            <a:picLocks noChangeAspect="1"/>
+          </p:cNvPicPr>
           <p:nvPr/>
-        </p:nvGrpSpPr>
-        <p:grpSpPr>
+        </p:nvPicPr>
+        <p:blipFill>
+          <a:blip r:embed="rId2"/>
+          <a:stretch>
+            <a:fillRect/>
+          </a:stretch>
+        </p:blipFill>
+        <p:spPr>
           <a:xfrm>
-            <a:off x="368300" y="764134"/>
+            <a:off x="408940" y="764134"/>
             <a:ext cx="8778498" cy="3383737"/>
-            <a:chOff x="368300" y="764134"/>
-            <a:chExt cx="8778498" cy="3383737"/>
           </a:xfrm>
-        </p:grpSpPr>
-        <p:pic>
-          <p:nvPicPr>
-            <p:cNvPr id="10" name="Picture 9">
-              <a:extLst>
-                <a:ext uri="{FF2B5EF4-FFF2-40B4-BE49-F238E27FC236}">
-                  <a16:creationId xmlns:a16="http://schemas.microsoft.com/office/drawing/2014/main" id="{4AA59D58-BA3B-47E3-8FA6-6E01242FBE75}"/>
-                </a:ext>
-              </a:extLst>
-            </p:cNvPr>
-            <p:cNvPicPr>
-              <a:picLocks noChangeAspect="1"/>
-            </p:cNvPicPr>
-            <p:nvPr/>
-          </p:nvPicPr>
-          <p:blipFill>
-            <a:blip r:embed="rId2"/>
-            <a:stretch>
-              <a:fillRect/>
-            </a:stretch>
-          </p:blipFill>
-          <p:spPr>
-            <a:xfrm>
-              <a:off x="368300" y="764134"/>
-              <a:ext cx="8778498" cy="3383737"/>
-            </a:xfrm>
-            <a:prstGeom prst="rect">
-              <a:avLst/>
-            </a:prstGeom>
-            <a:ln>
-              <a:solidFill>
-                <a:srgbClr val="C00000"/>
-              </a:solidFill>
-            </a:ln>
-          </p:spPr>
-        </p:pic>
-        <p:sp>
-          <p:nvSpPr>
-            <p:cNvPr id="17" name="Rectangle 16">
-              <a:extLst>
-                <a:ext uri="{FF2B5EF4-FFF2-40B4-BE49-F238E27FC236}">
-                  <a16:creationId xmlns:a16="http://schemas.microsoft.com/office/drawing/2014/main" id="{C94CEF9C-7841-4970-A13D-81A2AD94C86F}"/>
-                </a:ext>
-              </a:extLst>
-            </p:cNvPr>
-            <p:cNvSpPr/>
-            <p:nvPr/>
-          </p:nvSpPr>
-          <p:spPr bwMode="auto">
-            <a:xfrm rot="5400000">
-              <a:off x="3065681" y="-1933246"/>
-              <a:ext cx="3383736" cy="8778498"/>
-            </a:xfrm>
-            <a:prstGeom prst="rect">
-              <a:avLst/>
-            </a:prstGeom>
-            <a:noFill/>
-            <a:ln w="38100">
-              <a:solidFill>
-                <a:srgbClr val="C00000"/>
-              </a:solidFill>
-            </a:ln>
-          </p:spPr>
-          <p:style>
-            <a:lnRef idx="2">
-              <a:schemeClr val="accent1">
-                <a:shade val="50000"/>
-              </a:schemeClr>
-            </a:lnRef>
-            <a:fillRef idx="1">
-              <a:schemeClr val="accent1"/>
-            </a:fillRef>
-            <a:effectRef idx="0">
-              <a:schemeClr val="accent1"/>
-            </a:effectRef>
-            <a:fontRef idx="minor">
-              <a:schemeClr val="lt1"/>
-            </a:fontRef>
-          </p:style>
-          <p:txBody>
-            <a:bodyPr anchor="ctr"/>
-            <a:lstStyle/>
-            <a:p>
-              <a:pPr algn="ctr" eaLnBrk="0" fontAlgn="base" hangingPunct="0">
-                <a:spcBef>
-                  <a:spcPct val="0"/>
-                </a:spcBef>
-                <a:spcAft>
-                  <a:spcPct val="0"/>
-                </a:spcAft>
-                <a:defRPr/>
-              </a:pPr>
-              <a:endParaRPr lang="en-US" b="1" dirty="0">
-                <a:solidFill>
-                  <a:srgbClr val="FFFFFF"/>
-                </a:solidFill>
-                <a:latin typeface="Arial"/>
-              </a:endParaRPr>
-            </a:p>
-          </p:txBody>
-        </p:sp>
-      </p:grpSp>
+          <a:prstGeom prst="rect">
+            <a:avLst/>
+          </a:prstGeom>
+          <a:ln w="38100">
+            <a:solidFill>
+              <a:srgbClr val="C00000"/>
+            </a:solidFill>
+          </a:ln>
+        </p:spPr>
+      </p:pic>
       <p:cxnSp>
         <p:nvCxnSpPr>
           <p:cNvPr id="18" name="Connector: Elbow 17">
@@ -8351,12 +9770,12 @@
         </p:nvCxnSpPr>
         <p:spPr bwMode="auto">
           <a:xfrm flipV="1">
-            <a:off x="46700" y="4147871"/>
-            <a:ext cx="828371" cy="199004"/>
+            <a:off x="12624" y="4147871"/>
+            <a:ext cx="869474" cy="397051"/>
           </a:xfrm>
           <a:prstGeom prst="bentConnector3">
             <a:avLst>
-              <a:gd name="adj1" fmla="val 99852"/>
+              <a:gd name="adj1" fmla="val 100246"/>
             </a:avLst>
           </a:prstGeom>
           <a:solidFill>
@@ -8401,10 +9820,10 @@
         </p:nvGrpSpPr>
         <p:grpSpPr>
           <a:xfrm>
-            <a:off x="9144661" y="3128716"/>
-            <a:ext cx="2349252" cy="518435"/>
-            <a:chOff x="1837812" y="4604701"/>
-            <a:chExt cx="1867511" cy="518435"/>
+            <a:off x="9352530" y="2752646"/>
+            <a:ext cx="2682853" cy="518435"/>
+            <a:chOff x="1837813" y="4604701"/>
+            <a:chExt cx="2132703" cy="518435"/>
           </a:xfrm>
         </p:grpSpPr>
         <p:sp>
@@ -8424,7 +9843,7 @@
           <p:spPr bwMode="auto">
             <a:xfrm>
               <a:off x="1995099" y="4753804"/>
-              <a:ext cx="1710224" cy="369332"/>
+              <a:ext cx="1975417" cy="369332"/>
             </a:xfrm>
             <a:prstGeom prst="rect">
               <a:avLst/>
@@ -8612,7 +10031,7 @@
                     <a:srgbClr val="000000"/>
                   </a:solidFill>
                 </a:rPr>
-                <a:t>and click </a:t>
+                <a:t>for the new Profile and click </a:t>
               </a:r>
               <a:r>
                 <a:rPr lang="en-US" altLang="ja-JP" sz="900" b="1" dirty="0">
@@ -8719,10 +10138,10 @@
         </p:nvGrpSpPr>
         <p:grpSpPr>
           <a:xfrm>
-            <a:off x="3111492" y="4918347"/>
-            <a:ext cx="3834247" cy="523992"/>
-            <a:chOff x="-5687381" y="5393511"/>
-            <a:chExt cx="2601006" cy="523992"/>
+            <a:off x="2572885" y="4968819"/>
+            <a:ext cx="2127495" cy="652659"/>
+            <a:chOff x="-4529586" y="5403343"/>
+            <a:chExt cx="1443211" cy="652659"/>
           </a:xfrm>
         </p:grpSpPr>
         <p:sp>
@@ -8741,8 +10160,8 @@
           </p:nvSpPr>
           <p:spPr bwMode="auto">
             <a:xfrm>
-              <a:off x="-5563714" y="5548171"/>
-              <a:ext cx="2477339" cy="369332"/>
+              <a:off x="-4395534" y="5548171"/>
+              <a:ext cx="1309159" cy="507831"/>
             </a:xfrm>
             <a:prstGeom prst="rect">
               <a:avLst/>
@@ -8930,6 +10349,22 @@
                     <a:srgbClr val="000000"/>
                   </a:solidFill>
                 </a:rPr>
+                <a:t>and associated </a:t>
+              </a:r>
+              <a:r>
+                <a:rPr lang="en-US" altLang="en-US" sz="900" b="1" dirty="0">
+                  <a:solidFill>
+                    <a:srgbClr val="000000"/>
+                  </a:solidFill>
+                </a:rPr>
+                <a:t>Profiles </a:t>
+              </a:r>
+              <a:r>
+                <a:rPr lang="en-US" altLang="en-US" sz="900" dirty="0">
+                  <a:solidFill>
+                    <a:srgbClr val="000000"/>
+                  </a:solidFill>
+                </a:rPr>
                 <a:t>in the Profiles list panel in </a:t>
               </a:r>
               <a:r>
@@ -8972,7 +10407,7 @@
           </p:nvSpPr>
           <p:spPr bwMode="auto">
             <a:xfrm>
-              <a:off x="-5687381" y="5393511"/>
+              <a:off x="-4529586" y="5403343"/>
               <a:ext cx="197951" cy="270927"/>
             </a:xfrm>
             <a:prstGeom prst="ellipse">
@@ -9026,127 +10461,41 @@
           </p:txBody>
         </p:sp>
       </p:grpSp>
-      <p:grpSp>
-        <p:nvGrpSpPr>
-          <p:cNvPr id="25" name="Group 24">
+      <p:pic>
+        <p:nvPicPr>
+          <p:cNvPr id="19" name="Picture 18">
             <a:extLst>
               <a:ext uri="{FF2B5EF4-FFF2-40B4-BE49-F238E27FC236}">
-                <a16:creationId xmlns:a16="http://schemas.microsoft.com/office/drawing/2014/main" id="{9BBE389F-CEDD-4AA9-94E8-888FF39912A1}"/>
+                <a16:creationId xmlns:a16="http://schemas.microsoft.com/office/drawing/2014/main" id="{518D54C7-FA09-48D2-B3AE-57DD0D43B171}"/>
               </a:ext>
             </a:extLst>
           </p:cNvPr>
-          <p:cNvGrpSpPr/>
+          <p:cNvPicPr>
+            <a:picLocks noChangeAspect="1"/>
+          </p:cNvPicPr>
           <p:nvPr/>
-        </p:nvGrpSpPr>
-        <p:grpSpPr>
+        </p:nvPicPr>
+        <p:blipFill>
+          <a:blip r:embed="rId3"/>
+          <a:stretch>
+            <a:fillRect/>
+          </a:stretch>
+        </p:blipFill>
+        <p:spPr>
           <a:xfrm>
-            <a:off x="7195744" y="4246742"/>
-            <a:ext cx="4619838" cy="1831878"/>
-            <a:chOff x="7402216" y="4227078"/>
-            <a:chExt cx="4773408" cy="1918084"/>
+            <a:off x="4950387" y="4287382"/>
+            <a:ext cx="4619835" cy="1810706"/>
           </a:xfrm>
-        </p:grpSpPr>
-        <p:pic>
-          <p:nvPicPr>
-            <p:cNvPr id="19" name="Picture 18">
-              <a:extLst>
-                <a:ext uri="{FF2B5EF4-FFF2-40B4-BE49-F238E27FC236}">
-                  <a16:creationId xmlns:a16="http://schemas.microsoft.com/office/drawing/2014/main" id="{518D54C7-FA09-48D2-B3AE-57DD0D43B171}"/>
-                </a:ext>
-              </a:extLst>
-            </p:cNvPr>
-            <p:cNvPicPr>
-              <a:picLocks noChangeAspect="1"/>
-            </p:cNvPicPr>
-            <p:nvPr/>
-          </p:nvPicPr>
-          <p:blipFill>
-            <a:blip r:embed="rId3"/>
-            <a:stretch>
-              <a:fillRect/>
-            </a:stretch>
-          </p:blipFill>
-          <p:spPr>
-            <a:xfrm>
-              <a:off x="7402219" y="4227078"/>
-              <a:ext cx="4773405" cy="1895916"/>
-            </a:xfrm>
-            <a:prstGeom prst="rect">
-              <a:avLst/>
-            </a:prstGeom>
-            <a:ln>
-              <a:solidFill>
-                <a:srgbClr val="C00000"/>
-              </a:solidFill>
-            </a:ln>
-          </p:spPr>
-        </p:pic>
-        <p:sp>
-          <p:nvSpPr>
-            <p:cNvPr id="34" name="Rectangle 33">
-              <a:extLst>
-                <a:ext uri="{FF2B5EF4-FFF2-40B4-BE49-F238E27FC236}">
-                  <a16:creationId xmlns:a16="http://schemas.microsoft.com/office/drawing/2014/main" id="{074D4EAF-985F-4BAC-A64C-C5A3306F3E73}"/>
-                </a:ext>
-              </a:extLst>
-            </p:cNvPr>
-            <p:cNvSpPr/>
-            <p:nvPr/>
-          </p:nvSpPr>
-          <p:spPr bwMode="auto">
-            <a:xfrm rot="5400000">
-              <a:off x="8829878" y="2799417"/>
-              <a:ext cx="1918083" cy="4773407"/>
-            </a:xfrm>
-            <a:prstGeom prst="rect">
-              <a:avLst/>
-            </a:prstGeom>
-            <a:noFill/>
-            <a:ln w="38100">
-              <a:solidFill>
-                <a:srgbClr val="C00000"/>
-              </a:solidFill>
-            </a:ln>
-          </p:spPr>
-          <p:style>
-            <a:lnRef idx="2">
-              <a:schemeClr val="accent1">
-                <a:shade val="50000"/>
-              </a:schemeClr>
-            </a:lnRef>
-            <a:fillRef idx="1">
-              <a:schemeClr val="accent1"/>
-            </a:fillRef>
-            <a:effectRef idx="0">
-              <a:schemeClr val="accent1"/>
-            </a:effectRef>
-            <a:fontRef idx="minor">
-              <a:schemeClr val="lt1"/>
-            </a:fontRef>
-          </p:style>
-          <p:txBody>
-            <a:bodyPr anchor="ctr"/>
-            <a:lstStyle/>
-            <a:p>
-              <a:pPr algn="ctr" eaLnBrk="0" fontAlgn="base" hangingPunct="0">
-                <a:spcBef>
-                  <a:spcPct val="0"/>
-                </a:spcBef>
-                <a:spcAft>
-                  <a:spcPct val="0"/>
-                </a:spcAft>
-                <a:defRPr/>
-              </a:pPr>
-              <a:endParaRPr lang="en-US" b="1" dirty="0">
-                <a:solidFill>
-                  <a:srgbClr val="FFFFFF"/>
-                </a:solidFill>
-                <a:latin typeface="Arial"/>
-              </a:endParaRPr>
-            </a:p>
-          </p:txBody>
-        </p:sp>
-      </p:grpSp>
+          <a:prstGeom prst="rect">
+            <a:avLst/>
+          </a:prstGeom>
+          <a:ln w="38100">
+            <a:solidFill>
+              <a:srgbClr val="C00000"/>
+            </a:solidFill>
+          </a:ln>
+        </p:spPr>
+      </p:pic>
       <p:cxnSp>
         <p:nvCxnSpPr>
           <p:cNvPr id="40" name="Straight Connector 39">
@@ -9163,8 +10512,8 @@
         </p:nvCxnSpPr>
         <p:spPr bwMode="auto">
           <a:xfrm flipV="1">
-            <a:off x="10583874" y="3647151"/>
-            <a:ext cx="0" cy="269146"/>
+            <a:off x="10835081" y="3271081"/>
+            <a:ext cx="0" cy="746666"/>
           </a:xfrm>
           <a:prstGeom prst="line">
             <a:avLst/>
@@ -9213,7 +10562,7 @@
         </p:nvCxnSpPr>
         <p:spPr bwMode="auto">
           <a:xfrm flipH="1">
-            <a:off x="8844188" y="3916297"/>
+            <a:off x="9102565" y="4017747"/>
             <a:ext cx="1750136" cy="0"/>
           </a:xfrm>
           <a:prstGeom prst="line">
@@ -9262,9 +10611,9 @@
           <p:nvPr/>
         </p:nvCxnSpPr>
         <p:spPr bwMode="auto">
-          <a:xfrm flipH="1">
-            <a:off x="7974149" y="3547702"/>
-            <a:ext cx="1368371" cy="0"/>
+          <a:xfrm flipV="1">
+            <a:off x="8304615" y="3548557"/>
+            <a:ext cx="1" cy="296258"/>
           </a:xfrm>
           <a:prstGeom prst="line">
             <a:avLst/>
@@ -9308,17 +10657,19 @@
           </p:cNvPr>
           <p:cNvCxnSpPr>
             <a:cxnSpLocks/>
+            <a:endCxn id="19" idx="3"/>
           </p:cNvCxnSpPr>
           <p:nvPr/>
         </p:nvCxnSpPr>
         <p:spPr bwMode="auto">
-          <a:xfrm>
-            <a:off x="9038638" y="4036616"/>
-            <a:ext cx="875161" cy="190461"/>
+          <a:xfrm rot="16200000" flipH="1">
+            <a:off x="8766416" y="4388929"/>
+            <a:ext cx="1087786" cy="519825"/>
           </a:xfrm>
-          <a:prstGeom prst="bentConnector3">
+          <a:prstGeom prst="bentConnector4">
             <a:avLst>
-              <a:gd name="adj1" fmla="val 99433"/>
+              <a:gd name="adj1" fmla="val -955"/>
+              <a:gd name="adj2" fmla="val 143976"/>
             </a:avLst>
           </a:prstGeom>
           <a:solidFill>
@@ -9365,7 +10716,7 @@
         </p:nvCxnSpPr>
         <p:spPr bwMode="auto">
           <a:xfrm>
-            <a:off x="6932951" y="5199106"/>
+            <a:off x="4687591" y="5239746"/>
             <a:ext cx="439285" cy="0"/>
           </a:xfrm>
           <a:prstGeom prst="line">
@@ -9399,277 +10750,6 @@
           </a:extLst>
         </p:spPr>
       </p:cxnSp>
-      <p:sp>
-        <p:nvSpPr>
-          <p:cNvPr id="79" name="TextBox 78">
-            <a:extLst>
-              <a:ext uri="{FF2B5EF4-FFF2-40B4-BE49-F238E27FC236}">
-                <a16:creationId xmlns:a16="http://schemas.microsoft.com/office/drawing/2014/main" id="{A8FCD0E1-4E9A-4E30-88FA-C09994363B00}"/>
-              </a:ext>
-            </a:extLst>
-          </p:cNvPr>
-          <p:cNvSpPr txBox="1">
-            <a:spLocks noChangeArrowheads="1"/>
-          </p:cNvSpPr>
-          <p:nvPr/>
-        </p:nvSpPr>
-        <p:spPr bwMode="auto">
-          <a:xfrm>
-            <a:off x="1848457" y="4428837"/>
-            <a:ext cx="2609730" cy="369332"/>
-          </a:xfrm>
-          <a:prstGeom prst="rect">
-            <a:avLst/>
-          </a:prstGeom>
-          <a:solidFill>
-            <a:srgbClr val="E1F2CE"/>
-          </a:solidFill>
-          <a:ln w="28575">
-            <a:solidFill>
-              <a:schemeClr val="tx1">
-                <a:lumMod val="50000"/>
-                <a:lumOff val="50000"/>
-              </a:schemeClr>
-            </a:solidFill>
-            <a:miter lim="800000"/>
-            <a:headEnd/>
-            <a:tailEnd/>
-          </a:ln>
-        </p:spPr>
-        <p:txBody>
-          <a:bodyPr wrap="square">
-            <a:spAutoFit/>
-          </a:bodyPr>
-          <a:lstStyle>
-            <a:lvl1pPr>
-              <a:spcBef>
-                <a:spcPct val="20000"/>
-              </a:spcBef>
-              <a:buChar char="•"/>
-              <a:defRPr sz="2200">
-                <a:solidFill>
-                  <a:schemeClr val="tx1"/>
-                </a:solidFill>
-                <a:latin typeface="Arial" panose="020B0604020202020204" pitchFamily="34" charset="0"/>
-                <a:ea typeface="ＭＳ Ｐゴシック" panose="020B0600070205080204" pitchFamily="34" charset="-128"/>
-              </a:defRPr>
-            </a:lvl1pPr>
-            <a:lvl2pPr marL="742950" indent="-285750">
-              <a:spcBef>
-                <a:spcPct val="20000"/>
-              </a:spcBef>
-              <a:buChar char="–"/>
-              <a:defRPr>
-                <a:solidFill>
-                  <a:schemeClr val="tx1"/>
-                </a:solidFill>
-                <a:latin typeface="Arial" panose="020B0604020202020204" pitchFamily="34" charset="0"/>
-                <a:ea typeface="ＭＳ Ｐゴシック" panose="020B0600070205080204" pitchFamily="34" charset="-128"/>
-              </a:defRPr>
-            </a:lvl2pPr>
-            <a:lvl3pPr marL="1143000" indent="-228600">
-              <a:spcBef>
-                <a:spcPct val="20000"/>
-              </a:spcBef>
-              <a:buChar char="•"/>
-              <a:defRPr sz="1400">
-                <a:solidFill>
-                  <a:schemeClr val="tx1"/>
-                </a:solidFill>
-                <a:latin typeface="Arial" panose="020B0604020202020204" pitchFamily="34" charset="0"/>
-                <a:ea typeface="ＭＳ Ｐゴシック" panose="020B0600070205080204" pitchFamily="34" charset="-128"/>
-              </a:defRPr>
-            </a:lvl3pPr>
-            <a:lvl4pPr marL="1600200" indent="-228600">
-              <a:spcBef>
-                <a:spcPct val="20000"/>
-              </a:spcBef>
-              <a:buChar char="–"/>
-              <a:defRPr sz="1000">
-                <a:solidFill>
-                  <a:schemeClr val="tx1"/>
-                </a:solidFill>
-                <a:latin typeface="Arial" panose="020B0604020202020204" pitchFamily="34" charset="0"/>
-                <a:ea typeface="ＭＳ Ｐゴシック" panose="020B0600070205080204" pitchFamily="34" charset="-128"/>
-              </a:defRPr>
-            </a:lvl4pPr>
-            <a:lvl5pPr marL="2057400" indent="-228600">
-              <a:spcBef>
-                <a:spcPct val="20000"/>
-              </a:spcBef>
-              <a:buChar char="»"/>
-              <a:defRPr sz="1000">
-                <a:solidFill>
-                  <a:schemeClr val="tx1"/>
-                </a:solidFill>
-                <a:latin typeface="Arial" panose="020B0604020202020204" pitchFamily="34" charset="0"/>
-                <a:ea typeface="ＭＳ Ｐゴシック" panose="020B0600070205080204" pitchFamily="34" charset="-128"/>
-              </a:defRPr>
-            </a:lvl5pPr>
-            <a:lvl6pPr marL="2514600" indent="-228600" eaLnBrk="0" fontAlgn="base" hangingPunct="0">
-              <a:spcBef>
-                <a:spcPct val="20000"/>
-              </a:spcBef>
-              <a:spcAft>
-                <a:spcPct val="0"/>
-              </a:spcAft>
-              <a:buChar char="»"/>
-              <a:defRPr sz="1000">
-                <a:solidFill>
-                  <a:schemeClr val="tx1"/>
-                </a:solidFill>
-                <a:latin typeface="Arial" panose="020B0604020202020204" pitchFamily="34" charset="0"/>
-                <a:ea typeface="ＭＳ Ｐゴシック" panose="020B0600070205080204" pitchFamily="34" charset="-128"/>
-              </a:defRPr>
-            </a:lvl6pPr>
-            <a:lvl7pPr marL="2971800" indent="-228600" eaLnBrk="0" fontAlgn="base" hangingPunct="0">
-              <a:spcBef>
-                <a:spcPct val="20000"/>
-              </a:spcBef>
-              <a:spcAft>
-                <a:spcPct val="0"/>
-              </a:spcAft>
-              <a:buChar char="»"/>
-              <a:defRPr sz="1000">
-                <a:solidFill>
-                  <a:schemeClr val="tx1"/>
-                </a:solidFill>
-                <a:latin typeface="Arial" panose="020B0604020202020204" pitchFamily="34" charset="0"/>
-                <a:ea typeface="ＭＳ Ｐゴシック" panose="020B0600070205080204" pitchFamily="34" charset="-128"/>
-              </a:defRPr>
-            </a:lvl7pPr>
-            <a:lvl8pPr marL="3429000" indent="-228600" eaLnBrk="0" fontAlgn="base" hangingPunct="0">
-              <a:spcBef>
-                <a:spcPct val="20000"/>
-              </a:spcBef>
-              <a:spcAft>
-                <a:spcPct val="0"/>
-              </a:spcAft>
-              <a:buChar char="»"/>
-              <a:defRPr sz="1000">
-                <a:solidFill>
-                  <a:schemeClr val="tx1"/>
-                </a:solidFill>
-                <a:latin typeface="Arial" panose="020B0604020202020204" pitchFamily="34" charset="0"/>
-                <a:ea typeface="ＭＳ Ｐゴシック" panose="020B0600070205080204" pitchFamily="34" charset="-128"/>
-              </a:defRPr>
-            </a:lvl8pPr>
-            <a:lvl9pPr marL="3886200" indent="-228600" eaLnBrk="0" fontAlgn="base" hangingPunct="0">
-              <a:spcBef>
-                <a:spcPct val="20000"/>
-              </a:spcBef>
-              <a:spcAft>
-                <a:spcPct val="0"/>
-              </a:spcAft>
-              <a:buChar char="»"/>
-              <a:defRPr sz="1000">
-                <a:solidFill>
-                  <a:schemeClr val="tx1"/>
-                </a:solidFill>
-                <a:latin typeface="Arial" panose="020B0604020202020204" pitchFamily="34" charset="0"/>
-                <a:ea typeface="ＭＳ Ｐゴシック" panose="020B0600070205080204" pitchFamily="34" charset="-128"/>
-              </a:defRPr>
-            </a:lvl9pPr>
-          </a:lstStyle>
-          <a:p>
-            <a:pPr fontAlgn="base">
-              <a:spcBef>
-                <a:spcPct val="0"/>
-              </a:spcBef>
-              <a:spcAft>
-                <a:spcPct val="0"/>
-              </a:spcAft>
-              <a:buNone/>
-              <a:defRPr/>
-            </a:pPr>
-            <a:r>
-              <a:rPr lang="en-US" altLang="en-US" sz="900" b="1" dirty="0">
-                <a:solidFill>
-                  <a:srgbClr val="000000"/>
-                </a:solidFill>
-              </a:rPr>
-              <a:t>Profile Group Type </a:t>
-            </a:r>
-            <a:r>
-              <a:rPr lang="en-US" altLang="en-US" sz="900" dirty="0">
-                <a:solidFill>
-                  <a:srgbClr val="000000"/>
-                </a:solidFill>
-              </a:rPr>
-              <a:t>is </a:t>
-            </a:r>
-            <a:r>
-              <a:rPr lang="en-US" altLang="en-US" sz="900" b="1" dirty="0">
-                <a:solidFill>
-                  <a:srgbClr val="000000"/>
-                </a:solidFill>
-              </a:rPr>
-              <a:t>Private</a:t>
-            </a:r>
-            <a:r>
-              <a:rPr lang="en-US" altLang="en-US" sz="900" dirty="0">
-                <a:solidFill>
-                  <a:srgbClr val="000000"/>
-                </a:solidFill>
-              </a:rPr>
-              <a:t> by default; click on </a:t>
-            </a:r>
-            <a:r>
-              <a:rPr lang="en-US" altLang="en-US" sz="900" b="1" dirty="0">
-                <a:solidFill>
-                  <a:srgbClr val="000000"/>
-                </a:solidFill>
-              </a:rPr>
-              <a:t>Make Public </a:t>
-            </a:r>
-            <a:r>
-              <a:rPr lang="en-US" altLang="en-US" sz="900" dirty="0">
-                <a:solidFill>
-                  <a:srgbClr val="000000"/>
-                </a:solidFill>
-              </a:rPr>
-              <a:t>to</a:t>
-            </a:r>
-            <a:r>
-              <a:rPr lang="en-US" altLang="en-US" sz="900" b="1" dirty="0">
-                <a:solidFill>
-                  <a:srgbClr val="000000"/>
-                </a:solidFill>
-              </a:rPr>
-              <a:t> </a:t>
-            </a:r>
-            <a:r>
-              <a:rPr lang="en-US" altLang="en-US" sz="900" dirty="0">
-                <a:solidFill>
-                  <a:srgbClr val="000000"/>
-                </a:solidFill>
-              </a:rPr>
-              <a:t>change to </a:t>
-            </a:r>
-            <a:r>
-              <a:rPr lang="en-US" altLang="en-US" sz="900" b="1" dirty="0">
-                <a:solidFill>
-                  <a:srgbClr val="000000"/>
-                </a:solidFill>
-              </a:rPr>
-              <a:t>Public</a:t>
-            </a:r>
-            <a:r>
-              <a:rPr lang="en-US" altLang="en-US" sz="900" dirty="0">
-                <a:solidFill>
-                  <a:srgbClr val="000000"/>
-                </a:solidFill>
-              </a:rPr>
-              <a:t> type. </a:t>
-            </a:r>
-            <a:endParaRPr lang="en-US" altLang="en-US" sz="900" b="1" dirty="0">
-              <a:solidFill>
-                <a:srgbClr val="000000"/>
-              </a:solidFill>
-            </a:endParaRPr>
-          </a:p>
-        </p:txBody>
-      </p:sp>
       <p:cxnSp>
         <p:nvCxnSpPr>
           <p:cNvPr id="84" name="Straight Connector 19">
@@ -9734,7 +10814,7 @@
         </p:nvSpPr>
         <p:spPr bwMode="auto">
           <a:xfrm>
-            <a:off x="7262755" y="4225570"/>
+            <a:off x="5017395" y="4266210"/>
             <a:ext cx="809524" cy="203267"/>
           </a:xfrm>
           <a:prstGeom prst="ellipse">
@@ -9792,10 +10872,10 @@
       </p:sp>
       <p:grpSp>
         <p:nvGrpSpPr>
-          <p:cNvPr id="87" name="Group 86">
+          <p:cNvPr id="39" name="Group 38">
             <a:extLst>
               <a:ext uri="{FF2B5EF4-FFF2-40B4-BE49-F238E27FC236}">
-                <a16:creationId xmlns:a16="http://schemas.microsoft.com/office/drawing/2014/main" id="{B3808188-BAF8-48A4-8A4B-56730B63F920}"/>
+                <a16:creationId xmlns:a16="http://schemas.microsoft.com/office/drawing/2014/main" id="{EA06A4F5-9557-4A0F-ACF6-8997E8B6B377}"/>
               </a:ext>
             </a:extLst>
           </p:cNvPr>
@@ -9804,7 +10884,7 @@
         </p:nvGrpSpPr>
         <p:grpSpPr>
           <a:xfrm>
-            <a:off x="9430277" y="1577264"/>
+            <a:off x="9433809" y="2075436"/>
             <a:ext cx="2063634" cy="379935"/>
             <a:chOff x="1837813" y="4604701"/>
             <a:chExt cx="1640463" cy="379935"/>
@@ -9812,10 +10892,10 @@
         </p:grpSpPr>
         <p:sp>
           <p:nvSpPr>
-            <p:cNvPr id="88" name="TextBox 87">
+            <p:cNvPr id="42" name="TextBox 41">
               <a:extLst>
                 <a:ext uri="{FF2B5EF4-FFF2-40B4-BE49-F238E27FC236}">
-                  <a16:creationId xmlns:a16="http://schemas.microsoft.com/office/drawing/2014/main" id="{DCB56DE4-30FA-40C4-A2D8-79E5F9F28588}"/>
+                  <a16:creationId xmlns:a16="http://schemas.microsoft.com/office/drawing/2014/main" id="{A3A0CB76-2F4E-49CB-B862-9DB0AC4E644F}"/>
                 </a:ext>
               </a:extLst>
             </p:cNvPr>
@@ -10027,10 +11107,10 @@
         </p:sp>
         <p:sp>
           <p:nvSpPr>
-            <p:cNvPr id="89" name="Oval 88">
+            <p:cNvPr id="44" name="Oval 43">
               <a:extLst>
                 <a:ext uri="{FF2B5EF4-FFF2-40B4-BE49-F238E27FC236}">
-                  <a16:creationId xmlns:a16="http://schemas.microsoft.com/office/drawing/2014/main" id="{43CAEDB0-4E1A-4991-BA7A-5AF3B449CCF8}"/>
+                  <a16:creationId xmlns:a16="http://schemas.microsoft.com/office/drawing/2014/main" id="{D6DFD1E3-A944-4C24-AE63-BEAE09537224}"/>
                 </a:ext>
               </a:extLst>
             </p:cNvPr>
@@ -10097,10 +11177,10 @@
       </p:grpSp>
       <p:sp>
         <p:nvSpPr>
-          <p:cNvPr id="91" name="Left Brace 90">
+          <p:cNvPr id="45" name="Left Brace 44">
             <a:extLst>
               <a:ext uri="{FF2B5EF4-FFF2-40B4-BE49-F238E27FC236}">
-                <a16:creationId xmlns:a16="http://schemas.microsoft.com/office/drawing/2014/main" id="{68AD8FF0-8BF3-4F21-9832-1407693F2461}"/>
+                <a16:creationId xmlns:a16="http://schemas.microsoft.com/office/drawing/2014/main" id="{391CABFC-2552-4CE4-941C-F2CD7D54F571}"/>
               </a:ext>
             </a:extLst>
           </p:cNvPr>
@@ -10109,8 +11189,8 @@
         </p:nvSpPr>
         <p:spPr>
           <a:xfrm rot="10800000">
-            <a:off x="9038638" y="936775"/>
-            <a:ext cx="567774" cy="2039653"/>
+            <a:off x="8980935" y="1126880"/>
+            <a:ext cx="625475" cy="2549292"/>
           </a:xfrm>
           <a:prstGeom prst="leftBrace">
             <a:avLst>
@@ -10179,10 +11259,467 @@
           </a:p>
         </p:txBody>
       </p:sp>
+      <p:cxnSp>
+        <p:nvCxnSpPr>
+          <p:cNvPr id="46" name="Straight Connector 45">
+            <a:extLst>
+              <a:ext uri="{FF2B5EF4-FFF2-40B4-BE49-F238E27FC236}">
+                <a16:creationId xmlns:a16="http://schemas.microsoft.com/office/drawing/2014/main" id="{36853B6B-2782-424F-B5B2-DCBCBD3882F6}"/>
+              </a:ext>
+            </a:extLst>
+          </p:cNvPr>
+          <p:cNvCxnSpPr>
+            <a:cxnSpLocks/>
+          </p:cNvCxnSpPr>
+          <p:nvPr/>
+        </p:nvCxnSpPr>
+        <p:spPr bwMode="auto">
+          <a:xfrm flipH="1" flipV="1">
+            <a:off x="8288556" y="3846959"/>
+            <a:ext cx="2102238" cy="15832"/>
+          </a:xfrm>
+          <a:prstGeom prst="line">
+            <a:avLst/>
+          </a:prstGeom>
+          <a:solidFill>
+            <a:schemeClr val="accent1"/>
+          </a:solidFill>
+          <a:ln w="28575" cap="flat" cmpd="sng" algn="ctr">
+            <a:solidFill>
+              <a:schemeClr val="bg1">
+                <a:lumMod val="50000"/>
+              </a:schemeClr>
+            </a:solidFill>
+            <a:prstDash val="solid"/>
+            <a:round/>
+            <a:headEnd type="none" w="med" len="med"/>
+            <a:tailEnd type="none" w="med" len="med"/>
+          </a:ln>
+          <a:effectLst/>
+          <a:extLst>
+            <a:ext uri="{AF507438-7753-43E0-B8FC-AC1667EBCBE1}">
+              <a14:hiddenEffects xmlns:a14="http://schemas.microsoft.com/office/drawing/2010/main">
+                <a:effectLst>
+                  <a:outerShdw dist="35921" dir="2700000" algn="ctr" rotWithShape="0">
+                    <a:schemeClr val="bg2"/>
+                  </a:outerShdw>
+                </a:effectLst>
+              </a14:hiddenEffects>
+            </a:ext>
+          </a:extLst>
+        </p:spPr>
+      </p:cxnSp>
+      <p:cxnSp>
+        <p:nvCxnSpPr>
+          <p:cNvPr id="47" name="Straight Connector 46">
+            <a:extLst>
+              <a:ext uri="{FF2B5EF4-FFF2-40B4-BE49-F238E27FC236}">
+                <a16:creationId xmlns:a16="http://schemas.microsoft.com/office/drawing/2014/main" id="{E1A4B53A-870F-434A-BA94-B454B6DE4ABC}"/>
+              </a:ext>
+            </a:extLst>
+          </p:cNvPr>
+          <p:cNvCxnSpPr>
+            <a:cxnSpLocks/>
+          </p:cNvCxnSpPr>
+          <p:nvPr/>
+        </p:nvCxnSpPr>
+        <p:spPr bwMode="auto">
+          <a:xfrm flipV="1">
+            <a:off x="10382208" y="3271081"/>
+            <a:ext cx="0" cy="600711"/>
+          </a:xfrm>
+          <a:prstGeom prst="line">
+            <a:avLst/>
+          </a:prstGeom>
+          <a:solidFill>
+            <a:schemeClr val="accent1"/>
+          </a:solidFill>
+          <a:ln w="28575" cap="flat" cmpd="sng" algn="ctr">
+            <a:solidFill>
+              <a:schemeClr val="bg1">
+                <a:lumMod val="50000"/>
+              </a:schemeClr>
+            </a:solidFill>
+            <a:prstDash val="solid"/>
+            <a:round/>
+            <a:headEnd type="none" w="med" len="med"/>
+            <a:tailEnd type="none" w="med" len="med"/>
+          </a:ln>
+          <a:effectLst/>
+          <a:extLst>
+            <a:ext uri="{AF507438-7753-43E0-B8FC-AC1667EBCBE1}">
+              <a14:hiddenEffects xmlns:a14="http://schemas.microsoft.com/office/drawing/2010/main">
+                <a:effectLst>
+                  <a:outerShdw dist="35921" dir="2700000" algn="ctr" rotWithShape="0">
+                    <a:schemeClr val="bg2"/>
+                  </a:outerShdw>
+                </a:effectLst>
+              </a14:hiddenEffects>
+            </a:ext>
+          </a:extLst>
+        </p:spPr>
+      </p:cxnSp>
+      <p:sp>
+        <p:nvSpPr>
+          <p:cNvPr id="48" name="Oval 47">
+            <a:extLst>
+              <a:ext uri="{FF2B5EF4-FFF2-40B4-BE49-F238E27FC236}">
+                <a16:creationId xmlns:a16="http://schemas.microsoft.com/office/drawing/2014/main" id="{B17A077B-93E8-4A98-9842-EA0BDE0F0FB3}"/>
+              </a:ext>
+            </a:extLst>
+          </p:cNvPr>
+          <p:cNvSpPr/>
+          <p:nvPr/>
+        </p:nvSpPr>
+        <p:spPr bwMode="auto">
+          <a:xfrm>
+            <a:off x="1007969" y="707892"/>
+            <a:ext cx="809524" cy="203267"/>
+          </a:xfrm>
+          <a:prstGeom prst="ellipse">
+            <a:avLst/>
+          </a:prstGeom>
+          <a:noFill/>
+          <a:ln w="28575" cap="flat" cmpd="sng" algn="ctr">
+            <a:solidFill>
+              <a:srgbClr val="FF0000"/>
+            </a:solidFill>
+            <a:prstDash val="solid"/>
+            <a:round/>
+            <a:headEnd type="none" w="med" len="med"/>
+            <a:tailEnd type="none" w="med" len="med"/>
+          </a:ln>
+          <a:effectLst/>
+          <a:extLst/>
+        </p:spPr>
+        <p:txBody>
+          <a:bodyPr vert="horz" wrap="square" lIns="91440" tIns="45720" rIns="91440" bIns="45720" numCol="1" rtlCol="0" anchor="t" anchorCtr="0" compatLnSpc="1">
+            <a:prstTxWarp prst="textNoShape">
+              <a:avLst/>
+            </a:prstTxWarp>
+          </a:bodyPr>
+          <a:lstStyle/>
+          <a:p>
+            <a:pPr marL="0" marR="0" indent="0" algn="l" defTabSz="914400" rtl="0" eaLnBrk="1" fontAlgn="base" latinLnBrk="0" hangingPunct="1">
+              <a:lnSpc>
+                <a:spcPct val="100000"/>
+              </a:lnSpc>
+              <a:spcBef>
+                <a:spcPct val="0"/>
+              </a:spcBef>
+              <a:spcAft>
+                <a:spcPct val="0"/>
+              </a:spcAft>
+              <a:buClrTx/>
+              <a:buSzTx/>
+              <a:buFontTx/>
+              <a:buNone/>
+              <a:tabLst/>
+            </a:pPr>
+            <a:endParaRPr kumimoji="0" lang="en-US" sz="1800" b="1" i="0" u="none" strike="noStrike" cap="none" normalizeH="0" baseline="0" dirty="0">
+              <a:ln>
+                <a:noFill/>
+              </a:ln>
+              <a:solidFill>
+                <a:schemeClr val="tx1"/>
+              </a:solidFill>
+              <a:effectLst/>
+              <a:latin typeface="Arial" charset="0"/>
+            </a:endParaRPr>
+          </a:p>
+        </p:txBody>
+      </p:sp>
+      <p:sp>
+        <p:nvSpPr>
+          <p:cNvPr id="79" name="TextBox 78">
+            <a:extLst>
+              <a:ext uri="{FF2B5EF4-FFF2-40B4-BE49-F238E27FC236}">
+                <a16:creationId xmlns:a16="http://schemas.microsoft.com/office/drawing/2014/main" id="{A8FCD0E1-4E9A-4E30-88FA-C09994363B00}"/>
+              </a:ext>
+            </a:extLst>
+          </p:cNvPr>
+          <p:cNvSpPr txBox="1">
+            <a:spLocks noChangeArrowheads="1"/>
+          </p:cNvSpPr>
+          <p:nvPr/>
+        </p:nvSpPr>
+        <p:spPr bwMode="auto">
+          <a:xfrm>
+            <a:off x="1545727" y="4346396"/>
+            <a:ext cx="2802032" cy="507831"/>
+          </a:xfrm>
+          <a:prstGeom prst="rect">
+            <a:avLst/>
+          </a:prstGeom>
+          <a:solidFill>
+            <a:srgbClr val="E1F2CE"/>
+          </a:solidFill>
+          <a:ln w="28575">
+            <a:solidFill>
+              <a:schemeClr val="tx1">
+                <a:lumMod val="50000"/>
+                <a:lumOff val="50000"/>
+              </a:schemeClr>
+            </a:solidFill>
+            <a:miter lim="800000"/>
+            <a:headEnd/>
+            <a:tailEnd/>
+          </a:ln>
+        </p:spPr>
+        <p:txBody>
+          <a:bodyPr wrap="square">
+            <a:spAutoFit/>
+          </a:bodyPr>
+          <a:lstStyle>
+            <a:lvl1pPr>
+              <a:spcBef>
+                <a:spcPct val="20000"/>
+              </a:spcBef>
+              <a:buChar char="•"/>
+              <a:defRPr sz="2200">
+                <a:solidFill>
+                  <a:schemeClr val="tx1"/>
+                </a:solidFill>
+                <a:latin typeface="Arial" panose="020B0604020202020204" pitchFamily="34" charset="0"/>
+                <a:ea typeface="ＭＳ Ｐゴシック" panose="020B0600070205080204" pitchFamily="34" charset="-128"/>
+              </a:defRPr>
+            </a:lvl1pPr>
+            <a:lvl2pPr marL="742950" indent="-285750">
+              <a:spcBef>
+                <a:spcPct val="20000"/>
+              </a:spcBef>
+              <a:buChar char="–"/>
+              <a:defRPr>
+                <a:solidFill>
+                  <a:schemeClr val="tx1"/>
+                </a:solidFill>
+                <a:latin typeface="Arial" panose="020B0604020202020204" pitchFamily="34" charset="0"/>
+                <a:ea typeface="ＭＳ Ｐゴシック" panose="020B0600070205080204" pitchFamily="34" charset="-128"/>
+              </a:defRPr>
+            </a:lvl2pPr>
+            <a:lvl3pPr marL="1143000" indent="-228600">
+              <a:spcBef>
+                <a:spcPct val="20000"/>
+              </a:spcBef>
+              <a:buChar char="•"/>
+              <a:defRPr sz="1400">
+                <a:solidFill>
+                  <a:schemeClr val="tx1"/>
+                </a:solidFill>
+                <a:latin typeface="Arial" panose="020B0604020202020204" pitchFamily="34" charset="0"/>
+                <a:ea typeface="ＭＳ Ｐゴシック" panose="020B0600070205080204" pitchFamily="34" charset="-128"/>
+              </a:defRPr>
+            </a:lvl3pPr>
+            <a:lvl4pPr marL="1600200" indent="-228600">
+              <a:spcBef>
+                <a:spcPct val="20000"/>
+              </a:spcBef>
+              <a:buChar char="–"/>
+              <a:defRPr sz="1000">
+                <a:solidFill>
+                  <a:schemeClr val="tx1"/>
+                </a:solidFill>
+                <a:latin typeface="Arial" panose="020B0604020202020204" pitchFamily="34" charset="0"/>
+                <a:ea typeface="ＭＳ Ｐゴシック" panose="020B0600070205080204" pitchFamily="34" charset="-128"/>
+              </a:defRPr>
+            </a:lvl4pPr>
+            <a:lvl5pPr marL="2057400" indent="-228600">
+              <a:spcBef>
+                <a:spcPct val="20000"/>
+              </a:spcBef>
+              <a:buChar char="»"/>
+              <a:defRPr sz="1000">
+                <a:solidFill>
+                  <a:schemeClr val="tx1"/>
+                </a:solidFill>
+                <a:latin typeface="Arial" panose="020B0604020202020204" pitchFamily="34" charset="0"/>
+                <a:ea typeface="ＭＳ Ｐゴシック" panose="020B0600070205080204" pitchFamily="34" charset="-128"/>
+              </a:defRPr>
+            </a:lvl5pPr>
+            <a:lvl6pPr marL="2514600" indent="-228600" eaLnBrk="0" fontAlgn="base" hangingPunct="0">
+              <a:spcBef>
+                <a:spcPct val="20000"/>
+              </a:spcBef>
+              <a:spcAft>
+                <a:spcPct val="0"/>
+              </a:spcAft>
+              <a:buChar char="»"/>
+              <a:defRPr sz="1000">
+                <a:solidFill>
+                  <a:schemeClr val="tx1"/>
+                </a:solidFill>
+                <a:latin typeface="Arial" panose="020B0604020202020204" pitchFamily="34" charset="0"/>
+                <a:ea typeface="ＭＳ Ｐゴシック" panose="020B0600070205080204" pitchFamily="34" charset="-128"/>
+              </a:defRPr>
+            </a:lvl6pPr>
+            <a:lvl7pPr marL="2971800" indent="-228600" eaLnBrk="0" fontAlgn="base" hangingPunct="0">
+              <a:spcBef>
+                <a:spcPct val="20000"/>
+              </a:spcBef>
+              <a:spcAft>
+                <a:spcPct val="0"/>
+              </a:spcAft>
+              <a:buChar char="»"/>
+              <a:defRPr sz="1000">
+                <a:solidFill>
+                  <a:schemeClr val="tx1"/>
+                </a:solidFill>
+                <a:latin typeface="Arial" panose="020B0604020202020204" pitchFamily="34" charset="0"/>
+                <a:ea typeface="ＭＳ Ｐゴシック" panose="020B0600070205080204" pitchFamily="34" charset="-128"/>
+              </a:defRPr>
+            </a:lvl7pPr>
+            <a:lvl8pPr marL="3429000" indent="-228600" eaLnBrk="0" fontAlgn="base" hangingPunct="0">
+              <a:spcBef>
+                <a:spcPct val="20000"/>
+              </a:spcBef>
+              <a:spcAft>
+                <a:spcPct val="0"/>
+              </a:spcAft>
+              <a:buChar char="»"/>
+              <a:defRPr sz="1000">
+                <a:solidFill>
+                  <a:schemeClr val="tx1"/>
+                </a:solidFill>
+                <a:latin typeface="Arial" panose="020B0604020202020204" pitchFamily="34" charset="0"/>
+                <a:ea typeface="ＭＳ Ｐゴシック" panose="020B0600070205080204" pitchFamily="34" charset="-128"/>
+              </a:defRPr>
+            </a:lvl8pPr>
+            <a:lvl9pPr marL="3886200" indent="-228600" eaLnBrk="0" fontAlgn="base" hangingPunct="0">
+              <a:spcBef>
+                <a:spcPct val="20000"/>
+              </a:spcBef>
+              <a:spcAft>
+                <a:spcPct val="0"/>
+              </a:spcAft>
+              <a:buChar char="»"/>
+              <a:defRPr sz="1000">
+                <a:solidFill>
+                  <a:schemeClr val="tx1"/>
+                </a:solidFill>
+                <a:latin typeface="Arial" panose="020B0604020202020204" pitchFamily="34" charset="0"/>
+                <a:ea typeface="ＭＳ Ｐゴシック" panose="020B0600070205080204" pitchFamily="34" charset="-128"/>
+              </a:defRPr>
+            </a:lvl9pPr>
+          </a:lstStyle>
+          <a:p>
+            <a:pPr fontAlgn="base">
+              <a:spcBef>
+                <a:spcPct val="0"/>
+              </a:spcBef>
+              <a:spcAft>
+                <a:spcPct val="0"/>
+              </a:spcAft>
+              <a:buNone/>
+              <a:defRPr/>
+            </a:pPr>
+            <a:r>
+              <a:rPr lang="en-US" altLang="en-US" sz="900" b="1" dirty="0">
+                <a:solidFill>
+                  <a:srgbClr val="000000"/>
+                </a:solidFill>
+              </a:rPr>
+              <a:t>Profile Group Type </a:t>
+            </a:r>
+            <a:r>
+              <a:rPr lang="en-US" altLang="en-US" sz="900" dirty="0">
+                <a:solidFill>
+                  <a:srgbClr val="000000"/>
+                </a:solidFill>
+              </a:rPr>
+              <a:t>is </a:t>
+            </a:r>
+            <a:r>
+              <a:rPr lang="en-US" altLang="en-US" sz="900" b="1" dirty="0">
+                <a:solidFill>
+                  <a:srgbClr val="000000"/>
+                </a:solidFill>
+              </a:rPr>
+              <a:t>Private</a:t>
+            </a:r>
+            <a:r>
+              <a:rPr lang="en-US" altLang="en-US" sz="900" dirty="0">
+                <a:solidFill>
+                  <a:srgbClr val="000000"/>
+                </a:solidFill>
+              </a:rPr>
+              <a:t> by default; registered users with </a:t>
+            </a:r>
+            <a:r>
+              <a:rPr lang="en-US" altLang="en-US" sz="900" b="1" dirty="0">
+                <a:solidFill>
+                  <a:srgbClr val="000000"/>
+                </a:solidFill>
+              </a:rPr>
+              <a:t>Publisher Privileges </a:t>
+            </a:r>
+            <a:r>
+              <a:rPr lang="en-US" altLang="en-US" sz="900" dirty="0">
+                <a:solidFill>
+                  <a:srgbClr val="000000"/>
+                </a:solidFill>
+              </a:rPr>
+              <a:t>can click on </a:t>
+            </a:r>
+            <a:r>
+              <a:rPr lang="en-US" altLang="en-US" sz="900" b="1" dirty="0">
+                <a:solidFill>
+                  <a:srgbClr val="000000"/>
+                </a:solidFill>
+              </a:rPr>
+              <a:t>Make Public </a:t>
+            </a:r>
+            <a:r>
+              <a:rPr lang="en-US" altLang="en-US" sz="900" dirty="0">
+                <a:solidFill>
+                  <a:srgbClr val="000000"/>
+                </a:solidFill>
+              </a:rPr>
+              <a:t>to</a:t>
+            </a:r>
+            <a:r>
+              <a:rPr lang="en-US" altLang="en-US" sz="900" b="1" dirty="0">
+                <a:solidFill>
+                  <a:srgbClr val="000000"/>
+                </a:solidFill>
+              </a:rPr>
+              <a:t> </a:t>
+            </a:r>
+            <a:r>
+              <a:rPr lang="en-US" altLang="en-US" sz="900" dirty="0">
+                <a:solidFill>
+                  <a:srgbClr val="000000"/>
+                </a:solidFill>
+              </a:rPr>
+              <a:t>change to </a:t>
+            </a:r>
+            <a:r>
+              <a:rPr lang="en-US" altLang="en-US" sz="900" b="1" dirty="0">
+                <a:solidFill>
+                  <a:srgbClr val="000000"/>
+                </a:solidFill>
+              </a:rPr>
+              <a:t>Public</a:t>
+            </a:r>
+            <a:r>
+              <a:rPr lang="en-US" altLang="en-US" sz="900" dirty="0">
+                <a:solidFill>
+                  <a:srgbClr val="000000"/>
+                </a:solidFill>
+              </a:rPr>
+              <a:t> type. </a:t>
+            </a:r>
+            <a:endParaRPr lang="en-US" altLang="en-US" sz="900" b="1" dirty="0">
+              <a:solidFill>
+                <a:srgbClr val="000000"/>
+              </a:solidFill>
+            </a:endParaRPr>
+          </a:p>
+        </p:txBody>
+      </p:sp>
     </p:spTree>
     <p:extLst>
       <p:ext uri="{BB962C8B-B14F-4D97-AF65-F5344CB8AC3E}">
-        <p14:creationId xmlns:p14="http://schemas.microsoft.com/office/powerpoint/2010/main" val="121457644"/>
+        <p14:creationId xmlns:p14="http://schemas.microsoft.com/office/powerpoint/2010/main" val="1666118900"/>
       </p:ext>
     </p:extLst>
   </p:cSld>
